--- a/docs/image-sources/kar-figures.pptx
+++ b/docs/image-sources/kar-figures.pptx
@@ -198,7 +198,7 @@
           <a:p>
             <a:fld id="{DC65C951-F6DB-3040-8A26-A34F90C6DE08}" type="datetimeFigureOut">
               <a:rPr lang="en-US" smtClean="0"/>
-              <a:t>4/9/20</a:t>
+              <a:t>4/16/20</a:t>
             </a:fld>
             <a:endParaRPr lang="en-US"/>
           </a:p>
@@ -780,7 +780,7 @@
           <a:p>
             <a:fld id="{F924721D-9C5E-6B49-AC5B-655F66DDA7A3}" type="datetime1">
               <a:rPr lang="en-US" smtClean="0"/>
-              <a:t>4/9/20</a:t>
+              <a:t>4/16/20</a:t>
             </a:fld>
             <a:endParaRPr lang="en-US"/>
           </a:p>
@@ -978,7 +978,7 @@
           <a:p>
             <a:fld id="{410D5C4C-AC47-7642-B604-A05A66F14757}" type="datetime1">
               <a:rPr lang="en-US" smtClean="0"/>
-              <a:t>4/9/20</a:t>
+              <a:t>4/16/20</a:t>
             </a:fld>
             <a:endParaRPr lang="en-US"/>
           </a:p>
@@ -1186,7 +1186,7 @@
           <a:p>
             <a:fld id="{81BFAE4C-29D7-A84F-A4B9-15F332B42075}" type="datetime1">
               <a:rPr lang="en-US" smtClean="0"/>
-              <a:t>4/9/20</a:t>
+              <a:t>4/16/20</a:t>
             </a:fld>
             <a:endParaRPr lang="en-US"/>
           </a:p>
@@ -1384,7 +1384,7 @@
           <a:p>
             <a:fld id="{F32190BF-3CB9-4F4C-9755-39D6FE4B7A74}" type="datetime1">
               <a:rPr lang="en-US" smtClean="0"/>
-              <a:t>4/9/20</a:t>
+              <a:t>4/16/20</a:t>
             </a:fld>
             <a:endParaRPr lang="en-US"/>
           </a:p>
@@ -1659,7 +1659,7 @@
           <a:p>
             <a:fld id="{E19308FC-30CC-9741-A0ED-8F155680C791}" type="datetime1">
               <a:rPr lang="en-US" smtClean="0"/>
-              <a:t>4/9/20</a:t>
+              <a:t>4/16/20</a:t>
             </a:fld>
             <a:endParaRPr lang="en-US"/>
           </a:p>
@@ -1924,7 +1924,7 @@
           <a:p>
             <a:fld id="{6841A4A3-0324-C64F-9FE7-6903EC895BB9}" type="datetime1">
               <a:rPr lang="en-US" smtClean="0"/>
-              <a:t>4/9/20</a:t>
+              <a:t>4/16/20</a:t>
             </a:fld>
             <a:endParaRPr lang="en-US"/>
           </a:p>
@@ -2336,7 +2336,7 @@
           <a:p>
             <a:fld id="{1E90409D-4799-CD41-898D-FC6CC1258871}" type="datetime1">
               <a:rPr lang="en-US" smtClean="0"/>
-              <a:t>4/9/20</a:t>
+              <a:t>4/16/20</a:t>
             </a:fld>
             <a:endParaRPr lang="en-US"/>
           </a:p>
@@ -2477,7 +2477,7 @@
           <a:p>
             <a:fld id="{34C43BAA-C11F-FD4E-8D10-9852881CF7D8}" type="datetime1">
               <a:rPr lang="en-US" smtClean="0"/>
-              <a:t>4/9/20</a:t>
+              <a:t>4/16/20</a:t>
             </a:fld>
             <a:endParaRPr lang="en-US"/>
           </a:p>
@@ -2590,7 +2590,7 @@
           <a:p>
             <a:fld id="{D997C73D-4315-D949-8336-F9609DECEE68}" type="datetime1">
               <a:rPr lang="en-US" smtClean="0"/>
-              <a:t>4/9/20</a:t>
+              <a:t>4/16/20</a:t>
             </a:fld>
             <a:endParaRPr lang="en-US"/>
           </a:p>
@@ -2901,7 +2901,7 @@
           <a:p>
             <a:fld id="{392654A9-410C-824C-82D8-C652E365CD9E}" type="datetime1">
               <a:rPr lang="en-US" smtClean="0"/>
-              <a:t>4/9/20</a:t>
+              <a:t>4/16/20</a:t>
             </a:fld>
             <a:endParaRPr lang="en-US"/>
           </a:p>
@@ -3189,7 +3189,7 @@
           <a:p>
             <a:fld id="{8A615C88-D66E-A94A-8D6A-02B32F892117}" type="datetime1">
               <a:rPr lang="en-US" smtClean="0"/>
-              <a:t>4/9/20</a:t>
+              <a:t>4/16/20</a:t>
             </a:fld>
             <a:endParaRPr lang="en-US"/>
           </a:p>
@@ -3430,7 +3430,7 @@
           <a:p>
             <a:fld id="{CD1EC2A6-1E91-8048-8D30-369F2C578845}" type="datetime1">
               <a:rPr lang="en-US" smtClean="0"/>
-              <a:t>4/9/20</a:t>
+              <a:t>4/16/20</a:t>
             </a:fld>
             <a:endParaRPr lang="en-US"/>
           </a:p>
@@ -3848,12 +3848,41 @@
           <a:chExt cx="0" cy="0"/>
         </a:xfrm>
       </p:grpSpPr>
+      <p:sp>
+        <p:nvSpPr>
+          <p:cNvPr id="11" name="Slide Number Placeholder 10">
+            <a:extLst>
+              <a:ext uri="{FF2B5EF4-FFF2-40B4-BE49-F238E27FC236}">
+                <a16:creationId xmlns:a16="http://schemas.microsoft.com/office/drawing/2014/main" id="{6D8DB929-A3D6-BE42-AABF-DE04CA8C986F}"/>
+              </a:ext>
+            </a:extLst>
+          </p:cNvPr>
+          <p:cNvSpPr>
+            <a:spLocks noGrp="1"/>
+          </p:cNvSpPr>
+          <p:nvPr>
+            <p:ph type="sldNum" sz="quarter" idx="12"/>
+          </p:nvPr>
+        </p:nvSpPr>
+        <p:spPr/>
+        <p:txBody>
+          <a:bodyPr/>
+          <a:lstStyle/>
+          <a:p>
+            <a:fld id="{FC517010-E647-2249-A958-B3027541DB25}" type="slidenum">
+              <a:rPr lang="en-US" smtClean="0"/>
+              <a:t>1</a:t>
+            </a:fld>
+            <a:endParaRPr lang="en-US"/>
+          </a:p>
+        </p:txBody>
+      </p:sp>
       <p:grpSp>
         <p:nvGrpSpPr>
-          <p:cNvPr id="48" name="Group 47">
-            <a:extLst>
-              <a:ext uri="{FF2B5EF4-FFF2-40B4-BE49-F238E27FC236}">
-                <a16:creationId xmlns:a16="http://schemas.microsoft.com/office/drawing/2014/main" id="{93BBD36D-361F-9640-9A84-6C175F7AE521}"/>
+          <p:cNvPr id="5" name="Group 4">
+            <a:extLst>
+              <a:ext uri="{FF2B5EF4-FFF2-40B4-BE49-F238E27FC236}">
+                <a16:creationId xmlns:a16="http://schemas.microsoft.com/office/drawing/2014/main" id="{0DE20333-5AC7-1542-9301-494CFDAFC83B}"/>
               </a:ext>
             </a:extLst>
           </p:cNvPr>
@@ -3862,7 +3891,1562 @@
         </p:nvGrpSpPr>
         <p:grpSpPr>
           <a:xfrm>
-            <a:off x="1693584" y="2728119"/>
+            <a:off x="5964621" y="2868403"/>
+            <a:ext cx="2086708" cy="1556504"/>
+            <a:chOff x="5964621" y="2868403"/>
+            <a:chExt cx="2086708" cy="1556504"/>
+          </a:xfrm>
+        </p:grpSpPr>
+        <p:sp>
+          <p:nvSpPr>
+            <p:cNvPr id="50" name="TextBox 49">
+              <a:extLst>
+                <a:ext uri="{FF2B5EF4-FFF2-40B4-BE49-F238E27FC236}">
+                  <a16:creationId xmlns:a16="http://schemas.microsoft.com/office/drawing/2014/main" id="{3DCCF9A3-AA0E-194C-AC93-432CFE41AFC9}"/>
+                </a:ext>
+              </a:extLst>
+            </p:cNvPr>
+            <p:cNvSpPr txBox="1"/>
+            <p:nvPr/>
+          </p:nvSpPr>
+          <p:spPr>
+            <a:xfrm>
+              <a:off x="5964622" y="4024797"/>
+              <a:ext cx="2086707" cy="400110"/>
+            </a:xfrm>
+            <a:prstGeom prst="rect">
+              <a:avLst/>
+            </a:prstGeom>
+            <a:solidFill>
+              <a:schemeClr val="accent6"/>
+            </a:solidFill>
+          </p:spPr>
+          <p:txBody>
+            <a:bodyPr wrap="square" rtlCol="0">
+              <a:spAutoFit/>
+            </a:bodyPr>
+            <a:lstStyle/>
+            <a:p>
+              <a:pPr algn="ctr"/>
+              <a:r>
+                <a:rPr lang="en-US" sz="2000" dirty="0">
+                  <a:solidFill>
+                    <a:schemeClr val="bg1"/>
+                  </a:solidFill>
+                </a:rPr>
+                <a:t>App Component</a:t>
+              </a:r>
+            </a:p>
+          </p:txBody>
+        </p:sp>
+        <p:sp>
+          <p:nvSpPr>
+            <p:cNvPr id="51" name="TextBox 50">
+              <a:extLst>
+                <a:ext uri="{FF2B5EF4-FFF2-40B4-BE49-F238E27FC236}">
+                  <a16:creationId xmlns:a16="http://schemas.microsoft.com/office/drawing/2014/main" id="{7013DF50-956D-C244-BAAC-E043039CF135}"/>
+                </a:ext>
+              </a:extLst>
+            </p:cNvPr>
+            <p:cNvSpPr txBox="1"/>
+            <p:nvPr/>
+          </p:nvSpPr>
+          <p:spPr>
+            <a:xfrm>
+              <a:off x="5964621" y="2868403"/>
+              <a:ext cx="2086707" cy="400110"/>
+            </a:xfrm>
+            <a:prstGeom prst="rect">
+              <a:avLst/>
+            </a:prstGeom>
+            <a:solidFill>
+              <a:srgbClr val="0070C0"/>
+            </a:solidFill>
+          </p:spPr>
+          <p:txBody>
+            <a:bodyPr wrap="square" rtlCol="0">
+              <a:spAutoFit/>
+            </a:bodyPr>
+            <a:lstStyle/>
+            <a:p>
+              <a:pPr algn="ctr"/>
+              <a:r>
+                <a:rPr lang="en-US" sz="2000" dirty="0">
+                  <a:solidFill>
+                    <a:schemeClr val="bg1"/>
+                  </a:solidFill>
+                </a:rPr>
+                <a:t>KAR sidecar</a:t>
+              </a:r>
+            </a:p>
+          </p:txBody>
+        </p:sp>
+        <p:cxnSp>
+          <p:nvCxnSpPr>
+            <p:cNvPr id="52" name="Straight Arrow Connector 51">
+              <a:extLst>
+                <a:ext uri="{FF2B5EF4-FFF2-40B4-BE49-F238E27FC236}">
+                  <a16:creationId xmlns:a16="http://schemas.microsoft.com/office/drawing/2014/main" id="{1ADC2670-884D-D24D-B16C-081AA05054A9}"/>
+                </a:ext>
+              </a:extLst>
+            </p:cNvPr>
+            <p:cNvCxnSpPr>
+              <a:cxnSpLocks/>
+              <a:stCxn id="51" idx="2"/>
+              <a:endCxn id="50" idx="0"/>
+            </p:cNvCxnSpPr>
+            <p:nvPr/>
+          </p:nvCxnSpPr>
+          <p:spPr>
+            <a:xfrm>
+              <a:off x="7007975" y="3268513"/>
+              <a:ext cx="1" cy="756284"/>
+            </a:xfrm>
+            <a:prstGeom prst="straightConnector1">
+              <a:avLst/>
+            </a:prstGeom>
+            <a:ln w="38100">
+              <a:headEnd type="triangle"/>
+              <a:tailEnd type="triangle"/>
+            </a:ln>
+          </p:spPr>
+          <p:style>
+            <a:lnRef idx="1">
+              <a:schemeClr val="accent1"/>
+            </a:lnRef>
+            <a:fillRef idx="0">
+              <a:schemeClr val="accent1"/>
+            </a:fillRef>
+            <a:effectRef idx="0">
+              <a:schemeClr val="accent1"/>
+            </a:effectRef>
+            <a:fontRef idx="minor">
+              <a:schemeClr val="tx1"/>
+            </a:fontRef>
+          </p:style>
+        </p:cxnSp>
+        <p:sp>
+          <p:nvSpPr>
+            <p:cNvPr id="53" name="TextBox 52">
+              <a:extLst>
+                <a:ext uri="{FF2B5EF4-FFF2-40B4-BE49-F238E27FC236}">
+                  <a16:creationId xmlns:a16="http://schemas.microsoft.com/office/drawing/2014/main" id="{0D06758F-3BDA-8C4E-8F31-E9EE9C084D19}"/>
+                </a:ext>
+              </a:extLst>
+            </p:cNvPr>
+            <p:cNvSpPr txBox="1"/>
+            <p:nvPr/>
+          </p:nvSpPr>
+          <p:spPr>
+            <a:xfrm>
+              <a:off x="7007974" y="3506022"/>
+              <a:ext cx="914400" cy="369332"/>
+            </a:xfrm>
+            <a:prstGeom prst="rect">
+              <a:avLst/>
+            </a:prstGeom>
+            <a:noFill/>
+          </p:spPr>
+          <p:txBody>
+            <a:bodyPr wrap="square" rtlCol="0">
+              <a:spAutoFit/>
+            </a:bodyPr>
+            <a:lstStyle/>
+            <a:p>
+              <a:r>
+                <a:rPr lang="en-US" dirty="0"/>
+                <a:t>http</a:t>
+              </a:r>
+            </a:p>
+          </p:txBody>
+        </p:sp>
+      </p:grpSp>
+      <p:sp>
+        <p:nvSpPr>
+          <p:cNvPr id="2" name="TextBox 1">
+            <a:extLst>
+              <a:ext uri="{FF2B5EF4-FFF2-40B4-BE49-F238E27FC236}">
+                <a16:creationId xmlns:a16="http://schemas.microsoft.com/office/drawing/2014/main" id="{B81F55F5-62D5-5840-AB21-2005E1694ADF}"/>
+              </a:ext>
+            </a:extLst>
+          </p:cNvPr>
+          <p:cNvSpPr txBox="1"/>
+          <p:nvPr/>
+        </p:nvSpPr>
+        <p:spPr>
+          <a:xfrm>
+            <a:off x="5729555" y="5233741"/>
+            <a:ext cx="2596055" cy="369332"/>
+          </a:xfrm>
+          <a:prstGeom prst="rect">
+            <a:avLst/>
+          </a:prstGeom>
+          <a:noFill/>
+        </p:spPr>
+        <p:txBody>
+          <a:bodyPr wrap="square" rtlCol="0">
+            <a:spAutoFit/>
+          </a:bodyPr>
+          <a:lstStyle/>
+          <a:p>
+            <a:r>
+              <a:rPr lang="en-US" dirty="0"/>
+              <a:t>Local mode (2 processes)</a:t>
+            </a:r>
+          </a:p>
+        </p:txBody>
+      </p:sp>
+      <p:grpSp>
+        <p:nvGrpSpPr>
+          <p:cNvPr id="9" name="Group 8">
+            <a:extLst>
+              <a:ext uri="{FF2B5EF4-FFF2-40B4-BE49-F238E27FC236}">
+                <a16:creationId xmlns:a16="http://schemas.microsoft.com/office/drawing/2014/main" id="{D04C0CD1-537A-D44F-A738-78DA53ECDF6C}"/>
+              </a:ext>
+            </a:extLst>
+          </p:cNvPr>
+          <p:cNvGrpSpPr/>
+          <p:nvPr/>
+        </p:nvGrpSpPr>
+        <p:grpSpPr>
+          <a:xfrm>
+            <a:off x="1762405" y="2382032"/>
+            <a:ext cx="2743196" cy="2590800"/>
+            <a:chOff x="2198080" y="3241702"/>
+            <a:chExt cx="2743196" cy="2590800"/>
+          </a:xfrm>
+        </p:grpSpPr>
+        <p:sp>
+          <p:nvSpPr>
+            <p:cNvPr id="10" name="Rectangle 9">
+              <a:extLst>
+                <a:ext uri="{FF2B5EF4-FFF2-40B4-BE49-F238E27FC236}">
+                  <a16:creationId xmlns:a16="http://schemas.microsoft.com/office/drawing/2014/main" id="{EDEA59C7-3471-AA49-94AB-EEAAF92D62F8}"/>
+                </a:ext>
+              </a:extLst>
+            </p:cNvPr>
+            <p:cNvSpPr/>
+            <p:nvPr/>
+          </p:nvSpPr>
+          <p:spPr>
+            <a:xfrm>
+              <a:off x="2198080" y="3241702"/>
+              <a:ext cx="2743196" cy="2590800"/>
+            </a:xfrm>
+            <a:prstGeom prst="rect">
+              <a:avLst/>
+            </a:prstGeom>
+            <a:solidFill>
+              <a:schemeClr val="accent2">
+                <a:lumMod val="40000"/>
+                <a:lumOff val="60000"/>
+              </a:schemeClr>
+            </a:solidFill>
+          </p:spPr>
+          <p:style>
+            <a:lnRef idx="2">
+              <a:schemeClr val="accent1">
+                <a:shade val="50000"/>
+              </a:schemeClr>
+            </a:lnRef>
+            <a:fillRef idx="1">
+              <a:schemeClr val="accent1"/>
+            </a:fillRef>
+            <a:effectRef idx="0">
+              <a:schemeClr val="accent1"/>
+            </a:effectRef>
+            <a:fontRef idx="minor">
+              <a:schemeClr val="lt1"/>
+            </a:fontRef>
+          </p:style>
+          <p:txBody>
+            <a:bodyPr rtlCol="0" anchor="ctr"/>
+            <a:lstStyle/>
+            <a:p>
+              <a:r>
+                <a:rPr lang="en-US" dirty="0">
+                  <a:solidFill>
+                    <a:schemeClr val="tx1"/>
+                  </a:solidFill>
+                </a:rPr>
+                <a:t>pod</a:t>
+              </a:r>
+            </a:p>
+            <a:p>
+              <a:pPr algn="ctr"/>
+              <a:endParaRPr lang="en-US" dirty="0">
+                <a:solidFill>
+                  <a:schemeClr val="tx1"/>
+                </a:solidFill>
+              </a:endParaRPr>
+            </a:p>
+            <a:p>
+              <a:pPr algn="ctr"/>
+              <a:endParaRPr lang="en-US" dirty="0">
+                <a:solidFill>
+                  <a:schemeClr val="tx1"/>
+                </a:solidFill>
+              </a:endParaRPr>
+            </a:p>
+            <a:p>
+              <a:pPr algn="ctr"/>
+              <a:endParaRPr lang="en-US" dirty="0">
+                <a:solidFill>
+                  <a:schemeClr val="tx1"/>
+                </a:solidFill>
+              </a:endParaRPr>
+            </a:p>
+            <a:p>
+              <a:pPr algn="ctr"/>
+              <a:endParaRPr lang="en-US" dirty="0">
+                <a:solidFill>
+                  <a:schemeClr val="tx1"/>
+                </a:solidFill>
+              </a:endParaRPr>
+            </a:p>
+            <a:p>
+              <a:pPr algn="ctr"/>
+              <a:endParaRPr lang="en-US" dirty="0">
+                <a:solidFill>
+                  <a:schemeClr val="tx1"/>
+                </a:solidFill>
+              </a:endParaRPr>
+            </a:p>
+            <a:p>
+              <a:pPr algn="ctr"/>
+              <a:endParaRPr lang="en-US" dirty="0">
+                <a:solidFill>
+                  <a:schemeClr val="tx1"/>
+                </a:solidFill>
+              </a:endParaRPr>
+            </a:p>
+            <a:p>
+              <a:pPr algn="ctr"/>
+              <a:endParaRPr lang="en-US" dirty="0">
+                <a:solidFill>
+                  <a:schemeClr val="tx1"/>
+                </a:solidFill>
+              </a:endParaRPr>
+            </a:p>
+            <a:p>
+              <a:pPr algn="ctr"/>
+              <a:endParaRPr lang="en-US" dirty="0">
+                <a:solidFill>
+                  <a:schemeClr val="tx1"/>
+                </a:solidFill>
+              </a:endParaRPr>
+            </a:p>
+          </p:txBody>
+        </p:sp>
+        <p:sp>
+          <p:nvSpPr>
+            <p:cNvPr id="12" name="TextBox 11">
+              <a:extLst>
+                <a:ext uri="{FF2B5EF4-FFF2-40B4-BE49-F238E27FC236}">
+                  <a16:creationId xmlns:a16="http://schemas.microsoft.com/office/drawing/2014/main" id="{32350EF1-693D-9B48-A7AB-2ECBE8F7AE1B}"/>
+                </a:ext>
+              </a:extLst>
+            </p:cNvPr>
+            <p:cNvSpPr txBox="1"/>
+            <p:nvPr/>
+          </p:nvSpPr>
+          <p:spPr>
+            <a:xfrm>
+              <a:off x="2526326" y="4884467"/>
+              <a:ext cx="2086707" cy="400110"/>
+            </a:xfrm>
+            <a:prstGeom prst="rect">
+              <a:avLst/>
+            </a:prstGeom>
+            <a:solidFill>
+              <a:schemeClr val="accent6"/>
+            </a:solidFill>
+          </p:spPr>
+          <p:txBody>
+            <a:bodyPr wrap="square" rtlCol="0">
+              <a:spAutoFit/>
+            </a:bodyPr>
+            <a:lstStyle/>
+            <a:p>
+              <a:pPr algn="ctr"/>
+              <a:r>
+                <a:rPr lang="en-US" sz="2000" dirty="0">
+                  <a:solidFill>
+                    <a:schemeClr val="bg1"/>
+                  </a:solidFill>
+                </a:rPr>
+                <a:t>App Component</a:t>
+              </a:r>
+            </a:p>
+          </p:txBody>
+        </p:sp>
+        <p:sp>
+          <p:nvSpPr>
+            <p:cNvPr id="13" name="TextBox 12">
+              <a:extLst>
+                <a:ext uri="{FF2B5EF4-FFF2-40B4-BE49-F238E27FC236}">
+                  <a16:creationId xmlns:a16="http://schemas.microsoft.com/office/drawing/2014/main" id="{8B8D47DE-1F1C-2245-B155-6EBA5143B970}"/>
+                </a:ext>
+              </a:extLst>
+            </p:cNvPr>
+            <p:cNvSpPr txBox="1"/>
+            <p:nvPr/>
+          </p:nvSpPr>
+          <p:spPr>
+            <a:xfrm>
+              <a:off x="2526325" y="3728073"/>
+              <a:ext cx="2086707" cy="400110"/>
+            </a:xfrm>
+            <a:prstGeom prst="rect">
+              <a:avLst/>
+            </a:prstGeom>
+            <a:solidFill>
+              <a:srgbClr val="0070C0"/>
+            </a:solidFill>
+          </p:spPr>
+          <p:txBody>
+            <a:bodyPr wrap="square" rtlCol="0">
+              <a:spAutoFit/>
+            </a:bodyPr>
+            <a:lstStyle/>
+            <a:p>
+              <a:pPr algn="ctr"/>
+              <a:r>
+                <a:rPr lang="en-US" sz="2000" dirty="0">
+                  <a:solidFill>
+                    <a:schemeClr val="bg1"/>
+                  </a:solidFill>
+                </a:rPr>
+                <a:t>KAR sidecar</a:t>
+              </a:r>
+            </a:p>
+          </p:txBody>
+        </p:sp>
+        <p:cxnSp>
+          <p:nvCxnSpPr>
+            <p:cNvPr id="14" name="Straight Arrow Connector 13">
+              <a:extLst>
+                <a:ext uri="{FF2B5EF4-FFF2-40B4-BE49-F238E27FC236}">
+                  <a16:creationId xmlns:a16="http://schemas.microsoft.com/office/drawing/2014/main" id="{AA67B137-7613-2A45-9C86-3C471902D166}"/>
+                </a:ext>
+              </a:extLst>
+            </p:cNvPr>
+            <p:cNvCxnSpPr>
+              <a:cxnSpLocks/>
+              <a:stCxn id="13" idx="2"/>
+              <a:endCxn id="12" idx="0"/>
+            </p:cNvCxnSpPr>
+            <p:nvPr/>
+          </p:nvCxnSpPr>
+          <p:spPr>
+            <a:xfrm>
+              <a:off x="3569679" y="4128183"/>
+              <a:ext cx="1" cy="756284"/>
+            </a:xfrm>
+            <a:prstGeom prst="straightConnector1">
+              <a:avLst/>
+            </a:prstGeom>
+            <a:ln w="38100">
+              <a:headEnd type="triangle"/>
+              <a:tailEnd type="triangle"/>
+            </a:ln>
+          </p:spPr>
+          <p:style>
+            <a:lnRef idx="1">
+              <a:schemeClr val="accent1"/>
+            </a:lnRef>
+            <a:fillRef idx="0">
+              <a:schemeClr val="accent1"/>
+            </a:fillRef>
+            <a:effectRef idx="0">
+              <a:schemeClr val="accent1"/>
+            </a:effectRef>
+            <a:fontRef idx="minor">
+              <a:schemeClr val="tx1"/>
+            </a:fontRef>
+          </p:style>
+        </p:cxnSp>
+        <p:sp>
+          <p:nvSpPr>
+            <p:cNvPr id="15" name="TextBox 14">
+              <a:extLst>
+                <a:ext uri="{FF2B5EF4-FFF2-40B4-BE49-F238E27FC236}">
+                  <a16:creationId xmlns:a16="http://schemas.microsoft.com/office/drawing/2014/main" id="{4F0BA465-546C-E94F-B57D-D6C9D6B9A1B4}"/>
+                </a:ext>
+              </a:extLst>
+            </p:cNvPr>
+            <p:cNvSpPr txBox="1"/>
+            <p:nvPr/>
+          </p:nvSpPr>
+          <p:spPr>
+            <a:xfrm>
+              <a:off x="3569678" y="4365692"/>
+              <a:ext cx="914400" cy="369332"/>
+            </a:xfrm>
+            <a:prstGeom prst="rect">
+              <a:avLst/>
+            </a:prstGeom>
+            <a:noFill/>
+          </p:spPr>
+          <p:txBody>
+            <a:bodyPr wrap="square" rtlCol="0">
+              <a:spAutoFit/>
+            </a:bodyPr>
+            <a:lstStyle/>
+            <a:p>
+              <a:r>
+                <a:rPr lang="en-US" dirty="0"/>
+                <a:t>http</a:t>
+              </a:r>
+            </a:p>
+          </p:txBody>
+        </p:sp>
+      </p:grpSp>
+      <p:sp>
+        <p:nvSpPr>
+          <p:cNvPr id="16" name="TextBox 15">
+            <a:extLst>
+              <a:ext uri="{FF2B5EF4-FFF2-40B4-BE49-F238E27FC236}">
+                <a16:creationId xmlns:a16="http://schemas.microsoft.com/office/drawing/2014/main" id="{A8764217-3815-DA4E-9476-48900460E87D}"/>
+              </a:ext>
+            </a:extLst>
+          </p:cNvPr>
+          <p:cNvSpPr txBox="1"/>
+          <p:nvPr/>
+        </p:nvSpPr>
+        <p:spPr>
+          <a:xfrm>
+            <a:off x="1257907" y="5211968"/>
+            <a:ext cx="4250016" cy="369332"/>
+          </a:xfrm>
+          <a:prstGeom prst="rect">
+            <a:avLst/>
+          </a:prstGeom>
+          <a:noFill/>
+        </p:spPr>
+        <p:txBody>
+          <a:bodyPr wrap="square" rtlCol="0">
+            <a:spAutoFit/>
+          </a:bodyPr>
+          <a:lstStyle/>
+          <a:p>
+            <a:r>
+              <a:rPr lang="en-US" dirty="0"/>
+              <a:t>Kubernetes mode (1 pod; 2 containers)</a:t>
+            </a:r>
+          </a:p>
+        </p:txBody>
+      </p:sp>
+    </p:spTree>
+    <p:extLst>
+      <p:ext uri="{BB962C8B-B14F-4D97-AF65-F5344CB8AC3E}">
+        <p14:creationId xmlns:p14="http://schemas.microsoft.com/office/powerpoint/2010/main" val="1264973388"/>
+      </p:ext>
+    </p:extLst>
+  </p:cSld>
+  <p:clrMapOvr>
+    <a:masterClrMapping/>
+  </p:clrMapOvr>
+</p:sld>
+</file>
+
+<file path=ppt/slides/slide2.xml><?xml version="1.0" encoding="utf-8"?>
+<p:sld xmlns:a="http://schemas.openxmlformats.org/drawingml/2006/main" xmlns:r="http://schemas.openxmlformats.org/officeDocument/2006/relationships" xmlns:p="http://schemas.openxmlformats.org/presentationml/2006/main">
+  <p:cSld>
+    <p:spTree>
+      <p:nvGrpSpPr>
+        <p:cNvPr id="1" name=""/>
+        <p:cNvGrpSpPr/>
+        <p:nvPr/>
+      </p:nvGrpSpPr>
+      <p:grpSpPr>
+        <a:xfrm>
+          <a:off x="0" y="0"/>
+          <a:ext cx="0" cy="0"/>
+          <a:chOff x="0" y="0"/>
+          <a:chExt cx="0" cy="0"/>
+        </a:xfrm>
+      </p:grpSpPr>
+      <p:grpSp>
+        <p:nvGrpSpPr>
+          <p:cNvPr id="3" name="Group 2">
+            <a:extLst>
+              <a:ext uri="{FF2B5EF4-FFF2-40B4-BE49-F238E27FC236}">
+                <a16:creationId xmlns:a16="http://schemas.microsoft.com/office/drawing/2014/main" id="{3F10BDA9-92A7-A243-BC5C-D58C392080CE}"/>
+              </a:ext>
+            </a:extLst>
+          </p:cNvPr>
+          <p:cNvGrpSpPr/>
+          <p:nvPr/>
+        </p:nvGrpSpPr>
+        <p:grpSpPr>
+          <a:xfrm>
+            <a:off x="2198080" y="2054036"/>
+            <a:ext cx="2743196" cy="2590800"/>
+            <a:chOff x="2198080" y="3241702"/>
+            <a:chExt cx="2743196" cy="2590800"/>
+          </a:xfrm>
+        </p:grpSpPr>
+        <p:sp>
+          <p:nvSpPr>
+            <p:cNvPr id="16" name="Rectangle 15">
+              <a:extLst>
+                <a:ext uri="{FF2B5EF4-FFF2-40B4-BE49-F238E27FC236}">
+                  <a16:creationId xmlns:a16="http://schemas.microsoft.com/office/drawing/2014/main" id="{43494236-B475-E34B-BBE0-A28246B3C579}"/>
+                </a:ext>
+              </a:extLst>
+            </p:cNvPr>
+            <p:cNvSpPr/>
+            <p:nvPr/>
+          </p:nvSpPr>
+          <p:spPr>
+            <a:xfrm>
+              <a:off x="2198080" y="3241702"/>
+              <a:ext cx="2743196" cy="2590800"/>
+            </a:xfrm>
+            <a:prstGeom prst="rect">
+              <a:avLst/>
+            </a:prstGeom>
+            <a:solidFill>
+              <a:schemeClr val="accent2">
+                <a:lumMod val="40000"/>
+                <a:lumOff val="60000"/>
+              </a:schemeClr>
+            </a:solidFill>
+          </p:spPr>
+          <p:style>
+            <a:lnRef idx="2">
+              <a:schemeClr val="accent1">
+                <a:shade val="50000"/>
+              </a:schemeClr>
+            </a:lnRef>
+            <a:fillRef idx="1">
+              <a:schemeClr val="accent1"/>
+            </a:fillRef>
+            <a:effectRef idx="0">
+              <a:schemeClr val="accent1"/>
+            </a:effectRef>
+            <a:fontRef idx="minor">
+              <a:schemeClr val="lt1"/>
+            </a:fontRef>
+          </p:style>
+          <p:txBody>
+            <a:bodyPr rtlCol="0" anchor="ctr"/>
+            <a:lstStyle/>
+            <a:p>
+              <a:r>
+                <a:rPr lang="en-US" dirty="0">
+                  <a:solidFill>
+                    <a:schemeClr val="tx1"/>
+                  </a:solidFill>
+                </a:rPr>
+                <a:t>pod</a:t>
+              </a:r>
+            </a:p>
+            <a:p>
+              <a:pPr algn="ctr"/>
+              <a:endParaRPr lang="en-US" dirty="0">
+                <a:solidFill>
+                  <a:schemeClr val="tx1"/>
+                </a:solidFill>
+              </a:endParaRPr>
+            </a:p>
+            <a:p>
+              <a:pPr algn="ctr"/>
+              <a:endParaRPr lang="en-US" dirty="0">
+                <a:solidFill>
+                  <a:schemeClr val="tx1"/>
+                </a:solidFill>
+              </a:endParaRPr>
+            </a:p>
+            <a:p>
+              <a:pPr algn="ctr"/>
+              <a:endParaRPr lang="en-US" dirty="0">
+                <a:solidFill>
+                  <a:schemeClr val="tx1"/>
+                </a:solidFill>
+              </a:endParaRPr>
+            </a:p>
+            <a:p>
+              <a:pPr algn="ctr"/>
+              <a:endParaRPr lang="en-US" dirty="0">
+                <a:solidFill>
+                  <a:schemeClr val="tx1"/>
+                </a:solidFill>
+              </a:endParaRPr>
+            </a:p>
+            <a:p>
+              <a:pPr algn="ctr"/>
+              <a:endParaRPr lang="en-US" dirty="0">
+                <a:solidFill>
+                  <a:schemeClr val="tx1"/>
+                </a:solidFill>
+              </a:endParaRPr>
+            </a:p>
+            <a:p>
+              <a:pPr algn="ctr"/>
+              <a:endParaRPr lang="en-US" dirty="0">
+                <a:solidFill>
+                  <a:schemeClr val="tx1"/>
+                </a:solidFill>
+              </a:endParaRPr>
+            </a:p>
+            <a:p>
+              <a:pPr algn="ctr"/>
+              <a:endParaRPr lang="en-US" dirty="0">
+                <a:solidFill>
+                  <a:schemeClr val="tx1"/>
+                </a:solidFill>
+              </a:endParaRPr>
+            </a:p>
+            <a:p>
+              <a:pPr algn="ctr"/>
+              <a:endParaRPr lang="en-US" dirty="0">
+                <a:solidFill>
+                  <a:schemeClr val="tx1"/>
+                </a:solidFill>
+              </a:endParaRPr>
+            </a:p>
+          </p:txBody>
+        </p:sp>
+        <p:sp>
+          <p:nvSpPr>
+            <p:cNvPr id="6" name="TextBox 5">
+              <a:extLst>
+                <a:ext uri="{FF2B5EF4-FFF2-40B4-BE49-F238E27FC236}">
+                  <a16:creationId xmlns:a16="http://schemas.microsoft.com/office/drawing/2014/main" id="{11B4A212-552B-0344-A3D4-E95EFE5ABBEE}"/>
+                </a:ext>
+              </a:extLst>
+            </p:cNvPr>
+            <p:cNvSpPr txBox="1"/>
+            <p:nvPr/>
+          </p:nvSpPr>
+          <p:spPr>
+            <a:xfrm>
+              <a:off x="2526326" y="4884467"/>
+              <a:ext cx="2086707" cy="461665"/>
+            </a:xfrm>
+            <a:prstGeom prst="rect">
+              <a:avLst/>
+            </a:prstGeom>
+            <a:solidFill>
+              <a:srgbClr val="0070C0"/>
+            </a:solidFill>
+          </p:spPr>
+          <p:txBody>
+            <a:bodyPr wrap="square" rtlCol="0">
+              <a:spAutoFit/>
+            </a:bodyPr>
+            <a:lstStyle/>
+            <a:p>
+              <a:pPr algn="ctr"/>
+              <a:r>
+                <a:rPr lang="en-US" sz="2400" dirty="0">
+                  <a:solidFill>
+                    <a:schemeClr val="bg1"/>
+                  </a:solidFill>
+                </a:rPr>
+                <a:t>server</a:t>
+              </a:r>
+            </a:p>
+          </p:txBody>
+        </p:sp>
+        <p:sp>
+          <p:nvSpPr>
+            <p:cNvPr id="8" name="TextBox 7">
+              <a:extLst>
+                <a:ext uri="{FF2B5EF4-FFF2-40B4-BE49-F238E27FC236}">
+                  <a16:creationId xmlns:a16="http://schemas.microsoft.com/office/drawing/2014/main" id="{D9F2D7E9-9E86-1540-B034-FE5FFEC3940A}"/>
+                </a:ext>
+              </a:extLst>
+            </p:cNvPr>
+            <p:cNvSpPr txBox="1"/>
+            <p:nvPr/>
+          </p:nvSpPr>
+          <p:spPr>
+            <a:xfrm>
+              <a:off x="2526325" y="3728073"/>
+              <a:ext cx="2086707" cy="461665"/>
+            </a:xfrm>
+            <a:prstGeom prst="rect">
+              <a:avLst/>
+            </a:prstGeom>
+            <a:solidFill>
+              <a:srgbClr val="0070C0"/>
+            </a:solidFill>
+          </p:spPr>
+          <p:txBody>
+            <a:bodyPr wrap="square" rtlCol="0">
+              <a:spAutoFit/>
+            </a:bodyPr>
+            <a:lstStyle/>
+            <a:p>
+              <a:pPr algn="ctr"/>
+              <a:r>
+                <a:rPr lang="en-US" sz="2400" dirty="0">
+                  <a:solidFill>
+                    <a:schemeClr val="bg1"/>
+                  </a:solidFill>
+                </a:rPr>
+                <a:t>sidecar</a:t>
+              </a:r>
+            </a:p>
+          </p:txBody>
+        </p:sp>
+        <p:cxnSp>
+          <p:nvCxnSpPr>
+            <p:cNvPr id="10" name="Straight Arrow Connector 9">
+              <a:extLst>
+                <a:ext uri="{FF2B5EF4-FFF2-40B4-BE49-F238E27FC236}">
+                  <a16:creationId xmlns:a16="http://schemas.microsoft.com/office/drawing/2014/main" id="{B7A8DE44-D1F9-DD4A-93A5-AD1532EA8790}"/>
+                </a:ext>
+              </a:extLst>
+            </p:cNvPr>
+            <p:cNvCxnSpPr>
+              <a:cxnSpLocks/>
+              <a:stCxn id="8" idx="2"/>
+              <a:endCxn id="6" idx="0"/>
+            </p:cNvCxnSpPr>
+            <p:nvPr/>
+          </p:nvCxnSpPr>
+          <p:spPr>
+            <a:xfrm>
+              <a:off x="3569679" y="4189738"/>
+              <a:ext cx="1" cy="694729"/>
+            </a:xfrm>
+            <a:prstGeom prst="straightConnector1">
+              <a:avLst/>
+            </a:prstGeom>
+            <a:ln w="38100">
+              <a:headEnd type="triangle"/>
+              <a:tailEnd type="triangle"/>
+            </a:ln>
+          </p:spPr>
+          <p:style>
+            <a:lnRef idx="1">
+              <a:schemeClr val="accent1"/>
+            </a:lnRef>
+            <a:fillRef idx="0">
+              <a:schemeClr val="accent1"/>
+            </a:fillRef>
+            <a:effectRef idx="0">
+              <a:schemeClr val="accent1"/>
+            </a:effectRef>
+            <a:fontRef idx="minor">
+              <a:schemeClr val="tx1"/>
+            </a:fontRef>
+          </p:style>
+        </p:cxnSp>
+        <p:sp>
+          <p:nvSpPr>
+            <p:cNvPr id="14" name="TextBox 13">
+              <a:extLst>
+                <a:ext uri="{FF2B5EF4-FFF2-40B4-BE49-F238E27FC236}">
+                  <a16:creationId xmlns:a16="http://schemas.microsoft.com/office/drawing/2014/main" id="{1FB61EDC-0E81-B540-A563-ECF4A89126C5}"/>
+                </a:ext>
+              </a:extLst>
+            </p:cNvPr>
+            <p:cNvSpPr txBox="1"/>
+            <p:nvPr/>
+          </p:nvSpPr>
+          <p:spPr>
+            <a:xfrm>
+              <a:off x="3569678" y="4365692"/>
+              <a:ext cx="914400" cy="369332"/>
+            </a:xfrm>
+            <a:prstGeom prst="rect">
+              <a:avLst/>
+            </a:prstGeom>
+            <a:noFill/>
+          </p:spPr>
+          <p:txBody>
+            <a:bodyPr wrap="square" rtlCol="0">
+              <a:spAutoFit/>
+            </a:bodyPr>
+            <a:lstStyle/>
+            <a:p>
+              <a:r>
+                <a:rPr lang="en-US" dirty="0"/>
+                <a:t>http</a:t>
+              </a:r>
+            </a:p>
+          </p:txBody>
+        </p:sp>
+      </p:grpSp>
+      <p:grpSp>
+        <p:nvGrpSpPr>
+          <p:cNvPr id="4" name="Group 3">
+            <a:extLst>
+              <a:ext uri="{FF2B5EF4-FFF2-40B4-BE49-F238E27FC236}">
+                <a16:creationId xmlns:a16="http://schemas.microsoft.com/office/drawing/2014/main" id="{3F289F71-9089-3F40-B723-FC60E8FBAFC3}"/>
+              </a:ext>
+            </a:extLst>
+          </p:cNvPr>
+          <p:cNvGrpSpPr/>
+          <p:nvPr/>
+        </p:nvGrpSpPr>
+        <p:grpSpPr>
+          <a:xfrm>
+            <a:off x="7250723" y="2056831"/>
+            <a:ext cx="2743196" cy="2590800"/>
+            <a:chOff x="7250723" y="3244497"/>
+            <a:chExt cx="2743196" cy="2590800"/>
+          </a:xfrm>
+        </p:grpSpPr>
+        <p:sp>
+          <p:nvSpPr>
+            <p:cNvPr id="17" name="Rectangle 16">
+              <a:extLst>
+                <a:ext uri="{FF2B5EF4-FFF2-40B4-BE49-F238E27FC236}">
+                  <a16:creationId xmlns:a16="http://schemas.microsoft.com/office/drawing/2014/main" id="{AD666F2C-3D5A-F045-B292-A9D50E17C412}"/>
+                </a:ext>
+              </a:extLst>
+            </p:cNvPr>
+            <p:cNvSpPr/>
+            <p:nvPr/>
+          </p:nvSpPr>
+          <p:spPr>
+            <a:xfrm>
+              <a:off x="7250723" y="3244497"/>
+              <a:ext cx="2743196" cy="2590800"/>
+            </a:xfrm>
+            <a:prstGeom prst="rect">
+              <a:avLst/>
+            </a:prstGeom>
+            <a:solidFill>
+              <a:schemeClr val="accent2">
+                <a:lumMod val="40000"/>
+                <a:lumOff val="60000"/>
+              </a:schemeClr>
+            </a:solidFill>
+          </p:spPr>
+          <p:style>
+            <a:lnRef idx="2">
+              <a:schemeClr val="accent1">
+                <a:shade val="50000"/>
+              </a:schemeClr>
+            </a:lnRef>
+            <a:fillRef idx="1">
+              <a:schemeClr val="accent1"/>
+            </a:fillRef>
+            <a:effectRef idx="0">
+              <a:schemeClr val="accent1"/>
+            </a:effectRef>
+            <a:fontRef idx="minor">
+              <a:schemeClr val="lt1"/>
+            </a:fontRef>
+          </p:style>
+          <p:txBody>
+            <a:bodyPr rtlCol="0" anchor="ctr"/>
+            <a:lstStyle/>
+            <a:p>
+              <a:r>
+                <a:rPr lang="en-US" dirty="0">
+                  <a:solidFill>
+                    <a:schemeClr val="tx1"/>
+                  </a:solidFill>
+                </a:rPr>
+                <a:t>pod</a:t>
+              </a:r>
+            </a:p>
+            <a:p>
+              <a:pPr algn="ctr"/>
+              <a:endParaRPr lang="en-US" dirty="0">
+                <a:solidFill>
+                  <a:schemeClr val="tx1"/>
+                </a:solidFill>
+              </a:endParaRPr>
+            </a:p>
+            <a:p>
+              <a:pPr algn="ctr"/>
+              <a:endParaRPr lang="en-US" dirty="0">
+                <a:solidFill>
+                  <a:schemeClr val="tx1"/>
+                </a:solidFill>
+              </a:endParaRPr>
+            </a:p>
+            <a:p>
+              <a:pPr algn="ctr"/>
+              <a:endParaRPr lang="en-US" dirty="0">
+                <a:solidFill>
+                  <a:schemeClr val="tx1"/>
+                </a:solidFill>
+              </a:endParaRPr>
+            </a:p>
+            <a:p>
+              <a:pPr algn="ctr"/>
+              <a:endParaRPr lang="en-US" dirty="0">
+                <a:solidFill>
+                  <a:schemeClr val="tx1"/>
+                </a:solidFill>
+              </a:endParaRPr>
+            </a:p>
+            <a:p>
+              <a:pPr algn="ctr"/>
+              <a:endParaRPr lang="en-US" dirty="0">
+                <a:solidFill>
+                  <a:schemeClr val="tx1"/>
+                </a:solidFill>
+              </a:endParaRPr>
+            </a:p>
+            <a:p>
+              <a:pPr algn="ctr"/>
+              <a:endParaRPr lang="en-US" dirty="0">
+                <a:solidFill>
+                  <a:schemeClr val="tx1"/>
+                </a:solidFill>
+              </a:endParaRPr>
+            </a:p>
+            <a:p>
+              <a:pPr algn="ctr"/>
+              <a:endParaRPr lang="en-US" dirty="0">
+                <a:solidFill>
+                  <a:schemeClr val="tx1"/>
+                </a:solidFill>
+              </a:endParaRPr>
+            </a:p>
+            <a:p>
+              <a:pPr algn="ctr"/>
+              <a:endParaRPr lang="en-US" dirty="0">
+                <a:solidFill>
+                  <a:schemeClr val="tx1"/>
+                </a:solidFill>
+              </a:endParaRPr>
+            </a:p>
+          </p:txBody>
+        </p:sp>
+        <p:sp>
+          <p:nvSpPr>
+            <p:cNvPr id="5" name="TextBox 4">
+              <a:extLst>
+                <a:ext uri="{FF2B5EF4-FFF2-40B4-BE49-F238E27FC236}">
+                  <a16:creationId xmlns:a16="http://schemas.microsoft.com/office/drawing/2014/main" id="{6F671711-ADEA-BA44-9C42-365B28D3E225}"/>
+                </a:ext>
+              </a:extLst>
+            </p:cNvPr>
+            <p:cNvSpPr txBox="1"/>
+            <p:nvPr/>
+          </p:nvSpPr>
+          <p:spPr>
+            <a:xfrm>
+              <a:off x="7578968" y="4887261"/>
+              <a:ext cx="2086707" cy="461665"/>
+            </a:xfrm>
+            <a:prstGeom prst="rect">
+              <a:avLst/>
+            </a:prstGeom>
+            <a:solidFill>
+              <a:srgbClr val="0070C0"/>
+            </a:solidFill>
+          </p:spPr>
+          <p:txBody>
+            <a:bodyPr wrap="square" rtlCol="0">
+              <a:spAutoFit/>
+            </a:bodyPr>
+            <a:lstStyle/>
+            <a:p>
+              <a:pPr algn="ctr"/>
+              <a:r>
+                <a:rPr lang="en-US" sz="2400" dirty="0">
+                  <a:solidFill>
+                    <a:schemeClr val="bg1"/>
+                  </a:solidFill>
+                </a:rPr>
+                <a:t>client</a:t>
+              </a:r>
+            </a:p>
+          </p:txBody>
+        </p:sp>
+        <p:sp>
+          <p:nvSpPr>
+            <p:cNvPr id="7" name="TextBox 6">
+              <a:extLst>
+                <a:ext uri="{FF2B5EF4-FFF2-40B4-BE49-F238E27FC236}">
+                  <a16:creationId xmlns:a16="http://schemas.microsoft.com/office/drawing/2014/main" id="{838027F9-2D4D-5749-B999-25E7FCB6BBDF}"/>
+                </a:ext>
+              </a:extLst>
+            </p:cNvPr>
+            <p:cNvSpPr txBox="1"/>
+            <p:nvPr/>
+          </p:nvSpPr>
+          <p:spPr>
+            <a:xfrm>
+              <a:off x="7578969" y="3730868"/>
+              <a:ext cx="2086707" cy="461665"/>
+            </a:xfrm>
+            <a:prstGeom prst="rect">
+              <a:avLst/>
+            </a:prstGeom>
+            <a:solidFill>
+              <a:srgbClr val="0070C0"/>
+            </a:solidFill>
+          </p:spPr>
+          <p:txBody>
+            <a:bodyPr wrap="square" rtlCol="0">
+              <a:spAutoFit/>
+            </a:bodyPr>
+            <a:lstStyle/>
+            <a:p>
+              <a:pPr algn="ctr"/>
+              <a:r>
+                <a:rPr lang="en-US" sz="2400" dirty="0">
+                  <a:solidFill>
+                    <a:schemeClr val="bg1"/>
+                  </a:solidFill>
+                </a:rPr>
+                <a:t>sidecar</a:t>
+              </a:r>
+            </a:p>
+          </p:txBody>
+        </p:sp>
+        <p:cxnSp>
+          <p:nvCxnSpPr>
+            <p:cNvPr id="13" name="Straight Arrow Connector 12">
+              <a:extLst>
+                <a:ext uri="{FF2B5EF4-FFF2-40B4-BE49-F238E27FC236}">
+                  <a16:creationId xmlns:a16="http://schemas.microsoft.com/office/drawing/2014/main" id="{4B9C143A-E261-AB43-8774-F1EB881CF544}"/>
+                </a:ext>
+              </a:extLst>
+            </p:cNvPr>
+            <p:cNvCxnSpPr>
+              <a:cxnSpLocks/>
+            </p:cNvCxnSpPr>
+            <p:nvPr/>
+          </p:nvCxnSpPr>
+          <p:spPr>
+            <a:xfrm>
+              <a:off x="8622321" y="4205789"/>
+              <a:ext cx="1" cy="694729"/>
+            </a:xfrm>
+            <a:prstGeom prst="straightConnector1">
+              <a:avLst/>
+            </a:prstGeom>
+            <a:ln w="38100">
+              <a:headEnd type="triangle"/>
+              <a:tailEnd type="triangle"/>
+            </a:ln>
+          </p:spPr>
+          <p:style>
+            <a:lnRef idx="1">
+              <a:schemeClr val="accent1"/>
+            </a:lnRef>
+            <a:fillRef idx="0">
+              <a:schemeClr val="accent1"/>
+            </a:fillRef>
+            <a:effectRef idx="0">
+              <a:schemeClr val="accent1"/>
+            </a:effectRef>
+            <a:fontRef idx="minor">
+              <a:schemeClr val="tx1"/>
+            </a:fontRef>
+          </p:style>
+        </p:cxnSp>
+        <p:sp>
+          <p:nvSpPr>
+            <p:cNvPr id="15" name="TextBox 14">
+              <a:extLst>
+                <a:ext uri="{FF2B5EF4-FFF2-40B4-BE49-F238E27FC236}">
+                  <a16:creationId xmlns:a16="http://schemas.microsoft.com/office/drawing/2014/main" id="{04C41FC8-B976-0041-BC58-1E4EFB47EB9F}"/>
+                </a:ext>
+              </a:extLst>
+            </p:cNvPr>
+            <p:cNvSpPr txBox="1"/>
+            <p:nvPr/>
+          </p:nvSpPr>
+          <p:spPr>
+            <a:xfrm>
+              <a:off x="8622321" y="4370020"/>
+              <a:ext cx="914400" cy="369332"/>
+            </a:xfrm>
+            <a:prstGeom prst="rect">
+              <a:avLst/>
+            </a:prstGeom>
+            <a:noFill/>
+          </p:spPr>
+          <p:txBody>
+            <a:bodyPr wrap="square" rtlCol="0">
+              <a:spAutoFit/>
+            </a:bodyPr>
+            <a:lstStyle/>
+            <a:p>
+              <a:r>
+                <a:rPr lang="en-US" dirty="0"/>
+                <a:t>http</a:t>
+              </a:r>
+            </a:p>
+          </p:txBody>
+        </p:sp>
+      </p:grpSp>
+      <p:sp>
+        <p:nvSpPr>
+          <p:cNvPr id="18" name="Rounded Rectangle 17">
+            <a:extLst>
+              <a:ext uri="{FF2B5EF4-FFF2-40B4-BE49-F238E27FC236}">
+                <a16:creationId xmlns:a16="http://schemas.microsoft.com/office/drawing/2014/main" id="{D4E854A3-70BB-D644-B0E2-8D12F5D60607}"/>
+              </a:ext>
+            </a:extLst>
+          </p:cNvPr>
+          <p:cNvSpPr/>
+          <p:nvPr/>
+        </p:nvSpPr>
+        <p:spPr>
+          <a:xfrm>
+            <a:off x="5193323" y="357293"/>
+            <a:ext cx="2309447" cy="1031631"/>
+          </a:xfrm>
+          <a:prstGeom prst="roundRect">
+            <a:avLst/>
+          </a:prstGeom>
+        </p:spPr>
+        <p:style>
+          <a:lnRef idx="2">
+            <a:schemeClr val="accent1">
+              <a:shade val="50000"/>
+            </a:schemeClr>
+          </a:lnRef>
+          <a:fillRef idx="1">
+            <a:schemeClr val="accent1"/>
+          </a:fillRef>
+          <a:effectRef idx="0">
+            <a:schemeClr val="accent1"/>
+          </a:effectRef>
+          <a:fontRef idx="minor">
+            <a:schemeClr val="lt1"/>
+          </a:fontRef>
+        </p:style>
+        <p:txBody>
+          <a:bodyPr rtlCol="0" anchor="ctr"/>
+          <a:lstStyle/>
+          <a:p>
+            <a:pPr algn="ctr"/>
+            <a:r>
+              <a:rPr lang="en-US" sz="2400" dirty="0"/>
+              <a:t>Kafka</a:t>
+            </a:r>
+          </a:p>
+        </p:txBody>
+      </p:sp>
+      <p:grpSp>
+        <p:nvGrpSpPr>
+          <p:cNvPr id="42" name="Group 41">
+            <a:extLst>
+              <a:ext uri="{FF2B5EF4-FFF2-40B4-BE49-F238E27FC236}">
+                <a16:creationId xmlns:a16="http://schemas.microsoft.com/office/drawing/2014/main" id="{DC942775-9BB6-CA41-A029-E6DECCAD8FEC}"/>
+              </a:ext>
+            </a:extLst>
+          </p:cNvPr>
+          <p:cNvGrpSpPr/>
+          <p:nvPr/>
+        </p:nvGrpSpPr>
+        <p:grpSpPr>
+          <a:xfrm>
+            <a:off x="2350480" y="2206436"/>
+            <a:ext cx="2743196" cy="2590800"/>
+            <a:chOff x="2198080" y="3241702"/>
+            <a:chExt cx="2743196" cy="2590800"/>
+          </a:xfrm>
+        </p:grpSpPr>
+        <p:sp>
+          <p:nvSpPr>
+            <p:cNvPr id="43" name="Rectangle 42">
+              <a:extLst>
+                <a:ext uri="{FF2B5EF4-FFF2-40B4-BE49-F238E27FC236}">
+                  <a16:creationId xmlns:a16="http://schemas.microsoft.com/office/drawing/2014/main" id="{2CF24FF8-026C-2F4B-9939-4A0332D8C89A}"/>
+                </a:ext>
+              </a:extLst>
+            </p:cNvPr>
+            <p:cNvSpPr/>
+            <p:nvPr/>
+          </p:nvSpPr>
+          <p:spPr>
+            <a:xfrm>
+              <a:off x="2198080" y="3241702"/>
+              <a:ext cx="2743196" cy="2590800"/>
+            </a:xfrm>
+            <a:prstGeom prst="rect">
+              <a:avLst/>
+            </a:prstGeom>
+            <a:solidFill>
+              <a:schemeClr val="accent2">
+                <a:lumMod val="40000"/>
+                <a:lumOff val="60000"/>
+              </a:schemeClr>
+            </a:solidFill>
+          </p:spPr>
+          <p:style>
+            <a:lnRef idx="2">
+              <a:schemeClr val="accent1">
+                <a:shade val="50000"/>
+              </a:schemeClr>
+            </a:lnRef>
+            <a:fillRef idx="1">
+              <a:schemeClr val="accent1"/>
+            </a:fillRef>
+            <a:effectRef idx="0">
+              <a:schemeClr val="accent1"/>
+            </a:effectRef>
+            <a:fontRef idx="minor">
+              <a:schemeClr val="lt1"/>
+            </a:fontRef>
+          </p:style>
+          <p:txBody>
+            <a:bodyPr rtlCol="0" anchor="ctr"/>
+            <a:lstStyle/>
+            <a:p>
+              <a:r>
+                <a:rPr lang="en-US" dirty="0">
+                  <a:solidFill>
+                    <a:schemeClr val="tx1"/>
+                  </a:solidFill>
+                </a:rPr>
+                <a:t>pod</a:t>
+              </a:r>
+            </a:p>
+            <a:p>
+              <a:pPr algn="ctr"/>
+              <a:endParaRPr lang="en-US" dirty="0">
+                <a:solidFill>
+                  <a:schemeClr val="tx1"/>
+                </a:solidFill>
+              </a:endParaRPr>
+            </a:p>
+            <a:p>
+              <a:pPr algn="ctr"/>
+              <a:endParaRPr lang="en-US" dirty="0">
+                <a:solidFill>
+                  <a:schemeClr val="tx1"/>
+                </a:solidFill>
+              </a:endParaRPr>
+            </a:p>
+            <a:p>
+              <a:pPr algn="ctr"/>
+              <a:endParaRPr lang="en-US" dirty="0">
+                <a:solidFill>
+                  <a:schemeClr val="tx1"/>
+                </a:solidFill>
+              </a:endParaRPr>
+            </a:p>
+            <a:p>
+              <a:pPr algn="ctr"/>
+              <a:endParaRPr lang="en-US" dirty="0">
+                <a:solidFill>
+                  <a:schemeClr val="tx1"/>
+                </a:solidFill>
+              </a:endParaRPr>
+            </a:p>
+            <a:p>
+              <a:pPr algn="ctr"/>
+              <a:endParaRPr lang="en-US" dirty="0">
+                <a:solidFill>
+                  <a:schemeClr val="tx1"/>
+                </a:solidFill>
+              </a:endParaRPr>
+            </a:p>
+            <a:p>
+              <a:pPr algn="ctr"/>
+              <a:endParaRPr lang="en-US" dirty="0">
+                <a:solidFill>
+                  <a:schemeClr val="tx1"/>
+                </a:solidFill>
+              </a:endParaRPr>
+            </a:p>
+            <a:p>
+              <a:pPr algn="ctr"/>
+              <a:endParaRPr lang="en-US" dirty="0">
+                <a:solidFill>
+                  <a:schemeClr val="tx1"/>
+                </a:solidFill>
+              </a:endParaRPr>
+            </a:p>
+            <a:p>
+              <a:pPr algn="ctr"/>
+              <a:endParaRPr lang="en-US" dirty="0">
+                <a:solidFill>
+                  <a:schemeClr val="tx1"/>
+                </a:solidFill>
+              </a:endParaRPr>
+            </a:p>
+          </p:txBody>
+        </p:sp>
+        <p:sp>
+          <p:nvSpPr>
+            <p:cNvPr id="44" name="TextBox 43">
+              <a:extLst>
+                <a:ext uri="{FF2B5EF4-FFF2-40B4-BE49-F238E27FC236}">
+                  <a16:creationId xmlns:a16="http://schemas.microsoft.com/office/drawing/2014/main" id="{0DC20C01-7179-1442-8996-4234ACDAAFCA}"/>
+                </a:ext>
+              </a:extLst>
+            </p:cNvPr>
+            <p:cNvSpPr txBox="1"/>
+            <p:nvPr/>
+          </p:nvSpPr>
+          <p:spPr>
+            <a:xfrm>
+              <a:off x="2526326" y="4884467"/>
+              <a:ext cx="2086707" cy="461665"/>
+            </a:xfrm>
+            <a:prstGeom prst="rect">
+              <a:avLst/>
+            </a:prstGeom>
+            <a:solidFill>
+              <a:srgbClr val="0070C0"/>
+            </a:solidFill>
+          </p:spPr>
+          <p:txBody>
+            <a:bodyPr wrap="square" rtlCol="0">
+              <a:spAutoFit/>
+            </a:bodyPr>
+            <a:lstStyle/>
+            <a:p>
+              <a:pPr algn="ctr"/>
+              <a:r>
+                <a:rPr lang="en-US" sz="2400" dirty="0">
+                  <a:solidFill>
+                    <a:schemeClr val="bg1"/>
+                  </a:solidFill>
+                </a:rPr>
+                <a:t>server</a:t>
+              </a:r>
+            </a:p>
+          </p:txBody>
+        </p:sp>
+        <p:sp>
+          <p:nvSpPr>
+            <p:cNvPr id="45" name="TextBox 44">
+              <a:extLst>
+                <a:ext uri="{FF2B5EF4-FFF2-40B4-BE49-F238E27FC236}">
+                  <a16:creationId xmlns:a16="http://schemas.microsoft.com/office/drawing/2014/main" id="{3223ADC3-ADB5-F744-A6DF-3D01F62E91F8}"/>
+                </a:ext>
+              </a:extLst>
+            </p:cNvPr>
+            <p:cNvSpPr txBox="1"/>
+            <p:nvPr/>
+          </p:nvSpPr>
+          <p:spPr>
+            <a:xfrm>
+              <a:off x="2526325" y="3728073"/>
+              <a:ext cx="2086707" cy="461665"/>
+            </a:xfrm>
+            <a:prstGeom prst="rect">
+              <a:avLst/>
+            </a:prstGeom>
+            <a:solidFill>
+              <a:srgbClr val="0070C0"/>
+            </a:solidFill>
+          </p:spPr>
+          <p:txBody>
+            <a:bodyPr wrap="square" rtlCol="0">
+              <a:spAutoFit/>
+            </a:bodyPr>
+            <a:lstStyle/>
+            <a:p>
+              <a:pPr algn="ctr"/>
+              <a:r>
+                <a:rPr lang="en-US" sz="2400" dirty="0">
+                  <a:solidFill>
+                    <a:schemeClr val="bg1"/>
+                  </a:solidFill>
+                </a:rPr>
+                <a:t>sidecar</a:t>
+              </a:r>
+            </a:p>
+          </p:txBody>
+        </p:sp>
+        <p:cxnSp>
+          <p:nvCxnSpPr>
+            <p:cNvPr id="46" name="Straight Arrow Connector 45">
+              <a:extLst>
+                <a:ext uri="{FF2B5EF4-FFF2-40B4-BE49-F238E27FC236}">
+                  <a16:creationId xmlns:a16="http://schemas.microsoft.com/office/drawing/2014/main" id="{729BE499-DD58-014B-A4D5-EDC018FF7077}"/>
+                </a:ext>
+              </a:extLst>
+            </p:cNvPr>
+            <p:cNvCxnSpPr>
+              <a:cxnSpLocks/>
+              <a:stCxn id="45" idx="2"/>
+              <a:endCxn id="44" idx="0"/>
+            </p:cNvCxnSpPr>
+            <p:nvPr/>
+          </p:nvCxnSpPr>
+          <p:spPr>
+            <a:xfrm>
+              <a:off x="3569679" y="4189738"/>
+              <a:ext cx="1" cy="694729"/>
+            </a:xfrm>
+            <a:prstGeom prst="straightConnector1">
+              <a:avLst/>
+            </a:prstGeom>
+            <a:ln w="38100">
+              <a:headEnd type="triangle"/>
+              <a:tailEnd type="triangle"/>
+            </a:ln>
+          </p:spPr>
+          <p:style>
+            <a:lnRef idx="1">
+              <a:schemeClr val="accent1"/>
+            </a:lnRef>
+            <a:fillRef idx="0">
+              <a:schemeClr val="accent1"/>
+            </a:fillRef>
+            <a:effectRef idx="0">
+              <a:schemeClr val="accent1"/>
+            </a:effectRef>
+            <a:fontRef idx="minor">
+              <a:schemeClr val="tx1"/>
+            </a:fontRef>
+          </p:style>
+        </p:cxnSp>
+        <p:sp>
+          <p:nvSpPr>
+            <p:cNvPr id="47" name="TextBox 46">
+              <a:extLst>
+                <a:ext uri="{FF2B5EF4-FFF2-40B4-BE49-F238E27FC236}">
+                  <a16:creationId xmlns:a16="http://schemas.microsoft.com/office/drawing/2014/main" id="{159C2211-6729-7F42-AEC4-799CACA59D70}"/>
+                </a:ext>
+              </a:extLst>
+            </p:cNvPr>
+            <p:cNvSpPr txBox="1"/>
+            <p:nvPr/>
+          </p:nvSpPr>
+          <p:spPr>
+            <a:xfrm>
+              <a:off x="3569678" y="4365692"/>
+              <a:ext cx="914400" cy="369332"/>
+            </a:xfrm>
+            <a:prstGeom prst="rect">
+              <a:avLst/>
+            </a:prstGeom>
+            <a:noFill/>
+          </p:spPr>
+          <p:txBody>
+            <a:bodyPr wrap="square" rtlCol="0">
+              <a:spAutoFit/>
+            </a:bodyPr>
+            <a:lstStyle/>
+            <a:p>
+              <a:r>
+                <a:rPr lang="en-US" dirty="0"/>
+                <a:t>http</a:t>
+              </a:r>
+            </a:p>
+          </p:txBody>
+        </p:sp>
+      </p:grpSp>
+      <p:grpSp>
+        <p:nvGrpSpPr>
+          <p:cNvPr id="48" name="Group 47">
+            <a:extLst>
+              <a:ext uri="{FF2B5EF4-FFF2-40B4-BE49-F238E27FC236}">
+                <a16:creationId xmlns:a16="http://schemas.microsoft.com/office/drawing/2014/main" id="{93BBD36D-361F-9640-9A84-6C175F7AE521}"/>
+              </a:ext>
+            </a:extLst>
+          </p:cNvPr>
+          <p:cNvGrpSpPr/>
+          <p:nvPr/>
+        </p:nvGrpSpPr>
+        <p:grpSpPr>
+          <a:xfrm>
+            <a:off x="2502880" y="2358836"/>
             <a:ext cx="2743196" cy="2590800"/>
             <a:chOff x="2198080" y="3241702"/>
             <a:chExt cx="2743196" cy="2590800"/>
@@ -4005,13 +5589,13 @@
           <p:spPr>
             <a:xfrm>
               <a:off x="2526326" y="4884467"/>
-              <a:ext cx="2086707" cy="400110"/>
+              <a:ext cx="2086707" cy="461665"/>
             </a:xfrm>
             <a:prstGeom prst="rect">
               <a:avLst/>
             </a:prstGeom>
             <a:solidFill>
-              <a:srgbClr val="0070C0"/>
+              <a:schemeClr val="accent6"/>
             </a:solidFill>
           </p:spPr>
           <p:txBody>
@@ -4022,12 +5606,12 @@
             <a:p>
               <a:pPr algn="ctr"/>
               <a:r>
-                <a:rPr lang="en-US" sz="2000" dirty="0">
+                <a:rPr lang="en-US" sz="2400" dirty="0">
                   <a:solidFill>
                     <a:schemeClr val="bg1"/>
                   </a:solidFill>
                 </a:rPr>
-                <a:t>App Component</a:t>
+                <a:t>App Comp. A</a:t>
               </a:r>
             </a:p>
           </p:txBody>
@@ -4154,1414 +5738,6 @@
           </p:txBody>
         </p:sp>
       </p:grpSp>
-      <p:sp>
-        <p:nvSpPr>
-          <p:cNvPr id="11" name="Slide Number Placeholder 10">
-            <a:extLst>
-              <a:ext uri="{FF2B5EF4-FFF2-40B4-BE49-F238E27FC236}">
-                <a16:creationId xmlns:a16="http://schemas.microsoft.com/office/drawing/2014/main" id="{6D8DB929-A3D6-BE42-AABF-DE04CA8C986F}"/>
-              </a:ext>
-            </a:extLst>
-          </p:cNvPr>
-          <p:cNvSpPr>
-            <a:spLocks noGrp="1"/>
-          </p:cNvSpPr>
-          <p:nvPr>
-            <p:ph type="sldNum" sz="quarter" idx="12"/>
-          </p:nvPr>
-        </p:nvSpPr>
-        <p:spPr/>
-        <p:txBody>
-          <a:bodyPr/>
-          <a:lstStyle/>
-          <a:p>
-            <a:fld id="{FC517010-E647-2249-A958-B3027541DB25}" type="slidenum">
-              <a:rPr lang="en-US" smtClean="0"/>
-              <a:t>1</a:t>
-            </a:fld>
-            <a:endParaRPr lang="en-US"/>
-          </a:p>
-        </p:txBody>
-      </p:sp>
-    </p:spTree>
-    <p:extLst>
-      <p:ext uri="{BB962C8B-B14F-4D97-AF65-F5344CB8AC3E}">
-        <p14:creationId xmlns:p14="http://schemas.microsoft.com/office/powerpoint/2010/main" val="1264973388"/>
-      </p:ext>
-    </p:extLst>
-  </p:cSld>
-  <p:clrMapOvr>
-    <a:masterClrMapping/>
-  </p:clrMapOvr>
-  <p:timing>
-    <p:tnLst>
-      <p:par>
-        <p:cTn id="1" dur="indefinite" restart="never" nodeType="tmRoot">
-          <p:childTnLst>
-            <p:seq concurrent="1" nextAc="seek">
-              <p:cTn id="2" dur="indefinite" nodeType="mainSeq">
-                <p:childTnLst>
-                  <p:par>
-                    <p:cTn id="3" fill="hold">
-                      <p:stCondLst>
-                        <p:cond delay="indefinite"/>
-                        <p:cond evt="onBegin" delay="0">
-                          <p:tn val="2"/>
-                        </p:cond>
-                      </p:stCondLst>
-                      <p:childTnLst>
-                        <p:par>
-                          <p:cTn id="4" fill="hold">
-                            <p:stCondLst>
-                              <p:cond delay="0"/>
-                            </p:stCondLst>
-                            <p:childTnLst>
-                              <p:par>
-                                <p:cTn id="5" presetID="1" presetClass="entr" presetSubtype="0" fill="hold" nodeType="withEffect">
-                                  <p:stCondLst>
-                                    <p:cond delay="0"/>
-                                  </p:stCondLst>
-                                  <p:childTnLst>
-                                    <p:set>
-                                      <p:cBhvr>
-                                        <p:cTn id="6" dur="1" fill="hold">
-                                          <p:stCondLst>
-                                            <p:cond delay="0"/>
-                                          </p:stCondLst>
-                                        </p:cTn>
-                                        <p:tgtEl>
-                                          <p:spTgt spid="48"/>
-                                        </p:tgtEl>
-                                        <p:attrNameLst>
-                                          <p:attrName>style.visibility</p:attrName>
-                                        </p:attrNameLst>
-                                      </p:cBhvr>
-                                      <p:to>
-                                        <p:strVal val="visible"/>
-                                      </p:to>
-                                    </p:set>
-                                  </p:childTnLst>
-                                </p:cTn>
-                              </p:par>
-                            </p:childTnLst>
-                          </p:cTn>
-                        </p:par>
-                      </p:childTnLst>
-                    </p:cTn>
-                  </p:par>
-                </p:childTnLst>
-              </p:cTn>
-              <p:prevCondLst>
-                <p:cond evt="onPrev" delay="0">
-                  <p:tgtEl>
-                    <p:sldTgt/>
-                  </p:tgtEl>
-                </p:cond>
-              </p:prevCondLst>
-              <p:nextCondLst>
-                <p:cond evt="onNext" delay="0">
-                  <p:tgtEl>
-                    <p:sldTgt/>
-                  </p:tgtEl>
-                </p:cond>
-              </p:nextCondLst>
-            </p:seq>
-          </p:childTnLst>
-        </p:cTn>
-      </p:par>
-    </p:tnLst>
-  </p:timing>
-</p:sld>
-</file>
-
-<file path=ppt/slides/slide2.xml><?xml version="1.0" encoding="utf-8"?>
-<p:sld xmlns:a="http://schemas.openxmlformats.org/drawingml/2006/main" xmlns:r="http://schemas.openxmlformats.org/officeDocument/2006/relationships" xmlns:p="http://schemas.openxmlformats.org/presentationml/2006/main">
-  <p:cSld>
-    <p:spTree>
-      <p:nvGrpSpPr>
-        <p:cNvPr id="1" name=""/>
-        <p:cNvGrpSpPr/>
-        <p:nvPr/>
-      </p:nvGrpSpPr>
-      <p:grpSpPr>
-        <a:xfrm>
-          <a:off x="0" y="0"/>
-          <a:ext cx="0" cy="0"/>
-          <a:chOff x="0" y="0"/>
-          <a:chExt cx="0" cy="0"/>
-        </a:xfrm>
-      </p:grpSpPr>
-      <p:grpSp>
-        <p:nvGrpSpPr>
-          <p:cNvPr id="3" name="Group 2">
-            <a:extLst>
-              <a:ext uri="{FF2B5EF4-FFF2-40B4-BE49-F238E27FC236}">
-                <a16:creationId xmlns:a16="http://schemas.microsoft.com/office/drawing/2014/main" id="{3F10BDA9-92A7-A243-BC5C-D58C392080CE}"/>
-              </a:ext>
-            </a:extLst>
-          </p:cNvPr>
-          <p:cNvGrpSpPr/>
-          <p:nvPr/>
-        </p:nvGrpSpPr>
-        <p:grpSpPr>
-          <a:xfrm>
-            <a:off x="2198080" y="2054036"/>
-            <a:ext cx="2743196" cy="2590800"/>
-            <a:chOff x="2198080" y="3241702"/>
-            <a:chExt cx="2743196" cy="2590800"/>
-          </a:xfrm>
-        </p:grpSpPr>
-        <p:sp>
-          <p:nvSpPr>
-            <p:cNvPr id="16" name="Rectangle 15">
-              <a:extLst>
-                <a:ext uri="{FF2B5EF4-FFF2-40B4-BE49-F238E27FC236}">
-                  <a16:creationId xmlns:a16="http://schemas.microsoft.com/office/drawing/2014/main" id="{43494236-B475-E34B-BBE0-A28246B3C579}"/>
-                </a:ext>
-              </a:extLst>
-            </p:cNvPr>
-            <p:cNvSpPr/>
-            <p:nvPr/>
-          </p:nvSpPr>
-          <p:spPr>
-            <a:xfrm>
-              <a:off x="2198080" y="3241702"/>
-              <a:ext cx="2743196" cy="2590800"/>
-            </a:xfrm>
-            <a:prstGeom prst="rect">
-              <a:avLst/>
-            </a:prstGeom>
-            <a:solidFill>
-              <a:schemeClr val="accent2">
-                <a:lumMod val="40000"/>
-                <a:lumOff val="60000"/>
-              </a:schemeClr>
-            </a:solidFill>
-          </p:spPr>
-          <p:style>
-            <a:lnRef idx="2">
-              <a:schemeClr val="accent1">
-                <a:shade val="50000"/>
-              </a:schemeClr>
-            </a:lnRef>
-            <a:fillRef idx="1">
-              <a:schemeClr val="accent1"/>
-            </a:fillRef>
-            <a:effectRef idx="0">
-              <a:schemeClr val="accent1"/>
-            </a:effectRef>
-            <a:fontRef idx="minor">
-              <a:schemeClr val="lt1"/>
-            </a:fontRef>
-          </p:style>
-          <p:txBody>
-            <a:bodyPr rtlCol="0" anchor="ctr"/>
-            <a:lstStyle/>
-            <a:p>
-              <a:r>
-                <a:rPr lang="en-US" dirty="0">
-                  <a:solidFill>
-                    <a:schemeClr val="tx1"/>
-                  </a:solidFill>
-                </a:rPr>
-                <a:t>pod</a:t>
-              </a:r>
-            </a:p>
-            <a:p>
-              <a:pPr algn="ctr"/>
-              <a:endParaRPr lang="en-US" dirty="0">
-                <a:solidFill>
-                  <a:schemeClr val="tx1"/>
-                </a:solidFill>
-              </a:endParaRPr>
-            </a:p>
-            <a:p>
-              <a:pPr algn="ctr"/>
-              <a:endParaRPr lang="en-US" dirty="0">
-                <a:solidFill>
-                  <a:schemeClr val="tx1"/>
-                </a:solidFill>
-              </a:endParaRPr>
-            </a:p>
-            <a:p>
-              <a:pPr algn="ctr"/>
-              <a:endParaRPr lang="en-US" dirty="0">
-                <a:solidFill>
-                  <a:schemeClr val="tx1"/>
-                </a:solidFill>
-              </a:endParaRPr>
-            </a:p>
-            <a:p>
-              <a:pPr algn="ctr"/>
-              <a:endParaRPr lang="en-US" dirty="0">
-                <a:solidFill>
-                  <a:schemeClr val="tx1"/>
-                </a:solidFill>
-              </a:endParaRPr>
-            </a:p>
-            <a:p>
-              <a:pPr algn="ctr"/>
-              <a:endParaRPr lang="en-US" dirty="0">
-                <a:solidFill>
-                  <a:schemeClr val="tx1"/>
-                </a:solidFill>
-              </a:endParaRPr>
-            </a:p>
-            <a:p>
-              <a:pPr algn="ctr"/>
-              <a:endParaRPr lang="en-US" dirty="0">
-                <a:solidFill>
-                  <a:schemeClr val="tx1"/>
-                </a:solidFill>
-              </a:endParaRPr>
-            </a:p>
-            <a:p>
-              <a:pPr algn="ctr"/>
-              <a:endParaRPr lang="en-US" dirty="0">
-                <a:solidFill>
-                  <a:schemeClr val="tx1"/>
-                </a:solidFill>
-              </a:endParaRPr>
-            </a:p>
-            <a:p>
-              <a:pPr algn="ctr"/>
-              <a:endParaRPr lang="en-US" dirty="0">
-                <a:solidFill>
-                  <a:schemeClr val="tx1"/>
-                </a:solidFill>
-              </a:endParaRPr>
-            </a:p>
-          </p:txBody>
-        </p:sp>
-        <p:sp>
-          <p:nvSpPr>
-            <p:cNvPr id="6" name="TextBox 5">
-              <a:extLst>
-                <a:ext uri="{FF2B5EF4-FFF2-40B4-BE49-F238E27FC236}">
-                  <a16:creationId xmlns:a16="http://schemas.microsoft.com/office/drawing/2014/main" id="{11B4A212-552B-0344-A3D4-E95EFE5ABBEE}"/>
-                </a:ext>
-              </a:extLst>
-            </p:cNvPr>
-            <p:cNvSpPr txBox="1"/>
-            <p:nvPr/>
-          </p:nvSpPr>
-          <p:spPr>
-            <a:xfrm>
-              <a:off x="2526326" y="4884467"/>
-              <a:ext cx="2086707" cy="461665"/>
-            </a:xfrm>
-            <a:prstGeom prst="rect">
-              <a:avLst/>
-            </a:prstGeom>
-            <a:solidFill>
-              <a:srgbClr val="0070C0"/>
-            </a:solidFill>
-          </p:spPr>
-          <p:txBody>
-            <a:bodyPr wrap="square" rtlCol="0">
-              <a:spAutoFit/>
-            </a:bodyPr>
-            <a:lstStyle/>
-            <a:p>
-              <a:pPr algn="ctr"/>
-              <a:r>
-                <a:rPr lang="en-US" sz="2400" dirty="0">
-                  <a:solidFill>
-                    <a:schemeClr val="bg1"/>
-                  </a:solidFill>
-                </a:rPr>
-                <a:t>server</a:t>
-              </a:r>
-            </a:p>
-          </p:txBody>
-        </p:sp>
-        <p:sp>
-          <p:nvSpPr>
-            <p:cNvPr id="8" name="TextBox 7">
-              <a:extLst>
-                <a:ext uri="{FF2B5EF4-FFF2-40B4-BE49-F238E27FC236}">
-                  <a16:creationId xmlns:a16="http://schemas.microsoft.com/office/drawing/2014/main" id="{D9F2D7E9-9E86-1540-B034-FE5FFEC3940A}"/>
-                </a:ext>
-              </a:extLst>
-            </p:cNvPr>
-            <p:cNvSpPr txBox="1"/>
-            <p:nvPr/>
-          </p:nvSpPr>
-          <p:spPr>
-            <a:xfrm>
-              <a:off x="2526325" y="3728073"/>
-              <a:ext cx="2086707" cy="461665"/>
-            </a:xfrm>
-            <a:prstGeom prst="rect">
-              <a:avLst/>
-            </a:prstGeom>
-            <a:solidFill>
-              <a:srgbClr val="0070C0"/>
-            </a:solidFill>
-          </p:spPr>
-          <p:txBody>
-            <a:bodyPr wrap="square" rtlCol="0">
-              <a:spAutoFit/>
-            </a:bodyPr>
-            <a:lstStyle/>
-            <a:p>
-              <a:pPr algn="ctr"/>
-              <a:r>
-                <a:rPr lang="en-US" sz="2400" dirty="0">
-                  <a:solidFill>
-                    <a:schemeClr val="bg1"/>
-                  </a:solidFill>
-                </a:rPr>
-                <a:t>sidecar</a:t>
-              </a:r>
-            </a:p>
-          </p:txBody>
-        </p:sp>
-        <p:cxnSp>
-          <p:nvCxnSpPr>
-            <p:cNvPr id="10" name="Straight Arrow Connector 9">
-              <a:extLst>
-                <a:ext uri="{FF2B5EF4-FFF2-40B4-BE49-F238E27FC236}">
-                  <a16:creationId xmlns:a16="http://schemas.microsoft.com/office/drawing/2014/main" id="{B7A8DE44-D1F9-DD4A-93A5-AD1532EA8790}"/>
-                </a:ext>
-              </a:extLst>
-            </p:cNvPr>
-            <p:cNvCxnSpPr>
-              <a:cxnSpLocks/>
-              <a:stCxn id="8" idx="2"/>
-              <a:endCxn id="6" idx="0"/>
-            </p:cNvCxnSpPr>
-            <p:nvPr/>
-          </p:nvCxnSpPr>
-          <p:spPr>
-            <a:xfrm>
-              <a:off x="3569679" y="4189738"/>
-              <a:ext cx="1" cy="694729"/>
-            </a:xfrm>
-            <a:prstGeom prst="straightConnector1">
-              <a:avLst/>
-            </a:prstGeom>
-            <a:ln w="38100">
-              <a:headEnd type="triangle"/>
-              <a:tailEnd type="triangle"/>
-            </a:ln>
-          </p:spPr>
-          <p:style>
-            <a:lnRef idx="1">
-              <a:schemeClr val="accent1"/>
-            </a:lnRef>
-            <a:fillRef idx="0">
-              <a:schemeClr val="accent1"/>
-            </a:fillRef>
-            <a:effectRef idx="0">
-              <a:schemeClr val="accent1"/>
-            </a:effectRef>
-            <a:fontRef idx="minor">
-              <a:schemeClr val="tx1"/>
-            </a:fontRef>
-          </p:style>
-        </p:cxnSp>
-        <p:sp>
-          <p:nvSpPr>
-            <p:cNvPr id="14" name="TextBox 13">
-              <a:extLst>
-                <a:ext uri="{FF2B5EF4-FFF2-40B4-BE49-F238E27FC236}">
-                  <a16:creationId xmlns:a16="http://schemas.microsoft.com/office/drawing/2014/main" id="{1FB61EDC-0E81-B540-A563-ECF4A89126C5}"/>
-                </a:ext>
-              </a:extLst>
-            </p:cNvPr>
-            <p:cNvSpPr txBox="1"/>
-            <p:nvPr/>
-          </p:nvSpPr>
-          <p:spPr>
-            <a:xfrm>
-              <a:off x="3569678" y="4365692"/>
-              <a:ext cx="914400" cy="369332"/>
-            </a:xfrm>
-            <a:prstGeom prst="rect">
-              <a:avLst/>
-            </a:prstGeom>
-            <a:noFill/>
-          </p:spPr>
-          <p:txBody>
-            <a:bodyPr wrap="square" rtlCol="0">
-              <a:spAutoFit/>
-            </a:bodyPr>
-            <a:lstStyle/>
-            <a:p>
-              <a:r>
-                <a:rPr lang="en-US" dirty="0"/>
-                <a:t>http</a:t>
-              </a:r>
-            </a:p>
-          </p:txBody>
-        </p:sp>
-      </p:grpSp>
-      <p:grpSp>
-        <p:nvGrpSpPr>
-          <p:cNvPr id="4" name="Group 3">
-            <a:extLst>
-              <a:ext uri="{FF2B5EF4-FFF2-40B4-BE49-F238E27FC236}">
-                <a16:creationId xmlns:a16="http://schemas.microsoft.com/office/drawing/2014/main" id="{3F289F71-9089-3F40-B723-FC60E8FBAFC3}"/>
-              </a:ext>
-            </a:extLst>
-          </p:cNvPr>
-          <p:cNvGrpSpPr/>
-          <p:nvPr/>
-        </p:nvGrpSpPr>
-        <p:grpSpPr>
-          <a:xfrm>
-            <a:off x="7250723" y="2056831"/>
-            <a:ext cx="2743196" cy="2590800"/>
-            <a:chOff x="7250723" y="3244497"/>
-            <a:chExt cx="2743196" cy="2590800"/>
-          </a:xfrm>
-        </p:grpSpPr>
-        <p:sp>
-          <p:nvSpPr>
-            <p:cNvPr id="17" name="Rectangle 16">
-              <a:extLst>
-                <a:ext uri="{FF2B5EF4-FFF2-40B4-BE49-F238E27FC236}">
-                  <a16:creationId xmlns:a16="http://schemas.microsoft.com/office/drawing/2014/main" id="{AD666F2C-3D5A-F045-B292-A9D50E17C412}"/>
-                </a:ext>
-              </a:extLst>
-            </p:cNvPr>
-            <p:cNvSpPr/>
-            <p:nvPr/>
-          </p:nvSpPr>
-          <p:spPr>
-            <a:xfrm>
-              <a:off x="7250723" y="3244497"/>
-              <a:ext cx="2743196" cy="2590800"/>
-            </a:xfrm>
-            <a:prstGeom prst="rect">
-              <a:avLst/>
-            </a:prstGeom>
-            <a:solidFill>
-              <a:schemeClr val="accent2">
-                <a:lumMod val="40000"/>
-                <a:lumOff val="60000"/>
-              </a:schemeClr>
-            </a:solidFill>
-          </p:spPr>
-          <p:style>
-            <a:lnRef idx="2">
-              <a:schemeClr val="accent1">
-                <a:shade val="50000"/>
-              </a:schemeClr>
-            </a:lnRef>
-            <a:fillRef idx="1">
-              <a:schemeClr val="accent1"/>
-            </a:fillRef>
-            <a:effectRef idx="0">
-              <a:schemeClr val="accent1"/>
-            </a:effectRef>
-            <a:fontRef idx="minor">
-              <a:schemeClr val="lt1"/>
-            </a:fontRef>
-          </p:style>
-          <p:txBody>
-            <a:bodyPr rtlCol="0" anchor="ctr"/>
-            <a:lstStyle/>
-            <a:p>
-              <a:r>
-                <a:rPr lang="en-US" dirty="0">
-                  <a:solidFill>
-                    <a:schemeClr val="tx1"/>
-                  </a:solidFill>
-                </a:rPr>
-                <a:t>pod</a:t>
-              </a:r>
-            </a:p>
-            <a:p>
-              <a:pPr algn="ctr"/>
-              <a:endParaRPr lang="en-US" dirty="0">
-                <a:solidFill>
-                  <a:schemeClr val="tx1"/>
-                </a:solidFill>
-              </a:endParaRPr>
-            </a:p>
-            <a:p>
-              <a:pPr algn="ctr"/>
-              <a:endParaRPr lang="en-US" dirty="0">
-                <a:solidFill>
-                  <a:schemeClr val="tx1"/>
-                </a:solidFill>
-              </a:endParaRPr>
-            </a:p>
-            <a:p>
-              <a:pPr algn="ctr"/>
-              <a:endParaRPr lang="en-US" dirty="0">
-                <a:solidFill>
-                  <a:schemeClr val="tx1"/>
-                </a:solidFill>
-              </a:endParaRPr>
-            </a:p>
-            <a:p>
-              <a:pPr algn="ctr"/>
-              <a:endParaRPr lang="en-US" dirty="0">
-                <a:solidFill>
-                  <a:schemeClr val="tx1"/>
-                </a:solidFill>
-              </a:endParaRPr>
-            </a:p>
-            <a:p>
-              <a:pPr algn="ctr"/>
-              <a:endParaRPr lang="en-US" dirty="0">
-                <a:solidFill>
-                  <a:schemeClr val="tx1"/>
-                </a:solidFill>
-              </a:endParaRPr>
-            </a:p>
-            <a:p>
-              <a:pPr algn="ctr"/>
-              <a:endParaRPr lang="en-US" dirty="0">
-                <a:solidFill>
-                  <a:schemeClr val="tx1"/>
-                </a:solidFill>
-              </a:endParaRPr>
-            </a:p>
-            <a:p>
-              <a:pPr algn="ctr"/>
-              <a:endParaRPr lang="en-US" dirty="0">
-                <a:solidFill>
-                  <a:schemeClr val="tx1"/>
-                </a:solidFill>
-              </a:endParaRPr>
-            </a:p>
-            <a:p>
-              <a:pPr algn="ctr"/>
-              <a:endParaRPr lang="en-US" dirty="0">
-                <a:solidFill>
-                  <a:schemeClr val="tx1"/>
-                </a:solidFill>
-              </a:endParaRPr>
-            </a:p>
-          </p:txBody>
-        </p:sp>
-        <p:sp>
-          <p:nvSpPr>
-            <p:cNvPr id="5" name="TextBox 4">
-              <a:extLst>
-                <a:ext uri="{FF2B5EF4-FFF2-40B4-BE49-F238E27FC236}">
-                  <a16:creationId xmlns:a16="http://schemas.microsoft.com/office/drawing/2014/main" id="{6F671711-ADEA-BA44-9C42-365B28D3E225}"/>
-                </a:ext>
-              </a:extLst>
-            </p:cNvPr>
-            <p:cNvSpPr txBox="1"/>
-            <p:nvPr/>
-          </p:nvSpPr>
-          <p:spPr>
-            <a:xfrm>
-              <a:off x="7578968" y="4887261"/>
-              <a:ext cx="2086707" cy="461665"/>
-            </a:xfrm>
-            <a:prstGeom prst="rect">
-              <a:avLst/>
-            </a:prstGeom>
-            <a:solidFill>
-              <a:srgbClr val="0070C0"/>
-            </a:solidFill>
-          </p:spPr>
-          <p:txBody>
-            <a:bodyPr wrap="square" rtlCol="0">
-              <a:spAutoFit/>
-            </a:bodyPr>
-            <a:lstStyle/>
-            <a:p>
-              <a:pPr algn="ctr"/>
-              <a:r>
-                <a:rPr lang="en-US" sz="2400" dirty="0">
-                  <a:solidFill>
-                    <a:schemeClr val="bg1"/>
-                  </a:solidFill>
-                </a:rPr>
-                <a:t>client</a:t>
-              </a:r>
-            </a:p>
-          </p:txBody>
-        </p:sp>
-        <p:sp>
-          <p:nvSpPr>
-            <p:cNvPr id="7" name="TextBox 6">
-              <a:extLst>
-                <a:ext uri="{FF2B5EF4-FFF2-40B4-BE49-F238E27FC236}">
-                  <a16:creationId xmlns:a16="http://schemas.microsoft.com/office/drawing/2014/main" id="{838027F9-2D4D-5749-B999-25E7FCB6BBDF}"/>
-                </a:ext>
-              </a:extLst>
-            </p:cNvPr>
-            <p:cNvSpPr txBox="1"/>
-            <p:nvPr/>
-          </p:nvSpPr>
-          <p:spPr>
-            <a:xfrm>
-              <a:off x="7578969" y="3730868"/>
-              <a:ext cx="2086707" cy="461665"/>
-            </a:xfrm>
-            <a:prstGeom prst="rect">
-              <a:avLst/>
-            </a:prstGeom>
-            <a:solidFill>
-              <a:srgbClr val="0070C0"/>
-            </a:solidFill>
-          </p:spPr>
-          <p:txBody>
-            <a:bodyPr wrap="square" rtlCol="0">
-              <a:spAutoFit/>
-            </a:bodyPr>
-            <a:lstStyle/>
-            <a:p>
-              <a:pPr algn="ctr"/>
-              <a:r>
-                <a:rPr lang="en-US" sz="2400" dirty="0">
-                  <a:solidFill>
-                    <a:schemeClr val="bg1"/>
-                  </a:solidFill>
-                </a:rPr>
-                <a:t>sidecar</a:t>
-              </a:r>
-            </a:p>
-          </p:txBody>
-        </p:sp>
-        <p:cxnSp>
-          <p:nvCxnSpPr>
-            <p:cNvPr id="13" name="Straight Arrow Connector 12">
-              <a:extLst>
-                <a:ext uri="{FF2B5EF4-FFF2-40B4-BE49-F238E27FC236}">
-                  <a16:creationId xmlns:a16="http://schemas.microsoft.com/office/drawing/2014/main" id="{4B9C143A-E261-AB43-8774-F1EB881CF544}"/>
-                </a:ext>
-              </a:extLst>
-            </p:cNvPr>
-            <p:cNvCxnSpPr>
-              <a:cxnSpLocks/>
-            </p:cNvCxnSpPr>
-            <p:nvPr/>
-          </p:nvCxnSpPr>
-          <p:spPr>
-            <a:xfrm>
-              <a:off x="8622321" y="4205789"/>
-              <a:ext cx="1" cy="694729"/>
-            </a:xfrm>
-            <a:prstGeom prst="straightConnector1">
-              <a:avLst/>
-            </a:prstGeom>
-            <a:ln w="38100">
-              <a:headEnd type="triangle"/>
-              <a:tailEnd type="triangle"/>
-            </a:ln>
-          </p:spPr>
-          <p:style>
-            <a:lnRef idx="1">
-              <a:schemeClr val="accent1"/>
-            </a:lnRef>
-            <a:fillRef idx="0">
-              <a:schemeClr val="accent1"/>
-            </a:fillRef>
-            <a:effectRef idx="0">
-              <a:schemeClr val="accent1"/>
-            </a:effectRef>
-            <a:fontRef idx="minor">
-              <a:schemeClr val="tx1"/>
-            </a:fontRef>
-          </p:style>
-        </p:cxnSp>
-        <p:sp>
-          <p:nvSpPr>
-            <p:cNvPr id="15" name="TextBox 14">
-              <a:extLst>
-                <a:ext uri="{FF2B5EF4-FFF2-40B4-BE49-F238E27FC236}">
-                  <a16:creationId xmlns:a16="http://schemas.microsoft.com/office/drawing/2014/main" id="{04C41FC8-B976-0041-BC58-1E4EFB47EB9F}"/>
-                </a:ext>
-              </a:extLst>
-            </p:cNvPr>
-            <p:cNvSpPr txBox="1"/>
-            <p:nvPr/>
-          </p:nvSpPr>
-          <p:spPr>
-            <a:xfrm>
-              <a:off x="8622321" y="4370020"/>
-              <a:ext cx="914400" cy="369332"/>
-            </a:xfrm>
-            <a:prstGeom prst="rect">
-              <a:avLst/>
-            </a:prstGeom>
-            <a:noFill/>
-          </p:spPr>
-          <p:txBody>
-            <a:bodyPr wrap="square" rtlCol="0">
-              <a:spAutoFit/>
-            </a:bodyPr>
-            <a:lstStyle/>
-            <a:p>
-              <a:r>
-                <a:rPr lang="en-US" dirty="0"/>
-                <a:t>http</a:t>
-              </a:r>
-            </a:p>
-          </p:txBody>
-        </p:sp>
-      </p:grpSp>
-      <p:sp>
-        <p:nvSpPr>
-          <p:cNvPr id="18" name="Rounded Rectangle 17">
-            <a:extLst>
-              <a:ext uri="{FF2B5EF4-FFF2-40B4-BE49-F238E27FC236}">
-                <a16:creationId xmlns:a16="http://schemas.microsoft.com/office/drawing/2014/main" id="{D4E854A3-70BB-D644-B0E2-8D12F5D60607}"/>
-              </a:ext>
-            </a:extLst>
-          </p:cNvPr>
-          <p:cNvSpPr/>
-          <p:nvPr/>
-        </p:nvSpPr>
-        <p:spPr>
-          <a:xfrm>
-            <a:off x="5193323" y="357293"/>
-            <a:ext cx="2309447" cy="1031631"/>
-          </a:xfrm>
-          <a:prstGeom prst="roundRect">
-            <a:avLst/>
-          </a:prstGeom>
-        </p:spPr>
-        <p:style>
-          <a:lnRef idx="2">
-            <a:schemeClr val="accent1">
-              <a:shade val="50000"/>
-            </a:schemeClr>
-          </a:lnRef>
-          <a:fillRef idx="1">
-            <a:schemeClr val="accent1"/>
-          </a:fillRef>
-          <a:effectRef idx="0">
-            <a:schemeClr val="accent1"/>
-          </a:effectRef>
-          <a:fontRef idx="minor">
-            <a:schemeClr val="lt1"/>
-          </a:fontRef>
-        </p:style>
-        <p:txBody>
-          <a:bodyPr rtlCol="0" anchor="ctr"/>
-          <a:lstStyle/>
-          <a:p>
-            <a:pPr algn="ctr"/>
-            <a:r>
-              <a:rPr lang="en-US" sz="2400" dirty="0"/>
-              <a:t>Kafka</a:t>
-            </a:r>
-          </a:p>
-        </p:txBody>
-      </p:sp>
-      <p:grpSp>
-        <p:nvGrpSpPr>
-          <p:cNvPr id="42" name="Group 41">
-            <a:extLst>
-              <a:ext uri="{FF2B5EF4-FFF2-40B4-BE49-F238E27FC236}">
-                <a16:creationId xmlns:a16="http://schemas.microsoft.com/office/drawing/2014/main" id="{DC942775-9BB6-CA41-A029-E6DECCAD8FEC}"/>
-              </a:ext>
-            </a:extLst>
-          </p:cNvPr>
-          <p:cNvGrpSpPr/>
-          <p:nvPr/>
-        </p:nvGrpSpPr>
-        <p:grpSpPr>
-          <a:xfrm>
-            <a:off x="2350480" y="2206436"/>
-            <a:ext cx="2743196" cy="2590800"/>
-            <a:chOff x="2198080" y="3241702"/>
-            <a:chExt cx="2743196" cy="2590800"/>
-          </a:xfrm>
-        </p:grpSpPr>
-        <p:sp>
-          <p:nvSpPr>
-            <p:cNvPr id="43" name="Rectangle 42">
-              <a:extLst>
-                <a:ext uri="{FF2B5EF4-FFF2-40B4-BE49-F238E27FC236}">
-                  <a16:creationId xmlns:a16="http://schemas.microsoft.com/office/drawing/2014/main" id="{2CF24FF8-026C-2F4B-9939-4A0332D8C89A}"/>
-                </a:ext>
-              </a:extLst>
-            </p:cNvPr>
-            <p:cNvSpPr/>
-            <p:nvPr/>
-          </p:nvSpPr>
-          <p:spPr>
-            <a:xfrm>
-              <a:off x="2198080" y="3241702"/>
-              <a:ext cx="2743196" cy="2590800"/>
-            </a:xfrm>
-            <a:prstGeom prst="rect">
-              <a:avLst/>
-            </a:prstGeom>
-            <a:solidFill>
-              <a:schemeClr val="accent2">
-                <a:lumMod val="40000"/>
-                <a:lumOff val="60000"/>
-              </a:schemeClr>
-            </a:solidFill>
-          </p:spPr>
-          <p:style>
-            <a:lnRef idx="2">
-              <a:schemeClr val="accent1">
-                <a:shade val="50000"/>
-              </a:schemeClr>
-            </a:lnRef>
-            <a:fillRef idx="1">
-              <a:schemeClr val="accent1"/>
-            </a:fillRef>
-            <a:effectRef idx="0">
-              <a:schemeClr val="accent1"/>
-            </a:effectRef>
-            <a:fontRef idx="minor">
-              <a:schemeClr val="lt1"/>
-            </a:fontRef>
-          </p:style>
-          <p:txBody>
-            <a:bodyPr rtlCol="0" anchor="ctr"/>
-            <a:lstStyle/>
-            <a:p>
-              <a:r>
-                <a:rPr lang="en-US" dirty="0">
-                  <a:solidFill>
-                    <a:schemeClr val="tx1"/>
-                  </a:solidFill>
-                </a:rPr>
-                <a:t>pod</a:t>
-              </a:r>
-            </a:p>
-            <a:p>
-              <a:pPr algn="ctr"/>
-              <a:endParaRPr lang="en-US" dirty="0">
-                <a:solidFill>
-                  <a:schemeClr val="tx1"/>
-                </a:solidFill>
-              </a:endParaRPr>
-            </a:p>
-            <a:p>
-              <a:pPr algn="ctr"/>
-              <a:endParaRPr lang="en-US" dirty="0">
-                <a:solidFill>
-                  <a:schemeClr val="tx1"/>
-                </a:solidFill>
-              </a:endParaRPr>
-            </a:p>
-            <a:p>
-              <a:pPr algn="ctr"/>
-              <a:endParaRPr lang="en-US" dirty="0">
-                <a:solidFill>
-                  <a:schemeClr val="tx1"/>
-                </a:solidFill>
-              </a:endParaRPr>
-            </a:p>
-            <a:p>
-              <a:pPr algn="ctr"/>
-              <a:endParaRPr lang="en-US" dirty="0">
-                <a:solidFill>
-                  <a:schemeClr val="tx1"/>
-                </a:solidFill>
-              </a:endParaRPr>
-            </a:p>
-            <a:p>
-              <a:pPr algn="ctr"/>
-              <a:endParaRPr lang="en-US" dirty="0">
-                <a:solidFill>
-                  <a:schemeClr val="tx1"/>
-                </a:solidFill>
-              </a:endParaRPr>
-            </a:p>
-            <a:p>
-              <a:pPr algn="ctr"/>
-              <a:endParaRPr lang="en-US" dirty="0">
-                <a:solidFill>
-                  <a:schemeClr val="tx1"/>
-                </a:solidFill>
-              </a:endParaRPr>
-            </a:p>
-            <a:p>
-              <a:pPr algn="ctr"/>
-              <a:endParaRPr lang="en-US" dirty="0">
-                <a:solidFill>
-                  <a:schemeClr val="tx1"/>
-                </a:solidFill>
-              </a:endParaRPr>
-            </a:p>
-            <a:p>
-              <a:pPr algn="ctr"/>
-              <a:endParaRPr lang="en-US" dirty="0">
-                <a:solidFill>
-                  <a:schemeClr val="tx1"/>
-                </a:solidFill>
-              </a:endParaRPr>
-            </a:p>
-          </p:txBody>
-        </p:sp>
-        <p:sp>
-          <p:nvSpPr>
-            <p:cNvPr id="44" name="TextBox 43">
-              <a:extLst>
-                <a:ext uri="{FF2B5EF4-FFF2-40B4-BE49-F238E27FC236}">
-                  <a16:creationId xmlns:a16="http://schemas.microsoft.com/office/drawing/2014/main" id="{0DC20C01-7179-1442-8996-4234ACDAAFCA}"/>
-                </a:ext>
-              </a:extLst>
-            </p:cNvPr>
-            <p:cNvSpPr txBox="1"/>
-            <p:nvPr/>
-          </p:nvSpPr>
-          <p:spPr>
-            <a:xfrm>
-              <a:off x="2526326" y="4884467"/>
-              <a:ext cx="2086707" cy="461665"/>
-            </a:xfrm>
-            <a:prstGeom prst="rect">
-              <a:avLst/>
-            </a:prstGeom>
-            <a:solidFill>
-              <a:srgbClr val="0070C0"/>
-            </a:solidFill>
-          </p:spPr>
-          <p:txBody>
-            <a:bodyPr wrap="square" rtlCol="0">
-              <a:spAutoFit/>
-            </a:bodyPr>
-            <a:lstStyle/>
-            <a:p>
-              <a:pPr algn="ctr"/>
-              <a:r>
-                <a:rPr lang="en-US" sz="2400" dirty="0">
-                  <a:solidFill>
-                    <a:schemeClr val="bg1"/>
-                  </a:solidFill>
-                </a:rPr>
-                <a:t>server</a:t>
-              </a:r>
-            </a:p>
-          </p:txBody>
-        </p:sp>
-        <p:sp>
-          <p:nvSpPr>
-            <p:cNvPr id="45" name="TextBox 44">
-              <a:extLst>
-                <a:ext uri="{FF2B5EF4-FFF2-40B4-BE49-F238E27FC236}">
-                  <a16:creationId xmlns:a16="http://schemas.microsoft.com/office/drawing/2014/main" id="{3223ADC3-ADB5-F744-A6DF-3D01F62E91F8}"/>
-                </a:ext>
-              </a:extLst>
-            </p:cNvPr>
-            <p:cNvSpPr txBox="1"/>
-            <p:nvPr/>
-          </p:nvSpPr>
-          <p:spPr>
-            <a:xfrm>
-              <a:off x="2526325" y="3728073"/>
-              <a:ext cx="2086707" cy="461665"/>
-            </a:xfrm>
-            <a:prstGeom prst="rect">
-              <a:avLst/>
-            </a:prstGeom>
-            <a:solidFill>
-              <a:srgbClr val="0070C0"/>
-            </a:solidFill>
-          </p:spPr>
-          <p:txBody>
-            <a:bodyPr wrap="square" rtlCol="0">
-              <a:spAutoFit/>
-            </a:bodyPr>
-            <a:lstStyle/>
-            <a:p>
-              <a:pPr algn="ctr"/>
-              <a:r>
-                <a:rPr lang="en-US" sz="2400" dirty="0">
-                  <a:solidFill>
-                    <a:schemeClr val="bg1"/>
-                  </a:solidFill>
-                </a:rPr>
-                <a:t>sidecar</a:t>
-              </a:r>
-            </a:p>
-          </p:txBody>
-        </p:sp>
-        <p:cxnSp>
-          <p:nvCxnSpPr>
-            <p:cNvPr id="46" name="Straight Arrow Connector 45">
-              <a:extLst>
-                <a:ext uri="{FF2B5EF4-FFF2-40B4-BE49-F238E27FC236}">
-                  <a16:creationId xmlns:a16="http://schemas.microsoft.com/office/drawing/2014/main" id="{729BE499-DD58-014B-A4D5-EDC018FF7077}"/>
-                </a:ext>
-              </a:extLst>
-            </p:cNvPr>
-            <p:cNvCxnSpPr>
-              <a:cxnSpLocks/>
-              <a:stCxn id="45" idx="2"/>
-              <a:endCxn id="44" idx="0"/>
-            </p:cNvCxnSpPr>
-            <p:nvPr/>
-          </p:nvCxnSpPr>
-          <p:spPr>
-            <a:xfrm>
-              <a:off x="3569679" y="4189738"/>
-              <a:ext cx="1" cy="694729"/>
-            </a:xfrm>
-            <a:prstGeom prst="straightConnector1">
-              <a:avLst/>
-            </a:prstGeom>
-            <a:ln w="38100">
-              <a:headEnd type="triangle"/>
-              <a:tailEnd type="triangle"/>
-            </a:ln>
-          </p:spPr>
-          <p:style>
-            <a:lnRef idx="1">
-              <a:schemeClr val="accent1"/>
-            </a:lnRef>
-            <a:fillRef idx="0">
-              <a:schemeClr val="accent1"/>
-            </a:fillRef>
-            <a:effectRef idx="0">
-              <a:schemeClr val="accent1"/>
-            </a:effectRef>
-            <a:fontRef idx="minor">
-              <a:schemeClr val="tx1"/>
-            </a:fontRef>
-          </p:style>
-        </p:cxnSp>
-        <p:sp>
-          <p:nvSpPr>
-            <p:cNvPr id="47" name="TextBox 46">
-              <a:extLst>
-                <a:ext uri="{FF2B5EF4-FFF2-40B4-BE49-F238E27FC236}">
-                  <a16:creationId xmlns:a16="http://schemas.microsoft.com/office/drawing/2014/main" id="{159C2211-6729-7F42-AEC4-799CACA59D70}"/>
-                </a:ext>
-              </a:extLst>
-            </p:cNvPr>
-            <p:cNvSpPr txBox="1"/>
-            <p:nvPr/>
-          </p:nvSpPr>
-          <p:spPr>
-            <a:xfrm>
-              <a:off x="3569678" y="4365692"/>
-              <a:ext cx="914400" cy="369332"/>
-            </a:xfrm>
-            <a:prstGeom prst="rect">
-              <a:avLst/>
-            </a:prstGeom>
-            <a:noFill/>
-          </p:spPr>
-          <p:txBody>
-            <a:bodyPr wrap="square" rtlCol="0">
-              <a:spAutoFit/>
-            </a:bodyPr>
-            <a:lstStyle/>
-            <a:p>
-              <a:r>
-                <a:rPr lang="en-US" dirty="0"/>
-                <a:t>http</a:t>
-              </a:r>
-            </a:p>
-          </p:txBody>
-        </p:sp>
-      </p:grpSp>
-      <p:grpSp>
-        <p:nvGrpSpPr>
-          <p:cNvPr id="48" name="Group 47">
-            <a:extLst>
-              <a:ext uri="{FF2B5EF4-FFF2-40B4-BE49-F238E27FC236}">
-                <a16:creationId xmlns:a16="http://schemas.microsoft.com/office/drawing/2014/main" id="{93BBD36D-361F-9640-9A84-6C175F7AE521}"/>
-              </a:ext>
-            </a:extLst>
-          </p:cNvPr>
-          <p:cNvGrpSpPr/>
-          <p:nvPr/>
-        </p:nvGrpSpPr>
-        <p:grpSpPr>
-          <a:xfrm>
-            <a:off x="2502880" y="2358836"/>
-            <a:ext cx="2743196" cy="2590800"/>
-            <a:chOff x="2198080" y="3241702"/>
-            <a:chExt cx="2743196" cy="2590800"/>
-          </a:xfrm>
-        </p:grpSpPr>
-        <p:sp>
-          <p:nvSpPr>
-            <p:cNvPr id="49" name="Rectangle 48">
-              <a:extLst>
-                <a:ext uri="{FF2B5EF4-FFF2-40B4-BE49-F238E27FC236}">
-                  <a16:creationId xmlns:a16="http://schemas.microsoft.com/office/drawing/2014/main" id="{7271FDF0-B59A-BE44-9C45-9B8ECA04537E}"/>
-                </a:ext>
-              </a:extLst>
-            </p:cNvPr>
-            <p:cNvSpPr/>
-            <p:nvPr/>
-          </p:nvSpPr>
-          <p:spPr>
-            <a:xfrm>
-              <a:off x="2198080" y="3241702"/>
-              <a:ext cx="2743196" cy="2590800"/>
-            </a:xfrm>
-            <a:prstGeom prst="rect">
-              <a:avLst/>
-            </a:prstGeom>
-            <a:solidFill>
-              <a:schemeClr val="accent2">
-                <a:lumMod val="40000"/>
-                <a:lumOff val="60000"/>
-              </a:schemeClr>
-            </a:solidFill>
-          </p:spPr>
-          <p:style>
-            <a:lnRef idx="2">
-              <a:schemeClr val="accent1">
-                <a:shade val="50000"/>
-              </a:schemeClr>
-            </a:lnRef>
-            <a:fillRef idx="1">
-              <a:schemeClr val="accent1"/>
-            </a:fillRef>
-            <a:effectRef idx="0">
-              <a:schemeClr val="accent1"/>
-            </a:effectRef>
-            <a:fontRef idx="minor">
-              <a:schemeClr val="lt1"/>
-            </a:fontRef>
-          </p:style>
-          <p:txBody>
-            <a:bodyPr rtlCol="0" anchor="ctr"/>
-            <a:lstStyle/>
-            <a:p>
-              <a:r>
-                <a:rPr lang="en-US" dirty="0">
-                  <a:solidFill>
-                    <a:schemeClr val="tx1"/>
-                  </a:solidFill>
-                </a:rPr>
-                <a:t>pod</a:t>
-              </a:r>
-            </a:p>
-            <a:p>
-              <a:pPr algn="ctr"/>
-              <a:endParaRPr lang="en-US" dirty="0">
-                <a:solidFill>
-                  <a:schemeClr val="tx1"/>
-                </a:solidFill>
-              </a:endParaRPr>
-            </a:p>
-            <a:p>
-              <a:pPr algn="ctr"/>
-              <a:endParaRPr lang="en-US" dirty="0">
-                <a:solidFill>
-                  <a:schemeClr val="tx1"/>
-                </a:solidFill>
-              </a:endParaRPr>
-            </a:p>
-            <a:p>
-              <a:pPr algn="ctr"/>
-              <a:endParaRPr lang="en-US" dirty="0">
-                <a:solidFill>
-                  <a:schemeClr val="tx1"/>
-                </a:solidFill>
-              </a:endParaRPr>
-            </a:p>
-            <a:p>
-              <a:pPr algn="ctr"/>
-              <a:endParaRPr lang="en-US" dirty="0">
-                <a:solidFill>
-                  <a:schemeClr val="tx1"/>
-                </a:solidFill>
-              </a:endParaRPr>
-            </a:p>
-            <a:p>
-              <a:pPr algn="ctr"/>
-              <a:endParaRPr lang="en-US" dirty="0">
-                <a:solidFill>
-                  <a:schemeClr val="tx1"/>
-                </a:solidFill>
-              </a:endParaRPr>
-            </a:p>
-            <a:p>
-              <a:pPr algn="ctr"/>
-              <a:endParaRPr lang="en-US" dirty="0">
-                <a:solidFill>
-                  <a:schemeClr val="tx1"/>
-                </a:solidFill>
-              </a:endParaRPr>
-            </a:p>
-            <a:p>
-              <a:pPr algn="ctr"/>
-              <a:endParaRPr lang="en-US" dirty="0">
-                <a:solidFill>
-                  <a:schemeClr val="tx1"/>
-                </a:solidFill>
-              </a:endParaRPr>
-            </a:p>
-            <a:p>
-              <a:pPr algn="ctr"/>
-              <a:endParaRPr lang="en-US" dirty="0">
-                <a:solidFill>
-                  <a:schemeClr val="tx1"/>
-                </a:solidFill>
-              </a:endParaRPr>
-            </a:p>
-          </p:txBody>
-        </p:sp>
-        <p:sp>
-          <p:nvSpPr>
-            <p:cNvPr id="50" name="TextBox 49">
-              <a:extLst>
-                <a:ext uri="{FF2B5EF4-FFF2-40B4-BE49-F238E27FC236}">
-                  <a16:creationId xmlns:a16="http://schemas.microsoft.com/office/drawing/2014/main" id="{3DCCF9A3-AA0E-194C-AC93-432CFE41AFC9}"/>
-                </a:ext>
-              </a:extLst>
-            </p:cNvPr>
-            <p:cNvSpPr txBox="1"/>
-            <p:nvPr/>
-          </p:nvSpPr>
-          <p:spPr>
-            <a:xfrm>
-              <a:off x="2526326" y="4884467"/>
-              <a:ext cx="2086707" cy="461665"/>
-            </a:xfrm>
-            <a:prstGeom prst="rect">
-              <a:avLst/>
-            </a:prstGeom>
-            <a:solidFill>
-              <a:srgbClr val="0070C0"/>
-            </a:solidFill>
-          </p:spPr>
-          <p:txBody>
-            <a:bodyPr wrap="square" rtlCol="0">
-              <a:spAutoFit/>
-            </a:bodyPr>
-            <a:lstStyle/>
-            <a:p>
-              <a:pPr algn="ctr"/>
-              <a:r>
-                <a:rPr lang="en-US" sz="2400" dirty="0">
-                  <a:solidFill>
-                    <a:schemeClr val="bg1"/>
-                  </a:solidFill>
-                </a:rPr>
-                <a:t>App Comp. A</a:t>
-              </a:r>
-            </a:p>
-          </p:txBody>
-        </p:sp>
-        <p:sp>
-          <p:nvSpPr>
-            <p:cNvPr id="51" name="TextBox 50">
-              <a:extLst>
-                <a:ext uri="{FF2B5EF4-FFF2-40B4-BE49-F238E27FC236}">
-                  <a16:creationId xmlns:a16="http://schemas.microsoft.com/office/drawing/2014/main" id="{7013DF50-956D-C244-BAAC-E043039CF135}"/>
-                </a:ext>
-              </a:extLst>
-            </p:cNvPr>
-            <p:cNvSpPr txBox="1"/>
-            <p:nvPr/>
-          </p:nvSpPr>
-          <p:spPr>
-            <a:xfrm>
-              <a:off x="2526325" y="3728073"/>
-              <a:ext cx="2086707" cy="400110"/>
-            </a:xfrm>
-            <a:prstGeom prst="rect">
-              <a:avLst/>
-            </a:prstGeom>
-            <a:solidFill>
-              <a:srgbClr val="0070C0"/>
-            </a:solidFill>
-          </p:spPr>
-          <p:txBody>
-            <a:bodyPr wrap="square" rtlCol="0">
-              <a:spAutoFit/>
-            </a:bodyPr>
-            <a:lstStyle/>
-            <a:p>
-              <a:pPr algn="ctr"/>
-              <a:r>
-                <a:rPr lang="en-US" sz="2000" dirty="0">
-                  <a:solidFill>
-                    <a:schemeClr val="bg1"/>
-                  </a:solidFill>
-                </a:rPr>
-                <a:t>KAR sidecar</a:t>
-              </a:r>
-            </a:p>
-          </p:txBody>
-        </p:sp>
-        <p:cxnSp>
-          <p:nvCxnSpPr>
-            <p:cNvPr id="52" name="Straight Arrow Connector 51">
-              <a:extLst>
-                <a:ext uri="{FF2B5EF4-FFF2-40B4-BE49-F238E27FC236}">
-                  <a16:creationId xmlns:a16="http://schemas.microsoft.com/office/drawing/2014/main" id="{1ADC2670-884D-D24D-B16C-081AA05054A9}"/>
-                </a:ext>
-              </a:extLst>
-            </p:cNvPr>
-            <p:cNvCxnSpPr>
-              <a:cxnSpLocks/>
-              <a:stCxn id="51" idx="2"/>
-              <a:endCxn id="50" idx="0"/>
-            </p:cNvCxnSpPr>
-            <p:nvPr/>
-          </p:nvCxnSpPr>
-          <p:spPr>
-            <a:xfrm>
-              <a:off x="3569679" y="4128183"/>
-              <a:ext cx="1" cy="756284"/>
-            </a:xfrm>
-            <a:prstGeom prst="straightConnector1">
-              <a:avLst/>
-            </a:prstGeom>
-            <a:ln w="38100">
-              <a:headEnd type="triangle"/>
-              <a:tailEnd type="triangle"/>
-            </a:ln>
-          </p:spPr>
-          <p:style>
-            <a:lnRef idx="1">
-              <a:schemeClr val="accent1"/>
-            </a:lnRef>
-            <a:fillRef idx="0">
-              <a:schemeClr val="accent1"/>
-            </a:fillRef>
-            <a:effectRef idx="0">
-              <a:schemeClr val="accent1"/>
-            </a:effectRef>
-            <a:fontRef idx="minor">
-              <a:schemeClr val="tx1"/>
-            </a:fontRef>
-          </p:style>
-        </p:cxnSp>
-        <p:sp>
-          <p:nvSpPr>
-            <p:cNvPr id="53" name="TextBox 52">
-              <a:extLst>
-                <a:ext uri="{FF2B5EF4-FFF2-40B4-BE49-F238E27FC236}">
-                  <a16:creationId xmlns:a16="http://schemas.microsoft.com/office/drawing/2014/main" id="{0D06758F-3BDA-8C4E-8F31-E9EE9C084D19}"/>
-                </a:ext>
-              </a:extLst>
-            </p:cNvPr>
-            <p:cNvSpPr txBox="1"/>
-            <p:nvPr/>
-          </p:nvSpPr>
-          <p:spPr>
-            <a:xfrm>
-              <a:off x="3569678" y="4365692"/>
-              <a:ext cx="914400" cy="369332"/>
-            </a:xfrm>
-            <a:prstGeom prst="rect">
-              <a:avLst/>
-            </a:prstGeom>
-            <a:noFill/>
-          </p:spPr>
-          <p:txBody>
-            <a:bodyPr wrap="square" rtlCol="0">
-              <a:spAutoFit/>
-            </a:bodyPr>
-            <a:lstStyle/>
-            <a:p>
-              <a:r>
-                <a:rPr lang="en-US" dirty="0"/>
-                <a:t>http</a:t>
-              </a:r>
-            </a:p>
-          </p:txBody>
-        </p:sp>
-      </p:grpSp>
       <p:grpSp>
         <p:nvGrpSpPr>
           <p:cNvPr id="56" name="Group 55">
@@ -6029,7 +6205,7 @@
               <a:avLst/>
             </a:prstGeom>
             <a:solidFill>
-              <a:srgbClr val="0070C0"/>
+              <a:schemeClr val="accent6"/>
             </a:solidFill>
           </p:spPr>
           <p:txBody>

--- a/docs/image-sources/kar-figures.pptx
+++ b/docs/image-sources/kar-figures.pptx
@@ -198,7 +198,7 @@
           <a:p>
             <a:fld id="{DC65C951-F6DB-3040-8A26-A34F90C6DE08}" type="datetimeFigureOut">
               <a:rPr lang="en-US" smtClean="0"/>
-              <a:t>4/16/20</a:t>
+              <a:t>6/25/20</a:t>
             </a:fld>
             <a:endParaRPr lang="en-US"/>
           </a:p>
@@ -780,7 +780,7 @@
           <a:p>
             <a:fld id="{F924721D-9C5E-6B49-AC5B-655F66DDA7A3}" type="datetime1">
               <a:rPr lang="en-US" smtClean="0"/>
-              <a:t>4/16/20</a:t>
+              <a:t>6/25/20</a:t>
             </a:fld>
             <a:endParaRPr lang="en-US"/>
           </a:p>
@@ -978,7 +978,7 @@
           <a:p>
             <a:fld id="{410D5C4C-AC47-7642-B604-A05A66F14757}" type="datetime1">
               <a:rPr lang="en-US" smtClean="0"/>
-              <a:t>4/16/20</a:t>
+              <a:t>6/25/20</a:t>
             </a:fld>
             <a:endParaRPr lang="en-US"/>
           </a:p>
@@ -1186,7 +1186,7 @@
           <a:p>
             <a:fld id="{81BFAE4C-29D7-A84F-A4B9-15F332B42075}" type="datetime1">
               <a:rPr lang="en-US" smtClean="0"/>
-              <a:t>4/16/20</a:t>
+              <a:t>6/25/20</a:t>
             </a:fld>
             <a:endParaRPr lang="en-US"/>
           </a:p>
@@ -1384,7 +1384,7 @@
           <a:p>
             <a:fld id="{F32190BF-3CB9-4F4C-9755-39D6FE4B7A74}" type="datetime1">
               <a:rPr lang="en-US" smtClean="0"/>
-              <a:t>4/16/20</a:t>
+              <a:t>6/25/20</a:t>
             </a:fld>
             <a:endParaRPr lang="en-US"/>
           </a:p>
@@ -1659,7 +1659,7 @@
           <a:p>
             <a:fld id="{E19308FC-30CC-9741-A0ED-8F155680C791}" type="datetime1">
               <a:rPr lang="en-US" smtClean="0"/>
-              <a:t>4/16/20</a:t>
+              <a:t>6/25/20</a:t>
             </a:fld>
             <a:endParaRPr lang="en-US"/>
           </a:p>
@@ -1924,7 +1924,7 @@
           <a:p>
             <a:fld id="{6841A4A3-0324-C64F-9FE7-6903EC895BB9}" type="datetime1">
               <a:rPr lang="en-US" smtClean="0"/>
-              <a:t>4/16/20</a:t>
+              <a:t>6/25/20</a:t>
             </a:fld>
             <a:endParaRPr lang="en-US"/>
           </a:p>
@@ -2336,7 +2336,7 @@
           <a:p>
             <a:fld id="{1E90409D-4799-CD41-898D-FC6CC1258871}" type="datetime1">
               <a:rPr lang="en-US" smtClean="0"/>
-              <a:t>4/16/20</a:t>
+              <a:t>6/25/20</a:t>
             </a:fld>
             <a:endParaRPr lang="en-US"/>
           </a:p>
@@ -2477,7 +2477,7 @@
           <a:p>
             <a:fld id="{34C43BAA-C11F-FD4E-8D10-9852881CF7D8}" type="datetime1">
               <a:rPr lang="en-US" smtClean="0"/>
-              <a:t>4/16/20</a:t>
+              <a:t>6/25/20</a:t>
             </a:fld>
             <a:endParaRPr lang="en-US"/>
           </a:p>
@@ -2590,7 +2590,7 @@
           <a:p>
             <a:fld id="{D997C73D-4315-D949-8336-F9609DECEE68}" type="datetime1">
               <a:rPr lang="en-US" smtClean="0"/>
-              <a:t>4/16/20</a:t>
+              <a:t>6/25/20</a:t>
             </a:fld>
             <a:endParaRPr lang="en-US"/>
           </a:p>
@@ -2901,7 +2901,7 @@
           <a:p>
             <a:fld id="{392654A9-410C-824C-82D8-C652E365CD9E}" type="datetime1">
               <a:rPr lang="en-US" smtClean="0"/>
-              <a:t>4/16/20</a:t>
+              <a:t>6/25/20</a:t>
             </a:fld>
             <a:endParaRPr lang="en-US"/>
           </a:p>
@@ -3189,7 +3189,7 @@
           <a:p>
             <a:fld id="{8A615C88-D66E-A94A-8D6A-02B32F892117}" type="datetime1">
               <a:rPr lang="en-US" smtClean="0"/>
-              <a:t>4/16/20</a:t>
+              <a:t>6/25/20</a:t>
             </a:fld>
             <a:endParaRPr lang="en-US"/>
           </a:p>
@@ -3430,7 +3430,7 @@
           <a:p>
             <a:fld id="{CD1EC2A6-1E91-8048-8D30-369F2C578845}" type="datetime1">
               <a:rPr lang="en-US" smtClean="0"/>
-              <a:t>4/16/20</a:t>
+              <a:t>6/25/20</a:t>
             </a:fld>
             <a:endParaRPr lang="en-US"/>
           </a:p>
@@ -3891,7 +3891,7 @@
         </p:nvGrpSpPr>
         <p:grpSpPr>
           <a:xfrm>
-            <a:off x="5964621" y="2868403"/>
+            <a:off x="649827" y="3044358"/>
             <a:ext cx="2086708" cy="1556504"/>
             <a:chOff x="5964621" y="2868403"/>
             <a:chExt cx="2086708" cy="1556504"/>
@@ -4075,7 +4075,7 @@
         </p:nvSpPr>
         <p:spPr>
           <a:xfrm>
-            <a:off x="5729555" y="5233741"/>
+            <a:off x="414761" y="5409696"/>
             <a:ext cx="2596055" cy="369332"/>
           </a:xfrm>
           <a:prstGeom prst="rect">
@@ -4110,7 +4110,7 @@
         </p:nvGrpSpPr>
         <p:grpSpPr>
           <a:xfrm>
-            <a:off x="1762405" y="2382032"/>
+            <a:off x="3779888" y="2557987"/>
             <a:ext cx="2743196" cy="2590800"/>
             <a:chOff x="2198080" y="3241702"/>
             <a:chExt cx="2743196" cy="2590800"/>
@@ -4416,7 +4416,7 @@
         </p:nvSpPr>
         <p:spPr>
           <a:xfrm>
-            <a:off x="1257907" y="5211968"/>
+            <a:off x="3275390" y="5387923"/>
             <a:ext cx="4250016" cy="369332"/>
           </a:xfrm>
           <a:prstGeom prst="rect">
@@ -4437,6 +4437,549 @@
           </a:p>
         </p:txBody>
       </p:sp>
+      <p:sp>
+        <p:nvSpPr>
+          <p:cNvPr id="29" name="TextBox 28">
+            <a:extLst>
+              <a:ext uri="{FF2B5EF4-FFF2-40B4-BE49-F238E27FC236}">
+                <a16:creationId xmlns:a16="http://schemas.microsoft.com/office/drawing/2014/main" id="{D0C32525-1923-2D43-8F37-68CDE46E5503}"/>
+              </a:ext>
+            </a:extLst>
+          </p:cNvPr>
+          <p:cNvSpPr txBox="1"/>
+          <p:nvPr/>
+        </p:nvSpPr>
+        <p:spPr>
+          <a:xfrm>
+            <a:off x="7502466" y="5338520"/>
+            <a:ext cx="4250016" cy="369332"/>
+          </a:xfrm>
+          <a:prstGeom prst="rect">
+            <a:avLst/>
+          </a:prstGeom>
+          <a:noFill/>
+        </p:spPr>
+        <p:txBody>
+          <a:bodyPr wrap="square" rtlCol="0">
+            <a:spAutoFit/>
+          </a:bodyPr>
+          <a:lstStyle/>
+          <a:p>
+            <a:r>
+              <a:rPr lang="en-US" dirty="0" err="1"/>
+              <a:t>Coligo</a:t>
+            </a:r>
+            <a:r>
+              <a:rPr lang="en-US" dirty="0"/>
+              <a:t>/</a:t>
+            </a:r>
+            <a:r>
+              <a:rPr lang="en-US" dirty="0" err="1"/>
+              <a:t>Knative</a:t>
+            </a:r>
+            <a:r>
+              <a:rPr lang="en-US" dirty="0"/>
+              <a:t> mode (1 pod; 2 containers)</a:t>
+            </a:r>
+          </a:p>
+        </p:txBody>
+      </p:sp>
+      <p:grpSp>
+        <p:nvGrpSpPr>
+          <p:cNvPr id="23" name="Group 22">
+            <a:extLst>
+              <a:ext uri="{FF2B5EF4-FFF2-40B4-BE49-F238E27FC236}">
+                <a16:creationId xmlns:a16="http://schemas.microsoft.com/office/drawing/2014/main" id="{C6E9404D-BC93-6A4F-8D77-247B7922C3DB}"/>
+              </a:ext>
+            </a:extLst>
+          </p:cNvPr>
+          <p:cNvGrpSpPr/>
+          <p:nvPr/>
+        </p:nvGrpSpPr>
+        <p:grpSpPr>
+          <a:xfrm>
+            <a:off x="7626667" y="936448"/>
+            <a:ext cx="3181605" cy="3958105"/>
+            <a:chOff x="7626667" y="936448"/>
+            <a:chExt cx="3181605" cy="3958105"/>
+          </a:xfrm>
+        </p:grpSpPr>
+        <p:sp>
+          <p:nvSpPr>
+            <p:cNvPr id="6" name="Rectangle 5">
+              <a:extLst>
+                <a:ext uri="{FF2B5EF4-FFF2-40B4-BE49-F238E27FC236}">
+                  <a16:creationId xmlns:a16="http://schemas.microsoft.com/office/drawing/2014/main" id="{C6C45636-BC1C-A14C-8FB5-43DCF468856D}"/>
+                </a:ext>
+              </a:extLst>
+            </p:cNvPr>
+            <p:cNvSpPr/>
+            <p:nvPr/>
+          </p:nvSpPr>
+          <p:spPr>
+            <a:xfrm>
+              <a:off x="7665679" y="942663"/>
+              <a:ext cx="3142593" cy="3951890"/>
+            </a:xfrm>
+            <a:prstGeom prst="rect">
+              <a:avLst/>
+            </a:prstGeom>
+            <a:solidFill>
+              <a:schemeClr val="accent2">
+                <a:lumMod val="40000"/>
+                <a:lumOff val="60000"/>
+              </a:schemeClr>
+            </a:solidFill>
+          </p:spPr>
+          <p:style>
+            <a:lnRef idx="2">
+              <a:schemeClr val="accent1">
+                <a:shade val="50000"/>
+              </a:schemeClr>
+            </a:lnRef>
+            <a:fillRef idx="1">
+              <a:schemeClr val="accent1"/>
+            </a:fillRef>
+            <a:effectRef idx="0">
+              <a:schemeClr val="accent1"/>
+            </a:effectRef>
+            <a:fontRef idx="minor">
+              <a:schemeClr val="lt1"/>
+            </a:fontRef>
+          </p:style>
+          <p:txBody>
+            <a:bodyPr rtlCol="0" anchor="ctr"/>
+            <a:lstStyle/>
+            <a:p>
+              <a:pPr algn="ctr"/>
+              <a:r>
+                <a:rPr lang="en-US" dirty="0"/>
+                <a:t>po</a:t>
+              </a:r>
+            </a:p>
+          </p:txBody>
+        </p:sp>
+        <p:sp>
+          <p:nvSpPr>
+            <p:cNvPr id="3" name="Rectangle 2">
+              <a:extLst>
+                <a:ext uri="{FF2B5EF4-FFF2-40B4-BE49-F238E27FC236}">
+                  <a16:creationId xmlns:a16="http://schemas.microsoft.com/office/drawing/2014/main" id="{1B357FD4-2B8C-824A-891D-692ADD12F3A6}"/>
+                </a:ext>
+              </a:extLst>
+            </p:cNvPr>
+            <p:cNvSpPr/>
+            <p:nvPr/>
+          </p:nvSpPr>
+          <p:spPr>
+            <a:xfrm>
+              <a:off x="7957743" y="1334814"/>
+              <a:ext cx="2617076" cy="2289895"/>
+            </a:xfrm>
+            <a:prstGeom prst="rect">
+              <a:avLst/>
+            </a:prstGeom>
+            <a:solidFill>
+              <a:srgbClr val="FFFF00"/>
+            </a:solidFill>
+          </p:spPr>
+          <p:style>
+            <a:lnRef idx="2">
+              <a:schemeClr val="accent1">
+                <a:shade val="50000"/>
+              </a:schemeClr>
+            </a:lnRef>
+            <a:fillRef idx="1">
+              <a:schemeClr val="accent1"/>
+            </a:fillRef>
+            <a:effectRef idx="0">
+              <a:schemeClr val="accent1"/>
+            </a:effectRef>
+            <a:fontRef idx="minor">
+              <a:schemeClr val="lt1"/>
+            </a:fontRef>
+          </p:style>
+          <p:txBody>
+            <a:bodyPr rtlCol="0" anchor="ctr"/>
+            <a:lstStyle/>
+            <a:p>
+              <a:pPr algn="ctr"/>
+              <a:endParaRPr lang="en-US"/>
+            </a:p>
+          </p:txBody>
+        </p:sp>
+        <p:sp>
+          <p:nvSpPr>
+            <p:cNvPr id="19" name="TextBox 18">
+              <a:extLst>
+                <a:ext uri="{FF2B5EF4-FFF2-40B4-BE49-F238E27FC236}">
+                  <a16:creationId xmlns:a16="http://schemas.microsoft.com/office/drawing/2014/main" id="{E1A3235E-9806-2546-9109-6F27B204D0C0}"/>
+                </a:ext>
+              </a:extLst>
+            </p:cNvPr>
+            <p:cNvSpPr txBox="1"/>
+            <p:nvPr/>
+          </p:nvSpPr>
+          <p:spPr>
+            <a:xfrm>
+              <a:off x="8222929" y="2918608"/>
+              <a:ext cx="2086707" cy="400110"/>
+            </a:xfrm>
+            <a:prstGeom prst="rect">
+              <a:avLst/>
+            </a:prstGeom>
+            <a:solidFill>
+              <a:schemeClr val="accent6"/>
+            </a:solidFill>
+          </p:spPr>
+          <p:txBody>
+            <a:bodyPr wrap="square" rtlCol="0">
+              <a:spAutoFit/>
+            </a:bodyPr>
+            <a:lstStyle/>
+            <a:p>
+              <a:pPr algn="ctr"/>
+              <a:r>
+                <a:rPr lang="en-US" sz="2000" dirty="0">
+                  <a:solidFill>
+                    <a:schemeClr val="bg1"/>
+                  </a:solidFill>
+                </a:rPr>
+                <a:t>App Component</a:t>
+              </a:r>
+            </a:p>
+          </p:txBody>
+        </p:sp>
+        <p:sp>
+          <p:nvSpPr>
+            <p:cNvPr id="20" name="TextBox 19">
+              <a:extLst>
+                <a:ext uri="{FF2B5EF4-FFF2-40B4-BE49-F238E27FC236}">
+                  <a16:creationId xmlns:a16="http://schemas.microsoft.com/office/drawing/2014/main" id="{1B166F09-A111-7C42-AA8F-B70E66A7A132}"/>
+                </a:ext>
+              </a:extLst>
+            </p:cNvPr>
+            <p:cNvSpPr txBox="1"/>
+            <p:nvPr/>
+          </p:nvSpPr>
+          <p:spPr>
+            <a:xfrm>
+              <a:off x="8222928" y="1762214"/>
+              <a:ext cx="2086707" cy="400110"/>
+            </a:xfrm>
+            <a:prstGeom prst="rect">
+              <a:avLst/>
+            </a:prstGeom>
+            <a:solidFill>
+              <a:srgbClr val="0070C0"/>
+            </a:solidFill>
+          </p:spPr>
+          <p:txBody>
+            <a:bodyPr wrap="square" rtlCol="0">
+              <a:spAutoFit/>
+            </a:bodyPr>
+            <a:lstStyle/>
+            <a:p>
+              <a:pPr algn="ctr"/>
+              <a:r>
+                <a:rPr lang="en-US" sz="2000" dirty="0">
+                  <a:solidFill>
+                    <a:schemeClr val="bg1"/>
+                  </a:solidFill>
+                </a:rPr>
+                <a:t>KAR sidecar</a:t>
+              </a:r>
+            </a:p>
+          </p:txBody>
+        </p:sp>
+        <p:cxnSp>
+          <p:nvCxnSpPr>
+            <p:cNvPr id="21" name="Straight Arrow Connector 20">
+              <a:extLst>
+                <a:ext uri="{FF2B5EF4-FFF2-40B4-BE49-F238E27FC236}">
+                  <a16:creationId xmlns:a16="http://schemas.microsoft.com/office/drawing/2014/main" id="{AA407E7C-A66D-8D45-8E6E-FE9C6FD2C487}"/>
+                </a:ext>
+              </a:extLst>
+            </p:cNvPr>
+            <p:cNvCxnSpPr>
+              <a:cxnSpLocks/>
+              <a:stCxn id="20" idx="2"/>
+              <a:endCxn id="19" idx="0"/>
+            </p:cNvCxnSpPr>
+            <p:nvPr/>
+          </p:nvCxnSpPr>
+          <p:spPr>
+            <a:xfrm>
+              <a:off x="9266282" y="2162324"/>
+              <a:ext cx="1" cy="756284"/>
+            </a:xfrm>
+            <a:prstGeom prst="straightConnector1">
+              <a:avLst/>
+            </a:prstGeom>
+            <a:ln w="38100">
+              <a:headEnd type="triangle"/>
+              <a:tailEnd type="triangle"/>
+            </a:ln>
+          </p:spPr>
+          <p:style>
+            <a:lnRef idx="1">
+              <a:schemeClr val="accent1"/>
+            </a:lnRef>
+            <a:fillRef idx="0">
+              <a:schemeClr val="accent1"/>
+            </a:fillRef>
+            <a:effectRef idx="0">
+              <a:schemeClr val="accent1"/>
+            </a:effectRef>
+            <a:fontRef idx="minor">
+              <a:schemeClr val="tx1"/>
+            </a:fontRef>
+          </p:style>
+        </p:cxnSp>
+        <p:sp>
+          <p:nvSpPr>
+            <p:cNvPr id="22" name="TextBox 21">
+              <a:extLst>
+                <a:ext uri="{FF2B5EF4-FFF2-40B4-BE49-F238E27FC236}">
+                  <a16:creationId xmlns:a16="http://schemas.microsoft.com/office/drawing/2014/main" id="{6FDA97E4-C92F-FC4F-8745-FE05BCBF8F49}"/>
+                </a:ext>
+              </a:extLst>
+            </p:cNvPr>
+            <p:cNvSpPr txBox="1"/>
+            <p:nvPr/>
+          </p:nvSpPr>
+          <p:spPr>
+            <a:xfrm>
+              <a:off x="9266281" y="2399833"/>
+              <a:ext cx="914400" cy="369332"/>
+            </a:xfrm>
+            <a:prstGeom prst="rect">
+              <a:avLst/>
+            </a:prstGeom>
+            <a:noFill/>
+          </p:spPr>
+          <p:txBody>
+            <a:bodyPr wrap="square" rtlCol="0">
+              <a:spAutoFit/>
+            </a:bodyPr>
+            <a:lstStyle/>
+            <a:p>
+              <a:r>
+                <a:rPr lang="en-US" dirty="0"/>
+                <a:t>http</a:t>
+              </a:r>
+            </a:p>
+          </p:txBody>
+        </p:sp>
+        <p:sp>
+          <p:nvSpPr>
+            <p:cNvPr id="24" name="Rectangle 23">
+              <a:extLst>
+                <a:ext uri="{FF2B5EF4-FFF2-40B4-BE49-F238E27FC236}">
+                  <a16:creationId xmlns:a16="http://schemas.microsoft.com/office/drawing/2014/main" id="{3CBAA7CC-4831-264F-A04D-583CE293FAF3}"/>
+                </a:ext>
+              </a:extLst>
+            </p:cNvPr>
+            <p:cNvSpPr/>
+            <p:nvPr/>
+          </p:nvSpPr>
+          <p:spPr>
+            <a:xfrm>
+              <a:off x="7957743" y="3822610"/>
+              <a:ext cx="2617076" cy="867412"/>
+            </a:xfrm>
+            <a:prstGeom prst="rect">
+              <a:avLst/>
+            </a:prstGeom>
+            <a:solidFill>
+              <a:srgbClr val="FFFF00"/>
+            </a:solidFill>
+          </p:spPr>
+          <p:style>
+            <a:lnRef idx="2">
+              <a:schemeClr val="accent1">
+                <a:shade val="50000"/>
+              </a:schemeClr>
+            </a:lnRef>
+            <a:fillRef idx="1">
+              <a:schemeClr val="accent1"/>
+            </a:fillRef>
+            <a:effectRef idx="0">
+              <a:schemeClr val="accent1"/>
+            </a:effectRef>
+            <a:fontRef idx="minor">
+              <a:schemeClr val="lt1"/>
+            </a:fontRef>
+          </p:style>
+          <p:txBody>
+            <a:bodyPr rtlCol="0" anchor="ctr"/>
+            <a:lstStyle/>
+            <a:p>
+              <a:pPr algn="ctr"/>
+              <a:endParaRPr lang="en-US"/>
+            </a:p>
+          </p:txBody>
+        </p:sp>
+        <p:sp>
+          <p:nvSpPr>
+            <p:cNvPr id="25" name="TextBox 24">
+              <a:extLst>
+                <a:ext uri="{FF2B5EF4-FFF2-40B4-BE49-F238E27FC236}">
+                  <a16:creationId xmlns:a16="http://schemas.microsoft.com/office/drawing/2014/main" id="{6A839CF4-3639-4642-9F31-475923920BFA}"/>
+                </a:ext>
+              </a:extLst>
+            </p:cNvPr>
+            <p:cNvSpPr txBox="1"/>
+            <p:nvPr/>
+          </p:nvSpPr>
+          <p:spPr>
+            <a:xfrm>
+              <a:off x="8222928" y="4171235"/>
+              <a:ext cx="2086707" cy="369332"/>
+            </a:xfrm>
+            <a:prstGeom prst="rect">
+              <a:avLst/>
+            </a:prstGeom>
+            <a:solidFill>
+              <a:srgbClr val="0070C0"/>
+            </a:solidFill>
+          </p:spPr>
+          <p:txBody>
+            <a:bodyPr wrap="square" rtlCol="0">
+              <a:spAutoFit/>
+            </a:bodyPr>
+            <a:lstStyle/>
+            <a:p>
+              <a:pPr algn="ctr"/>
+              <a:r>
+                <a:rPr lang="en-US" dirty="0" err="1">
+                  <a:solidFill>
+                    <a:schemeClr val="bg1"/>
+                  </a:solidFill>
+                </a:rPr>
+                <a:t>Coligo</a:t>
+              </a:r>
+              <a:r>
+                <a:rPr lang="en-US" dirty="0">
+                  <a:solidFill>
+                    <a:schemeClr val="bg1"/>
+                  </a:solidFill>
+                </a:rPr>
+                <a:t> queue proxy</a:t>
+              </a:r>
+            </a:p>
+          </p:txBody>
+        </p:sp>
+        <p:sp>
+          <p:nvSpPr>
+            <p:cNvPr id="8" name="TextBox 7">
+              <a:extLst>
+                <a:ext uri="{FF2B5EF4-FFF2-40B4-BE49-F238E27FC236}">
+                  <a16:creationId xmlns:a16="http://schemas.microsoft.com/office/drawing/2014/main" id="{661776CA-0EE6-6A4F-8C95-86CEC4EE13D4}"/>
+                </a:ext>
+              </a:extLst>
+            </p:cNvPr>
+            <p:cNvSpPr txBox="1"/>
+            <p:nvPr/>
+          </p:nvSpPr>
+          <p:spPr>
+            <a:xfrm>
+              <a:off x="7626667" y="936448"/>
+              <a:ext cx="662152" cy="369332"/>
+            </a:xfrm>
+            <a:prstGeom prst="rect">
+              <a:avLst/>
+            </a:prstGeom>
+            <a:noFill/>
+          </p:spPr>
+          <p:txBody>
+            <a:bodyPr wrap="square" rtlCol="0">
+              <a:spAutoFit/>
+            </a:bodyPr>
+            <a:lstStyle/>
+            <a:p>
+              <a:r>
+                <a:rPr lang="en-US" dirty="0"/>
+                <a:t>pod</a:t>
+              </a:r>
+            </a:p>
+          </p:txBody>
+        </p:sp>
+        <p:sp>
+          <p:nvSpPr>
+            <p:cNvPr id="30" name="TextBox 29">
+              <a:extLst>
+                <a:ext uri="{FF2B5EF4-FFF2-40B4-BE49-F238E27FC236}">
+                  <a16:creationId xmlns:a16="http://schemas.microsoft.com/office/drawing/2014/main" id="{C8CCA972-4DF2-C74B-9047-F263E7197D5A}"/>
+                </a:ext>
+              </a:extLst>
+            </p:cNvPr>
+            <p:cNvSpPr txBox="1"/>
+            <p:nvPr/>
+          </p:nvSpPr>
+          <p:spPr>
+            <a:xfrm>
+              <a:off x="7961381" y="1373978"/>
+              <a:ext cx="2086706" cy="369332"/>
+            </a:xfrm>
+            <a:prstGeom prst="rect">
+              <a:avLst/>
+            </a:prstGeom>
+            <a:noFill/>
+          </p:spPr>
+          <p:txBody>
+            <a:bodyPr wrap="square" rtlCol="0">
+              <a:spAutoFit/>
+            </a:bodyPr>
+            <a:lstStyle/>
+            <a:p>
+              <a:r>
+                <a:rPr lang="en-US" dirty="0"/>
+                <a:t>user container</a:t>
+              </a:r>
+            </a:p>
+          </p:txBody>
+        </p:sp>
+        <p:sp>
+          <p:nvSpPr>
+            <p:cNvPr id="31" name="TextBox 30">
+              <a:extLst>
+                <a:ext uri="{FF2B5EF4-FFF2-40B4-BE49-F238E27FC236}">
+                  <a16:creationId xmlns:a16="http://schemas.microsoft.com/office/drawing/2014/main" id="{5B8B5521-4C24-2E46-98C4-2450905A4DE1}"/>
+                </a:ext>
+              </a:extLst>
+            </p:cNvPr>
+            <p:cNvSpPr txBox="1"/>
+            <p:nvPr/>
+          </p:nvSpPr>
+          <p:spPr>
+            <a:xfrm>
+              <a:off x="7957743" y="3812257"/>
+              <a:ext cx="2541076" cy="369332"/>
+            </a:xfrm>
+            <a:prstGeom prst="rect">
+              <a:avLst/>
+            </a:prstGeom>
+            <a:noFill/>
+          </p:spPr>
+          <p:txBody>
+            <a:bodyPr wrap="square" rtlCol="0">
+              <a:spAutoFit/>
+            </a:bodyPr>
+            <a:lstStyle/>
+            <a:p>
+              <a:r>
+                <a:rPr lang="en-US" dirty="0" err="1"/>
+                <a:t>Coligo</a:t>
+              </a:r>
+              <a:r>
+                <a:rPr lang="en-US" dirty="0"/>
+                <a:t> system container</a:t>
+              </a:r>
+            </a:p>
+          </p:txBody>
+        </p:sp>
+      </p:grpSp>
     </p:spTree>
     <p:extLst>
       <p:ext uri="{BB962C8B-B14F-4D97-AF65-F5344CB8AC3E}">

--- a/docs/image-sources/kar-figures.pptx
+++ b/docs/image-sources/kar-figures.pptx
@@ -5,11 +5,12 @@
     <p:sldMasterId id="2147483648" r:id="rId1"/>
   </p:sldMasterIdLst>
   <p:notesMasterIdLst>
-    <p:notesMasterId r:id="rId4"/>
+    <p:notesMasterId r:id="rId5"/>
   </p:notesMasterIdLst>
   <p:sldIdLst>
     <p:sldId id="141168574" r:id="rId2"/>
     <p:sldId id="141168575" r:id="rId3"/>
+    <p:sldId id="141168585" r:id="rId4"/>
   </p:sldIdLst>
   <p:sldSz cx="12192000" cy="6858000"/>
   <p:notesSz cx="6858000" cy="9144000"/>
@@ -198,7 +199,7 @@
           <a:p>
             <a:fld id="{DC65C951-F6DB-3040-8A26-A34F90C6DE08}" type="datetimeFigureOut">
               <a:rPr lang="en-US" smtClean="0"/>
-              <a:t>6/25/20</a:t>
+              <a:t>11/11/20</a:t>
             </a:fld>
             <a:endParaRPr lang="en-US"/>
           </a:p>
@@ -633,6 +634,90 @@
 </p:notes>
 </file>
 
+<file path=ppt/notesSlides/notesSlide3.xml><?xml version="1.0" encoding="utf-8"?>
+<p:notes xmlns:a="http://schemas.openxmlformats.org/drawingml/2006/main" xmlns:r="http://schemas.openxmlformats.org/officeDocument/2006/relationships" xmlns:p="http://schemas.openxmlformats.org/presentationml/2006/main">
+  <p:cSld>
+    <p:spTree>
+      <p:nvGrpSpPr>
+        <p:cNvPr id="1" name=""/>
+        <p:cNvGrpSpPr/>
+        <p:nvPr/>
+      </p:nvGrpSpPr>
+      <p:grpSpPr>
+        <a:xfrm>
+          <a:off x="0" y="0"/>
+          <a:ext cx="0" cy="0"/>
+          <a:chOff x="0" y="0"/>
+          <a:chExt cx="0" cy="0"/>
+        </a:xfrm>
+      </p:grpSpPr>
+      <p:sp>
+        <p:nvSpPr>
+          <p:cNvPr id="2" name="Slide Image Placeholder 1"/>
+          <p:cNvSpPr>
+            <a:spLocks noGrp="1" noRot="1" noChangeAspect="1"/>
+          </p:cNvSpPr>
+          <p:nvPr>
+            <p:ph type="sldImg"/>
+          </p:nvPr>
+        </p:nvSpPr>
+        <p:spPr/>
+      </p:sp>
+      <p:sp>
+        <p:nvSpPr>
+          <p:cNvPr id="3" name="Notes Placeholder 2"/>
+          <p:cNvSpPr>
+            <a:spLocks noGrp="1"/>
+          </p:cNvSpPr>
+          <p:nvPr>
+            <p:ph type="body" idx="1"/>
+          </p:nvPr>
+        </p:nvSpPr>
+        <p:spPr/>
+        <p:txBody>
+          <a:bodyPr/>
+          <a:lstStyle/>
+          <a:p>
+            <a:endParaRPr lang="en-US" dirty="0"/>
+          </a:p>
+        </p:txBody>
+      </p:sp>
+      <p:sp>
+        <p:nvSpPr>
+          <p:cNvPr id="4" name="Slide Number Placeholder 3"/>
+          <p:cNvSpPr>
+            <a:spLocks noGrp="1"/>
+          </p:cNvSpPr>
+          <p:nvPr>
+            <p:ph type="sldNum" sz="quarter" idx="5"/>
+          </p:nvPr>
+        </p:nvSpPr>
+        <p:spPr/>
+        <p:txBody>
+          <a:bodyPr/>
+          <a:lstStyle/>
+          <a:p>
+            <a:fld id="{F8718245-CAD1-A54C-B552-20A67B8F34B2}" type="slidenum">
+              <a:rPr lang="en-US" smtClean="0"/>
+              <a:t>3</a:t>
+            </a:fld>
+            <a:endParaRPr lang="en-US"/>
+          </a:p>
+        </p:txBody>
+      </p:sp>
+    </p:spTree>
+    <p:extLst>
+      <p:ext uri="{BB962C8B-B14F-4D97-AF65-F5344CB8AC3E}">
+        <p14:creationId xmlns:p14="http://schemas.microsoft.com/office/powerpoint/2010/main" val="866304697"/>
+      </p:ext>
+    </p:extLst>
+  </p:cSld>
+  <p:clrMapOvr>
+    <a:masterClrMapping/>
+  </p:clrMapOvr>
+</p:notes>
+</file>
+
 <file path=ppt/slideLayouts/slideLayout1.xml><?xml version="1.0" encoding="utf-8"?>
 <p:sldLayout xmlns:a="http://schemas.openxmlformats.org/drawingml/2006/main" xmlns:r="http://schemas.openxmlformats.org/officeDocument/2006/relationships" xmlns:p="http://schemas.openxmlformats.org/presentationml/2006/main" type="title" preserve="1">
   <p:cSld name="Title Slide">
@@ -780,7 +865,7 @@
           <a:p>
             <a:fld id="{F924721D-9C5E-6B49-AC5B-655F66DDA7A3}" type="datetime1">
               <a:rPr lang="en-US" smtClean="0"/>
-              <a:t>6/25/20</a:t>
+              <a:t>11/11/20</a:t>
             </a:fld>
             <a:endParaRPr lang="en-US"/>
           </a:p>
@@ -978,7 +1063,7 @@
           <a:p>
             <a:fld id="{410D5C4C-AC47-7642-B604-A05A66F14757}" type="datetime1">
               <a:rPr lang="en-US" smtClean="0"/>
-              <a:t>6/25/20</a:t>
+              <a:t>11/11/20</a:t>
             </a:fld>
             <a:endParaRPr lang="en-US"/>
           </a:p>
@@ -1186,7 +1271,7 @@
           <a:p>
             <a:fld id="{81BFAE4C-29D7-A84F-A4B9-15F332B42075}" type="datetime1">
               <a:rPr lang="en-US" smtClean="0"/>
-              <a:t>6/25/20</a:t>
+              <a:t>11/11/20</a:t>
             </a:fld>
             <a:endParaRPr lang="en-US"/>
           </a:p>
@@ -1384,7 +1469,7 @@
           <a:p>
             <a:fld id="{F32190BF-3CB9-4F4C-9755-39D6FE4B7A74}" type="datetime1">
               <a:rPr lang="en-US" smtClean="0"/>
-              <a:t>6/25/20</a:t>
+              <a:t>11/11/20</a:t>
             </a:fld>
             <a:endParaRPr lang="en-US"/>
           </a:p>
@@ -1659,7 +1744,7 @@
           <a:p>
             <a:fld id="{E19308FC-30CC-9741-A0ED-8F155680C791}" type="datetime1">
               <a:rPr lang="en-US" smtClean="0"/>
-              <a:t>6/25/20</a:t>
+              <a:t>11/11/20</a:t>
             </a:fld>
             <a:endParaRPr lang="en-US"/>
           </a:p>
@@ -1924,7 +2009,7 @@
           <a:p>
             <a:fld id="{6841A4A3-0324-C64F-9FE7-6903EC895BB9}" type="datetime1">
               <a:rPr lang="en-US" smtClean="0"/>
-              <a:t>6/25/20</a:t>
+              <a:t>11/11/20</a:t>
             </a:fld>
             <a:endParaRPr lang="en-US"/>
           </a:p>
@@ -2336,7 +2421,7 @@
           <a:p>
             <a:fld id="{1E90409D-4799-CD41-898D-FC6CC1258871}" type="datetime1">
               <a:rPr lang="en-US" smtClean="0"/>
-              <a:t>6/25/20</a:t>
+              <a:t>11/11/20</a:t>
             </a:fld>
             <a:endParaRPr lang="en-US"/>
           </a:p>
@@ -2477,7 +2562,7 @@
           <a:p>
             <a:fld id="{34C43BAA-C11F-FD4E-8D10-9852881CF7D8}" type="datetime1">
               <a:rPr lang="en-US" smtClean="0"/>
-              <a:t>6/25/20</a:t>
+              <a:t>11/11/20</a:t>
             </a:fld>
             <a:endParaRPr lang="en-US"/>
           </a:p>
@@ -2590,7 +2675,7 @@
           <a:p>
             <a:fld id="{D997C73D-4315-D949-8336-F9609DECEE68}" type="datetime1">
               <a:rPr lang="en-US" smtClean="0"/>
-              <a:t>6/25/20</a:t>
+              <a:t>11/11/20</a:t>
             </a:fld>
             <a:endParaRPr lang="en-US"/>
           </a:p>
@@ -2901,7 +2986,7 @@
           <a:p>
             <a:fld id="{392654A9-410C-824C-82D8-C652E365CD9E}" type="datetime1">
               <a:rPr lang="en-US" smtClean="0"/>
-              <a:t>6/25/20</a:t>
+              <a:t>11/11/20</a:t>
             </a:fld>
             <a:endParaRPr lang="en-US"/>
           </a:p>
@@ -3189,7 +3274,7 @@
           <a:p>
             <a:fld id="{8A615C88-D66E-A94A-8D6A-02B32F892117}" type="datetime1">
               <a:rPr lang="en-US" smtClean="0"/>
-              <a:t>6/25/20</a:t>
+              <a:t>11/11/20</a:t>
             </a:fld>
             <a:endParaRPr lang="en-US"/>
           </a:p>
@@ -3430,7 +3515,7 @@
           <a:p>
             <a:fld id="{CD1EC2A6-1E91-8048-8D30-369F2C578845}" type="datetime1">
               <a:rPr lang="en-US" smtClean="0"/>
-              <a:t>6/25/20</a:t>
+              <a:t>11/11/20</a:t>
             </a:fld>
             <a:endParaRPr lang="en-US"/>
           </a:p>
@@ -7307,6 +7392,2105 @@
       </p:par>
     </p:tnLst>
   </p:timing>
+</p:sld>
+</file>
+
+<file path=ppt/slides/slide3.xml><?xml version="1.0" encoding="utf-8"?>
+<p:sld xmlns:a="http://schemas.openxmlformats.org/drawingml/2006/main" xmlns:r="http://schemas.openxmlformats.org/officeDocument/2006/relationships" xmlns:p="http://schemas.openxmlformats.org/presentationml/2006/main">
+  <p:cSld>
+    <p:spTree>
+      <p:nvGrpSpPr>
+        <p:cNvPr id="1" name=""/>
+        <p:cNvGrpSpPr/>
+        <p:nvPr/>
+      </p:nvGrpSpPr>
+      <p:grpSpPr>
+        <a:xfrm>
+          <a:off x="0" y="0"/>
+          <a:ext cx="0" cy="0"/>
+          <a:chOff x="0" y="0"/>
+          <a:chExt cx="0" cy="0"/>
+        </a:xfrm>
+      </p:grpSpPr>
+      <p:sp>
+        <p:nvSpPr>
+          <p:cNvPr id="3" name="Rounded Rectangle 2">
+            <a:extLst>
+              <a:ext uri="{FF2B5EF4-FFF2-40B4-BE49-F238E27FC236}">
+                <a16:creationId xmlns:a16="http://schemas.microsoft.com/office/drawing/2014/main" id="{7A116E26-D0A1-2A4B-B401-5A625CE1A323}"/>
+              </a:ext>
+            </a:extLst>
+          </p:cNvPr>
+          <p:cNvSpPr/>
+          <p:nvPr/>
+        </p:nvSpPr>
+        <p:spPr>
+          <a:xfrm>
+            <a:off x="712312" y="799908"/>
+            <a:ext cx="10687987" cy="3549014"/>
+          </a:xfrm>
+          <a:prstGeom prst="roundRect">
+            <a:avLst/>
+          </a:prstGeom>
+          <a:solidFill>
+            <a:srgbClr val="002060"/>
+          </a:solidFill>
+          <a:ln>
+            <a:noFill/>
+          </a:ln>
+        </p:spPr>
+        <p:style>
+          <a:lnRef idx="2">
+            <a:schemeClr val="accent1">
+              <a:shade val="50000"/>
+            </a:schemeClr>
+          </a:lnRef>
+          <a:fillRef idx="1">
+            <a:schemeClr val="accent1"/>
+          </a:fillRef>
+          <a:effectRef idx="0">
+            <a:schemeClr val="accent1"/>
+          </a:effectRef>
+          <a:fontRef idx="minor">
+            <a:schemeClr val="lt1"/>
+          </a:fontRef>
+        </p:style>
+        <p:txBody>
+          <a:bodyPr rtlCol="0" anchor="ctr"/>
+          <a:lstStyle/>
+          <a:p>
+            <a:pPr algn="ctr"/>
+            <a:r>
+              <a:rPr lang="en-US" sz="3200" dirty="0"/>
+              <a:t>KAR Mesh</a:t>
+            </a:r>
+          </a:p>
+          <a:p>
+            <a:pPr algn="ctr"/>
+            <a:endParaRPr lang="en-US" sz="3200" dirty="0"/>
+          </a:p>
+          <a:p>
+            <a:pPr algn="ctr"/>
+            <a:endParaRPr lang="en-US" sz="3200" dirty="0"/>
+          </a:p>
+          <a:p>
+            <a:pPr algn="ctr"/>
+            <a:endParaRPr lang="en-US" sz="3200" dirty="0"/>
+          </a:p>
+          <a:p>
+            <a:pPr algn="ctr"/>
+            <a:endParaRPr lang="en-US" sz="3200" dirty="0"/>
+          </a:p>
+        </p:txBody>
+      </p:sp>
+      <p:cxnSp>
+        <p:nvCxnSpPr>
+          <p:cNvPr id="47" name="Straight Arrow Connector 46">
+            <a:extLst>
+              <a:ext uri="{FF2B5EF4-FFF2-40B4-BE49-F238E27FC236}">
+                <a16:creationId xmlns:a16="http://schemas.microsoft.com/office/drawing/2014/main" id="{B07A345C-E612-6448-B631-EA2E91EDD8DB}"/>
+              </a:ext>
+            </a:extLst>
+          </p:cNvPr>
+          <p:cNvCxnSpPr>
+            <a:cxnSpLocks/>
+            <a:stCxn id="68" idx="2"/>
+            <a:endCxn id="150" idx="0"/>
+          </p:cNvCxnSpPr>
+          <p:nvPr/>
+        </p:nvCxnSpPr>
+        <p:spPr>
+          <a:xfrm>
+            <a:off x="9562255" y="1774972"/>
+            <a:ext cx="690232" cy="1654028"/>
+          </a:xfrm>
+          <a:prstGeom prst="straightConnector1">
+            <a:avLst/>
+          </a:prstGeom>
+          <a:ln w="38100">
+            <a:headEnd type="none"/>
+            <a:tailEnd type="none"/>
+          </a:ln>
+        </p:spPr>
+        <p:style>
+          <a:lnRef idx="1">
+            <a:schemeClr val="accent1"/>
+          </a:lnRef>
+          <a:fillRef idx="0">
+            <a:schemeClr val="accent1"/>
+          </a:fillRef>
+          <a:effectRef idx="0">
+            <a:schemeClr val="accent1"/>
+          </a:effectRef>
+          <a:fontRef idx="minor">
+            <a:schemeClr val="tx1"/>
+          </a:fontRef>
+        </p:style>
+      </p:cxnSp>
+      <p:cxnSp>
+        <p:nvCxnSpPr>
+          <p:cNvPr id="54" name="Straight Arrow Connector 53">
+            <a:extLst>
+              <a:ext uri="{FF2B5EF4-FFF2-40B4-BE49-F238E27FC236}">
+                <a16:creationId xmlns:a16="http://schemas.microsoft.com/office/drawing/2014/main" id="{4BCC0735-8847-B847-A434-55DFA452139C}"/>
+              </a:ext>
+            </a:extLst>
+          </p:cNvPr>
+          <p:cNvCxnSpPr>
+            <a:cxnSpLocks/>
+            <a:stCxn id="52" idx="3"/>
+            <a:endCxn id="16" idx="0"/>
+          </p:cNvCxnSpPr>
+          <p:nvPr/>
+        </p:nvCxnSpPr>
+        <p:spPr>
+          <a:xfrm flipH="1">
+            <a:off x="1791841" y="1774972"/>
+            <a:ext cx="795144" cy="1654028"/>
+          </a:xfrm>
+          <a:prstGeom prst="straightConnector1">
+            <a:avLst/>
+          </a:prstGeom>
+          <a:ln w="38100">
+            <a:headEnd type="none"/>
+            <a:tailEnd type="none"/>
+          </a:ln>
+        </p:spPr>
+        <p:style>
+          <a:lnRef idx="1">
+            <a:schemeClr val="accent1"/>
+          </a:lnRef>
+          <a:fillRef idx="0">
+            <a:schemeClr val="accent1"/>
+          </a:fillRef>
+          <a:effectRef idx="0">
+            <a:schemeClr val="accent1"/>
+          </a:effectRef>
+          <a:fontRef idx="minor">
+            <a:schemeClr val="tx1"/>
+          </a:fontRef>
+        </p:style>
+      </p:cxnSp>
+      <p:cxnSp>
+        <p:nvCxnSpPr>
+          <p:cNvPr id="57" name="Straight Arrow Connector 56">
+            <a:extLst>
+              <a:ext uri="{FF2B5EF4-FFF2-40B4-BE49-F238E27FC236}">
+                <a16:creationId xmlns:a16="http://schemas.microsoft.com/office/drawing/2014/main" id="{E9E725DB-D6DD-E044-A7CA-9496B155BBFE}"/>
+              </a:ext>
+            </a:extLst>
+          </p:cNvPr>
+          <p:cNvCxnSpPr>
+            <a:cxnSpLocks/>
+            <a:stCxn id="68" idx="2"/>
+            <a:endCxn id="16" idx="0"/>
+          </p:cNvCxnSpPr>
+          <p:nvPr/>
+        </p:nvCxnSpPr>
+        <p:spPr>
+          <a:xfrm flipH="1">
+            <a:off x="1791841" y="1774972"/>
+            <a:ext cx="7770414" cy="1654028"/>
+          </a:xfrm>
+          <a:prstGeom prst="straightConnector1">
+            <a:avLst/>
+          </a:prstGeom>
+          <a:ln w="38100">
+            <a:headEnd type="none"/>
+            <a:tailEnd type="none"/>
+          </a:ln>
+        </p:spPr>
+        <p:style>
+          <a:lnRef idx="1">
+            <a:schemeClr val="accent1"/>
+          </a:lnRef>
+          <a:fillRef idx="0">
+            <a:schemeClr val="accent1"/>
+          </a:fillRef>
+          <a:effectRef idx="0">
+            <a:schemeClr val="accent1"/>
+          </a:effectRef>
+          <a:fontRef idx="minor">
+            <a:schemeClr val="tx1"/>
+          </a:fontRef>
+        </p:style>
+      </p:cxnSp>
+      <p:cxnSp>
+        <p:nvCxnSpPr>
+          <p:cNvPr id="70" name="Straight Arrow Connector 69">
+            <a:extLst>
+              <a:ext uri="{FF2B5EF4-FFF2-40B4-BE49-F238E27FC236}">
+                <a16:creationId xmlns:a16="http://schemas.microsoft.com/office/drawing/2014/main" id="{C4E02ECB-13CA-EB41-8682-625B2910130D}"/>
+              </a:ext>
+            </a:extLst>
+          </p:cNvPr>
+          <p:cNvCxnSpPr>
+            <a:cxnSpLocks/>
+            <a:stCxn id="52" idx="3"/>
+            <a:endCxn id="27" idx="0"/>
+          </p:cNvCxnSpPr>
+          <p:nvPr/>
+        </p:nvCxnSpPr>
+        <p:spPr>
+          <a:xfrm>
+            <a:off x="2586985" y="1774972"/>
+            <a:ext cx="1072706" cy="1654028"/>
+          </a:xfrm>
+          <a:prstGeom prst="straightConnector1">
+            <a:avLst/>
+          </a:prstGeom>
+          <a:ln w="38100">
+            <a:headEnd type="none"/>
+            <a:tailEnd type="none"/>
+          </a:ln>
+        </p:spPr>
+        <p:style>
+          <a:lnRef idx="1">
+            <a:schemeClr val="accent1"/>
+          </a:lnRef>
+          <a:fillRef idx="0">
+            <a:schemeClr val="accent1"/>
+          </a:fillRef>
+          <a:effectRef idx="0">
+            <a:schemeClr val="accent1"/>
+          </a:effectRef>
+          <a:fontRef idx="minor">
+            <a:schemeClr val="tx1"/>
+          </a:fontRef>
+        </p:style>
+      </p:cxnSp>
+      <p:cxnSp>
+        <p:nvCxnSpPr>
+          <p:cNvPr id="73" name="Straight Arrow Connector 72">
+            <a:extLst>
+              <a:ext uri="{FF2B5EF4-FFF2-40B4-BE49-F238E27FC236}">
+                <a16:creationId xmlns:a16="http://schemas.microsoft.com/office/drawing/2014/main" id="{F1D43FEF-6CC7-BB4B-B13A-5679FB02BF59}"/>
+              </a:ext>
+            </a:extLst>
+          </p:cNvPr>
+          <p:cNvCxnSpPr>
+            <a:cxnSpLocks/>
+            <a:stCxn id="52" idx="3"/>
+            <a:endCxn id="28" idx="0"/>
+          </p:cNvCxnSpPr>
+          <p:nvPr/>
+        </p:nvCxnSpPr>
+        <p:spPr>
+          <a:xfrm>
+            <a:off x="2586985" y="1774972"/>
+            <a:ext cx="2945499" cy="1654028"/>
+          </a:xfrm>
+          <a:prstGeom prst="straightConnector1">
+            <a:avLst/>
+          </a:prstGeom>
+          <a:ln w="38100">
+            <a:headEnd type="none"/>
+            <a:tailEnd type="none"/>
+          </a:ln>
+        </p:spPr>
+        <p:style>
+          <a:lnRef idx="1">
+            <a:schemeClr val="accent1"/>
+          </a:lnRef>
+          <a:fillRef idx="0">
+            <a:schemeClr val="accent1"/>
+          </a:fillRef>
+          <a:effectRef idx="0">
+            <a:schemeClr val="accent1"/>
+          </a:effectRef>
+          <a:fontRef idx="minor">
+            <a:schemeClr val="tx1"/>
+          </a:fontRef>
+        </p:style>
+      </p:cxnSp>
+      <p:cxnSp>
+        <p:nvCxnSpPr>
+          <p:cNvPr id="77" name="Straight Arrow Connector 76">
+            <a:extLst>
+              <a:ext uri="{FF2B5EF4-FFF2-40B4-BE49-F238E27FC236}">
+                <a16:creationId xmlns:a16="http://schemas.microsoft.com/office/drawing/2014/main" id="{5AB3AAB7-8224-3740-916B-8CA7BA071109}"/>
+              </a:ext>
+            </a:extLst>
+          </p:cNvPr>
+          <p:cNvCxnSpPr>
+            <a:cxnSpLocks/>
+            <a:stCxn id="52" idx="3"/>
+            <a:endCxn id="37" idx="0"/>
+          </p:cNvCxnSpPr>
+          <p:nvPr/>
+        </p:nvCxnSpPr>
+        <p:spPr>
+          <a:xfrm>
+            <a:off x="2586985" y="1774972"/>
+            <a:ext cx="4364840" cy="1654028"/>
+          </a:xfrm>
+          <a:prstGeom prst="straightConnector1">
+            <a:avLst/>
+          </a:prstGeom>
+          <a:ln w="38100">
+            <a:headEnd type="none"/>
+            <a:tailEnd type="none"/>
+          </a:ln>
+        </p:spPr>
+        <p:style>
+          <a:lnRef idx="1">
+            <a:schemeClr val="accent1"/>
+          </a:lnRef>
+          <a:fillRef idx="0">
+            <a:schemeClr val="accent1"/>
+          </a:fillRef>
+          <a:effectRef idx="0">
+            <a:schemeClr val="accent1"/>
+          </a:effectRef>
+          <a:fontRef idx="minor">
+            <a:schemeClr val="tx1"/>
+          </a:fontRef>
+        </p:style>
+      </p:cxnSp>
+      <p:cxnSp>
+        <p:nvCxnSpPr>
+          <p:cNvPr id="79" name="Straight Arrow Connector 78">
+            <a:extLst>
+              <a:ext uri="{FF2B5EF4-FFF2-40B4-BE49-F238E27FC236}">
+                <a16:creationId xmlns:a16="http://schemas.microsoft.com/office/drawing/2014/main" id="{8795E554-EC46-0D47-9480-1A6026F350A4}"/>
+              </a:ext>
+            </a:extLst>
+          </p:cNvPr>
+          <p:cNvCxnSpPr>
+            <a:cxnSpLocks/>
+            <a:stCxn id="52" idx="3"/>
+            <a:endCxn id="38" idx="0"/>
+          </p:cNvCxnSpPr>
+          <p:nvPr/>
+        </p:nvCxnSpPr>
+        <p:spPr>
+          <a:xfrm>
+            <a:off x="2586985" y="1774972"/>
+            <a:ext cx="5805838" cy="1654028"/>
+          </a:xfrm>
+          <a:prstGeom prst="straightConnector1">
+            <a:avLst/>
+          </a:prstGeom>
+          <a:ln w="38100">
+            <a:headEnd type="none"/>
+            <a:tailEnd type="none"/>
+          </a:ln>
+        </p:spPr>
+        <p:style>
+          <a:lnRef idx="1">
+            <a:schemeClr val="accent1"/>
+          </a:lnRef>
+          <a:fillRef idx="0">
+            <a:schemeClr val="accent1"/>
+          </a:fillRef>
+          <a:effectRef idx="0">
+            <a:schemeClr val="accent1"/>
+          </a:effectRef>
+          <a:fontRef idx="minor">
+            <a:schemeClr val="tx1"/>
+          </a:fontRef>
+        </p:style>
+      </p:cxnSp>
+      <p:cxnSp>
+        <p:nvCxnSpPr>
+          <p:cNvPr id="82" name="Straight Arrow Connector 81">
+            <a:extLst>
+              <a:ext uri="{FF2B5EF4-FFF2-40B4-BE49-F238E27FC236}">
+                <a16:creationId xmlns:a16="http://schemas.microsoft.com/office/drawing/2014/main" id="{E566EF3D-09F1-9F4C-8831-7BF666EC5F66}"/>
+              </a:ext>
+            </a:extLst>
+          </p:cNvPr>
+          <p:cNvCxnSpPr>
+            <a:cxnSpLocks/>
+            <a:stCxn id="68" idx="2"/>
+            <a:endCxn id="27" idx="0"/>
+          </p:cNvCxnSpPr>
+          <p:nvPr/>
+        </p:nvCxnSpPr>
+        <p:spPr>
+          <a:xfrm flipH="1">
+            <a:off x="3659691" y="1774972"/>
+            <a:ext cx="5902564" cy="1654028"/>
+          </a:xfrm>
+          <a:prstGeom prst="straightConnector1">
+            <a:avLst/>
+          </a:prstGeom>
+          <a:ln w="38100">
+            <a:headEnd type="none"/>
+            <a:tailEnd type="none"/>
+          </a:ln>
+        </p:spPr>
+        <p:style>
+          <a:lnRef idx="1">
+            <a:schemeClr val="accent1"/>
+          </a:lnRef>
+          <a:fillRef idx="0">
+            <a:schemeClr val="accent1"/>
+          </a:fillRef>
+          <a:effectRef idx="0">
+            <a:schemeClr val="accent1"/>
+          </a:effectRef>
+          <a:fontRef idx="minor">
+            <a:schemeClr val="tx1"/>
+          </a:fontRef>
+        </p:style>
+      </p:cxnSp>
+      <p:cxnSp>
+        <p:nvCxnSpPr>
+          <p:cNvPr id="85" name="Straight Arrow Connector 84">
+            <a:extLst>
+              <a:ext uri="{FF2B5EF4-FFF2-40B4-BE49-F238E27FC236}">
+                <a16:creationId xmlns:a16="http://schemas.microsoft.com/office/drawing/2014/main" id="{F619E7C0-0A43-004D-9D3A-2DA1A7A1FDA7}"/>
+              </a:ext>
+            </a:extLst>
+          </p:cNvPr>
+          <p:cNvCxnSpPr>
+            <a:cxnSpLocks/>
+            <a:stCxn id="68" idx="2"/>
+            <a:endCxn id="28" idx="0"/>
+          </p:cNvCxnSpPr>
+          <p:nvPr/>
+        </p:nvCxnSpPr>
+        <p:spPr>
+          <a:xfrm flipH="1">
+            <a:off x="5532484" y="1774972"/>
+            <a:ext cx="4029771" cy="1654028"/>
+          </a:xfrm>
+          <a:prstGeom prst="straightConnector1">
+            <a:avLst/>
+          </a:prstGeom>
+          <a:ln w="38100">
+            <a:headEnd type="none"/>
+            <a:tailEnd type="none"/>
+          </a:ln>
+        </p:spPr>
+        <p:style>
+          <a:lnRef idx="1">
+            <a:schemeClr val="accent1"/>
+          </a:lnRef>
+          <a:fillRef idx="0">
+            <a:schemeClr val="accent1"/>
+          </a:fillRef>
+          <a:effectRef idx="0">
+            <a:schemeClr val="accent1"/>
+          </a:effectRef>
+          <a:fontRef idx="minor">
+            <a:schemeClr val="tx1"/>
+          </a:fontRef>
+        </p:style>
+      </p:cxnSp>
+      <p:cxnSp>
+        <p:nvCxnSpPr>
+          <p:cNvPr id="88" name="Straight Arrow Connector 87">
+            <a:extLst>
+              <a:ext uri="{FF2B5EF4-FFF2-40B4-BE49-F238E27FC236}">
+                <a16:creationId xmlns:a16="http://schemas.microsoft.com/office/drawing/2014/main" id="{93E5726C-CEF9-6A44-80D4-4E6F56228552}"/>
+              </a:ext>
+            </a:extLst>
+          </p:cNvPr>
+          <p:cNvCxnSpPr>
+            <a:cxnSpLocks/>
+            <a:stCxn id="68" idx="2"/>
+            <a:endCxn id="37" idx="0"/>
+          </p:cNvCxnSpPr>
+          <p:nvPr/>
+        </p:nvCxnSpPr>
+        <p:spPr>
+          <a:xfrm flipH="1">
+            <a:off x="6951825" y="1774972"/>
+            <a:ext cx="2610430" cy="1654028"/>
+          </a:xfrm>
+          <a:prstGeom prst="straightConnector1">
+            <a:avLst/>
+          </a:prstGeom>
+          <a:ln w="38100">
+            <a:headEnd type="none"/>
+            <a:tailEnd type="none"/>
+          </a:ln>
+        </p:spPr>
+        <p:style>
+          <a:lnRef idx="1">
+            <a:schemeClr val="accent1"/>
+          </a:lnRef>
+          <a:fillRef idx="0">
+            <a:schemeClr val="accent1"/>
+          </a:fillRef>
+          <a:effectRef idx="0">
+            <a:schemeClr val="accent1"/>
+          </a:effectRef>
+          <a:fontRef idx="minor">
+            <a:schemeClr val="tx1"/>
+          </a:fontRef>
+        </p:style>
+      </p:cxnSp>
+      <p:cxnSp>
+        <p:nvCxnSpPr>
+          <p:cNvPr id="91" name="Straight Arrow Connector 90">
+            <a:extLst>
+              <a:ext uri="{FF2B5EF4-FFF2-40B4-BE49-F238E27FC236}">
+                <a16:creationId xmlns:a16="http://schemas.microsoft.com/office/drawing/2014/main" id="{5DAD714B-22E3-5B47-8D69-6AC5BEF98F6A}"/>
+              </a:ext>
+            </a:extLst>
+          </p:cNvPr>
+          <p:cNvCxnSpPr>
+            <a:cxnSpLocks/>
+            <a:stCxn id="68" idx="2"/>
+            <a:endCxn id="38" idx="0"/>
+          </p:cNvCxnSpPr>
+          <p:nvPr/>
+        </p:nvCxnSpPr>
+        <p:spPr>
+          <a:xfrm flipH="1">
+            <a:off x="8392823" y="1774972"/>
+            <a:ext cx="1169432" cy="1654028"/>
+          </a:xfrm>
+          <a:prstGeom prst="straightConnector1">
+            <a:avLst/>
+          </a:prstGeom>
+          <a:ln w="38100">
+            <a:headEnd type="none"/>
+            <a:tailEnd type="none"/>
+          </a:ln>
+        </p:spPr>
+        <p:style>
+          <a:lnRef idx="1">
+            <a:schemeClr val="accent1"/>
+          </a:lnRef>
+          <a:fillRef idx="0">
+            <a:schemeClr val="accent1"/>
+          </a:fillRef>
+          <a:effectRef idx="0">
+            <a:schemeClr val="accent1"/>
+          </a:effectRef>
+          <a:fontRef idx="minor">
+            <a:schemeClr val="tx1"/>
+          </a:fontRef>
+        </p:style>
+      </p:cxnSp>
+      <p:sp>
+        <p:nvSpPr>
+          <p:cNvPr id="4" name="TextBox 3">
+            <a:extLst>
+              <a:ext uri="{FF2B5EF4-FFF2-40B4-BE49-F238E27FC236}">
+                <a16:creationId xmlns:a16="http://schemas.microsoft.com/office/drawing/2014/main" id="{21CA26A3-114B-EB4F-85A7-D44134EEAC93}"/>
+              </a:ext>
+            </a:extLst>
+          </p:cNvPr>
+          <p:cNvSpPr txBox="1"/>
+          <p:nvPr/>
+        </p:nvSpPr>
+        <p:spPr>
+          <a:xfrm>
+            <a:off x="1205638" y="5583852"/>
+            <a:ext cx="1173124" cy="369332"/>
+          </a:xfrm>
+          <a:prstGeom prst="rect">
+            <a:avLst/>
+          </a:prstGeom>
+          <a:solidFill>
+            <a:srgbClr val="7030A0"/>
+          </a:solidFill>
+          <a:ln>
+            <a:noFill/>
+          </a:ln>
+        </p:spPr>
+        <p:txBody>
+          <a:bodyPr wrap="square" rtlCol="0">
+            <a:spAutoFit/>
+          </a:bodyPr>
+          <a:lstStyle/>
+          <a:p>
+            <a:pPr algn="ctr"/>
+            <a:r>
+              <a:rPr lang="en-US" dirty="0">
+                <a:solidFill>
+                  <a:schemeClr val="bg1"/>
+                </a:solidFill>
+              </a:rPr>
+              <a:t>Controller</a:t>
+            </a:r>
+          </a:p>
+        </p:txBody>
+      </p:sp>
+      <p:sp>
+        <p:nvSpPr>
+          <p:cNvPr id="5" name="TextBox 4">
+            <a:extLst>
+              <a:ext uri="{FF2B5EF4-FFF2-40B4-BE49-F238E27FC236}">
+                <a16:creationId xmlns:a16="http://schemas.microsoft.com/office/drawing/2014/main" id="{B47477C7-84DD-984F-8C52-E1D25E87479D}"/>
+              </a:ext>
+            </a:extLst>
+          </p:cNvPr>
+          <p:cNvSpPr txBox="1"/>
+          <p:nvPr/>
+        </p:nvSpPr>
+        <p:spPr>
+          <a:xfrm>
+            <a:off x="3073489" y="5583852"/>
+            <a:ext cx="1173124" cy="369332"/>
+          </a:xfrm>
+          <a:prstGeom prst="rect">
+            <a:avLst/>
+          </a:prstGeom>
+          <a:solidFill>
+            <a:srgbClr val="00B050"/>
+          </a:solidFill>
+          <a:ln>
+            <a:noFill/>
+          </a:ln>
+        </p:spPr>
+        <p:txBody>
+          <a:bodyPr wrap="square" rtlCol="0">
+            <a:spAutoFit/>
+          </a:bodyPr>
+          <a:lstStyle/>
+          <a:p>
+            <a:pPr algn="ctr"/>
+            <a:r>
+              <a:rPr lang="en-US" dirty="0">
+                <a:solidFill>
+                  <a:schemeClr val="bg1"/>
+                </a:solidFill>
+              </a:rPr>
+              <a:t>Reporter</a:t>
+            </a:r>
+          </a:p>
+        </p:txBody>
+      </p:sp>
+      <p:sp>
+        <p:nvSpPr>
+          <p:cNvPr id="6" name="TextBox 5">
+            <a:extLst>
+              <a:ext uri="{FF2B5EF4-FFF2-40B4-BE49-F238E27FC236}">
+                <a16:creationId xmlns:a16="http://schemas.microsoft.com/office/drawing/2014/main" id="{41246529-A20F-1941-8683-16BB332D97BF}"/>
+              </a:ext>
+            </a:extLst>
+          </p:cNvPr>
+          <p:cNvSpPr txBox="1"/>
+          <p:nvPr/>
+        </p:nvSpPr>
+        <p:spPr>
+          <a:xfrm>
+            <a:off x="9665925" y="5583852"/>
+            <a:ext cx="1173124" cy="369332"/>
+          </a:xfrm>
+          <a:prstGeom prst="rect">
+            <a:avLst/>
+          </a:prstGeom>
+          <a:solidFill>
+            <a:srgbClr val="00B0F0"/>
+          </a:solidFill>
+          <a:ln>
+            <a:noFill/>
+          </a:ln>
+        </p:spPr>
+        <p:txBody>
+          <a:bodyPr wrap="square" rtlCol="0">
+            <a:spAutoFit/>
+          </a:bodyPr>
+          <a:lstStyle/>
+          <a:p>
+            <a:pPr algn="ctr"/>
+            <a:r>
+              <a:rPr lang="en-US" dirty="0">
+                <a:solidFill>
+                  <a:schemeClr val="bg1"/>
+                </a:solidFill>
+              </a:rPr>
+              <a:t>Notifier</a:t>
+            </a:r>
+          </a:p>
+        </p:txBody>
+      </p:sp>
+      <p:sp>
+        <p:nvSpPr>
+          <p:cNvPr id="7" name="TextBox 6">
+            <a:extLst>
+              <a:ext uri="{FF2B5EF4-FFF2-40B4-BE49-F238E27FC236}">
+                <a16:creationId xmlns:a16="http://schemas.microsoft.com/office/drawing/2014/main" id="{357744C3-D502-3642-B455-C2ADA7A78D6C}"/>
+              </a:ext>
+            </a:extLst>
+          </p:cNvPr>
+          <p:cNvSpPr txBox="1"/>
+          <p:nvPr/>
+        </p:nvSpPr>
+        <p:spPr>
+          <a:xfrm>
+            <a:off x="4948457" y="5583852"/>
+            <a:ext cx="1173124" cy="369332"/>
+          </a:xfrm>
+          <a:prstGeom prst="rect">
+            <a:avLst/>
+          </a:prstGeom>
+          <a:solidFill>
+            <a:srgbClr val="00B050"/>
+          </a:solidFill>
+          <a:ln>
+            <a:noFill/>
+          </a:ln>
+        </p:spPr>
+        <p:txBody>
+          <a:bodyPr wrap="square" rtlCol="0">
+            <a:spAutoFit/>
+          </a:bodyPr>
+          <a:lstStyle/>
+          <a:p>
+            <a:pPr algn="ctr"/>
+            <a:r>
+              <a:rPr lang="en-US" dirty="0">
+                <a:solidFill>
+                  <a:schemeClr val="bg1"/>
+                </a:solidFill>
+              </a:rPr>
+              <a:t>Simulator</a:t>
+            </a:r>
+          </a:p>
+        </p:txBody>
+      </p:sp>
+      <p:cxnSp>
+        <p:nvCxnSpPr>
+          <p:cNvPr id="10" name="Straight Arrow Connector 9">
+            <a:extLst>
+              <a:ext uri="{FF2B5EF4-FFF2-40B4-BE49-F238E27FC236}">
+                <a16:creationId xmlns:a16="http://schemas.microsoft.com/office/drawing/2014/main" id="{0249DA0C-5777-5342-B7A8-E3F6B6C899BF}"/>
+              </a:ext>
+            </a:extLst>
+          </p:cNvPr>
+          <p:cNvCxnSpPr>
+            <a:cxnSpLocks/>
+            <a:stCxn id="16" idx="2"/>
+            <a:endCxn id="4" idx="0"/>
+          </p:cNvCxnSpPr>
+          <p:nvPr/>
+        </p:nvCxnSpPr>
+        <p:spPr>
+          <a:xfrm>
+            <a:off x="1791841" y="4123812"/>
+            <a:ext cx="359" cy="1460040"/>
+          </a:xfrm>
+          <a:prstGeom prst="straightConnector1">
+            <a:avLst/>
+          </a:prstGeom>
+          <a:ln w="38100">
+            <a:headEnd type="triangle"/>
+            <a:tailEnd type="triangle"/>
+          </a:ln>
+        </p:spPr>
+        <p:style>
+          <a:lnRef idx="1">
+            <a:schemeClr val="accent1"/>
+          </a:lnRef>
+          <a:fillRef idx="0">
+            <a:schemeClr val="accent1"/>
+          </a:fillRef>
+          <a:effectRef idx="0">
+            <a:schemeClr val="accent1"/>
+          </a:effectRef>
+          <a:fontRef idx="minor">
+            <a:schemeClr val="tx1"/>
+          </a:fontRef>
+        </p:style>
+      </p:cxnSp>
+      <p:cxnSp>
+        <p:nvCxnSpPr>
+          <p:cNvPr id="13" name="Straight Arrow Connector 12">
+            <a:extLst>
+              <a:ext uri="{FF2B5EF4-FFF2-40B4-BE49-F238E27FC236}">
+                <a16:creationId xmlns:a16="http://schemas.microsoft.com/office/drawing/2014/main" id="{0C12E038-E57F-7848-802C-7D316D840598}"/>
+              </a:ext>
+            </a:extLst>
+          </p:cNvPr>
+          <p:cNvCxnSpPr>
+            <a:cxnSpLocks/>
+            <a:stCxn id="27" idx="2"/>
+            <a:endCxn id="5" idx="0"/>
+          </p:cNvCxnSpPr>
+          <p:nvPr/>
+        </p:nvCxnSpPr>
+        <p:spPr>
+          <a:xfrm>
+            <a:off x="3659691" y="4123812"/>
+            <a:ext cx="360" cy="1460040"/>
+          </a:xfrm>
+          <a:prstGeom prst="straightConnector1">
+            <a:avLst/>
+          </a:prstGeom>
+          <a:ln w="38100">
+            <a:headEnd type="triangle"/>
+            <a:tailEnd type="triangle"/>
+          </a:ln>
+        </p:spPr>
+        <p:style>
+          <a:lnRef idx="1">
+            <a:schemeClr val="accent1"/>
+          </a:lnRef>
+          <a:fillRef idx="0">
+            <a:schemeClr val="accent1"/>
+          </a:fillRef>
+          <a:effectRef idx="0">
+            <a:schemeClr val="accent1"/>
+          </a:effectRef>
+          <a:fontRef idx="minor">
+            <a:schemeClr val="tx1"/>
+          </a:fontRef>
+        </p:style>
+      </p:cxnSp>
+      <p:cxnSp>
+        <p:nvCxnSpPr>
+          <p:cNvPr id="18" name="Straight Arrow Connector 17">
+            <a:extLst>
+              <a:ext uri="{FF2B5EF4-FFF2-40B4-BE49-F238E27FC236}">
+                <a16:creationId xmlns:a16="http://schemas.microsoft.com/office/drawing/2014/main" id="{2D346198-B71F-F04B-A9FF-200AFD6CEFC7}"/>
+              </a:ext>
+            </a:extLst>
+          </p:cNvPr>
+          <p:cNvCxnSpPr>
+            <a:cxnSpLocks/>
+            <a:stCxn id="28" idx="2"/>
+            <a:endCxn id="7" idx="0"/>
+          </p:cNvCxnSpPr>
+          <p:nvPr/>
+        </p:nvCxnSpPr>
+        <p:spPr>
+          <a:xfrm>
+            <a:off x="5532484" y="4123812"/>
+            <a:ext cx="2535" cy="1460040"/>
+          </a:xfrm>
+          <a:prstGeom prst="straightConnector1">
+            <a:avLst/>
+          </a:prstGeom>
+          <a:ln w="38100">
+            <a:headEnd type="triangle"/>
+            <a:tailEnd type="triangle"/>
+          </a:ln>
+        </p:spPr>
+        <p:style>
+          <a:lnRef idx="1">
+            <a:schemeClr val="accent1"/>
+          </a:lnRef>
+          <a:fillRef idx="0">
+            <a:schemeClr val="accent1"/>
+          </a:fillRef>
+          <a:effectRef idx="0">
+            <a:schemeClr val="accent1"/>
+          </a:effectRef>
+          <a:fontRef idx="minor">
+            <a:schemeClr val="tx1"/>
+          </a:fontRef>
+        </p:style>
+      </p:cxnSp>
+      <p:sp>
+        <p:nvSpPr>
+          <p:cNvPr id="52" name="Can 51">
+            <a:extLst>
+              <a:ext uri="{FF2B5EF4-FFF2-40B4-BE49-F238E27FC236}">
+                <a16:creationId xmlns:a16="http://schemas.microsoft.com/office/drawing/2014/main" id="{261CBA2B-981E-9A46-876F-2D720FF1A90F}"/>
+              </a:ext>
+            </a:extLst>
+          </p:cNvPr>
+          <p:cNvSpPr/>
+          <p:nvPr/>
+        </p:nvSpPr>
+        <p:spPr>
+          <a:xfrm>
+            <a:off x="2038618" y="1309278"/>
+            <a:ext cx="1096733" cy="465694"/>
+          </a:xfrm>
+          <a:prstGeom prst="can">
+            <a:avLst/>
+          </a:prstGeom>
+          <a:solidFill>
+            <a:srgbClr val="FF0000"/>
+          </a:solidFill>
+          <a:ln>
+            <a:noFill/>
+          </a:ln>
+        </p:spPr>
+        <p:style>
+          <a:lnRef idx="2">
+            <a:schemeClr val="accent1">
+              <a:shade val="50000"/>
+            </a:schemeClr>
+          </a:lnRef>
+          <a:fillRef idx="1">
+            <a:schemeClr val="accent1"/>
+          </a:fillRef>
+          <a:effectRef idx="0">
+            <a:schemeClr val="accent1"/>
+          </a:effectRef>
+          <a:fontRef idx="minor">
+            <a:schemeClr val="lt1"/>
+          </a:fontRef>
+        </p:style>
+        <p:txBody>
+          <a:bodyPr rtlCol="0" anchor="ctr"/>
+          <a:lstStyle/>
+          <a:p>
+            <a:pPr algn="ctr"/>
+            <a:r>
+              <a:rPr lang="en-US" dirty="0"/>
+              <a:t>Redis</a:t>
+            </a:r>
+          </a:p>
+        </p:txBody>
+      </p:sp>
+      <p:sp>
+        <p:nvSpPr>
+          <p:cNvPr id="68" name="Trapezoid 67">
+            <a:extLst>
+              <a:ext uri="{FF2B5EF4-FFF2-40B4-BE49-F238E27FC236}">
+                <a16:creationId xmlns:a16="http://schemas.microsoft.com/office/drawing/2014/main" id="{B42DB0DC-778A-D742-8A84-1BDB2A0F13C4}"/>
+              </a:ext>
+            </a:extLst>
+          </p:cNvPr>
+          <p:cNvSpPr/>
+          <p:nvPr/>
+        </p:nvSpPr>
+        <p:spPr>
+          <a:xfrm>
+            <a:off x="9013888" y="1309278"/>
+            <a:ext cx="1096733" cy="465694"/>
+          </a:xfrm>
+          <a:prstGeom prst="trapezoid">
+            <a:avLst/>
+          </a:prstGeom>
+          <a:solidFill>
+            <a:srgbClr val="FF0000"/>
+          </a:solidFill>
+          <a:ln>
+            <a:noFill/>
+          </a:ln>
+        </p:spPr>
+        <p:style>
+          <a:lnRef idx="2">
+            <a:schemeClr val="accent1">
+              <a:shade val="50000"/>
+            </a:schemeClr>
+          </a:lnRef>
+          <a:fillRef idx="1">
+            <a:schemeClr val="accent1"/>
+          </a:fillRef>
+          <a:effectRef idx="0">
+            <a:schemeClr val="accent1"/>
+          </a:effectRef>
+          <a:fontRef idx="minor">
+            <a:schemeClr val="lt1"/>
+          </a:fontRef>
+        </p:style>
+        <p:txBody>
+          <a:bodyPr rtlCol="0" anchor="ctr"/>
+          <a:lstStyle/>
+          <a:p>
+            <a:pPr algn="ctr"/>
+            <a:r>
+              <a:rPr lang="en-US" dirty="0"/>
+              <a:t>Kafka</a:t>
+            </a:r>
+          </a:p>
+        </p:txBody>
+      </p:sp>
+      <p:sp>
+        <p:nvSpPr>
+          <p:cNvPr id="75" name="TextBox 74">
+            <a:extLst>
+              <a:ext uri="{FF2B5EF4-FFF2-40B4-BE49-F238E27FC236}">
+                <a16:creationId xmlns:a16="http://schemas.microsoft.com/office/drawing/2014/main" id="{A7F70DCA-2E99-EA42-8D2F-BC62F6D67EDC}"/>
+              </a:ext>
+            </a:extLst>
+          </p:cNvPr>
+          <p:cNvSpPr txBox="1"/>
+          <p:nvPr/>
+        </p:nvSpPr>
+        <p:spPr>
+          <a:xfrm>
+            <a:off x="7803797" y="5583852"/>
+            <a:ext cx="1173124" cy="369332"/>
+          </a:xfrm>
+          <a:prstGeom prst="rect">
+            <a:avLst/>
+          </a:prstGeom>
+          <a:solidFill>
+            <a:srgbClr val="00B050"/>
+          </a:solidFill>
+          <a:ln>
+            <a:noFill/>
+          </a:ln>
+        </p:spPr>
+        <p:txBody>
+          <a:bodyPr wrap="square" rtlCol="0">
+            <a:spAutoFit/>
+          </a:bodyPr>
+          <a:lstStyle/>
+          <a:p>
+            <a:pPr algn="ctr"/>
+            <a:r>
+              <a:rPr lang="en-US" dirty="0">
+                <a:solidFill>
+                  <a:schemeClr val="bg1"/>
+                </a:solidFill>
+              </a:rPr>
+              <a:t>Simulator</a:t>
+            </a:r>
+          </a:p>
+        </p:txBody>
+      </p:sp>
+      <p:cxnSp>
+        <p:nvCxnSpPr>
+          <p:cNvPr id="76" name="Straight Arrow Connector 75">
+            <a:extLst>
+              <a:ext uri="{FF2B5EF4-FFF2-40B4-BE49-F238E27FC236}">
+                <a16:creationId xmlns:a16="http://schemas.microsoft.com/office/drawing/2014/main" id="{FED24A86-4AFA-A743-B01F-966C16BA1B66}"/>
+              </a:ext>
+            </a:extLst>
+          </p:cNvPr>
+          <p:cNvCxnSpPr>
+            <a:cxnSpLocks/>
+            <a:stCxn id="38" idx="2"/>
+            <a:endCxn id="75" idx="0"/>
+          </p:cNvCxnSpPr>
+          <p:nvPr/>
+        </p:nvCxnSpPr>
+        <p:spPr>
+          <a:xfrm flipH="1">
+            <a:off x="8390359" y="4123812"/>
+            <a:ext cx="2464" cy="1460040"/>
+          </a:xfrm>
+          <a:prstGeom prst="straightConnector1">
+            <a:avLst/>
+          </a:prstGeom>
+          <a:ln w="38100">
+            <a:headEnd type="triangle"/>
+            <a:tailEnd type="triangle"/>
+          </a:ln>
+        </p:spPr>
+        <p:style>
+          <a:lnRef idx="1">
+            <a:schemeClr val="accent1"/>
+          </a:lnRef>
+          <a:fillRef idx="0">
+            <a:schemeClr val="accent1"/>
+          </a:fillRef>
+          <a:effectRef idx="0">
+            <a:schemeClr val="accent1"/>
+          </a:effectRef>
+          <a:fontRef idx="minor">
+            <a:schemeClr val="tx1"/>
+          </a:fontRef>
+        </p:style>
+      </p:cxnSp>
+      <p:cxnSp>
+        <p:nvCxnSpPr>
+          <p:cNvPr id="117" name="Straight Arrow Connector 116">
+            <a:extLst>
+              <a:ext uri="{FF2B5EF4-FFF2-40B4-BE49-F238E27FC236}">
+                <a16:creationId xmlns:a16="http://schemas.microsoft.com/office/drawing/2014/main" id="{4004FFCD-54FB-864B-A0C4-3192A60C9A21}"/>
+              </a:ext>
+            </a:extLst>
+          </p:cNvPr>
+          <p:cNvCxnSpPr>
+            <a:cxnSpLocks/>
+            <a:stCxn id="37" idx="2"/>
+            <a:endCxn id="120" idx="0"/>
+          </p:cNvCxnSpPr>
+          <p:nvPr/>
+        </p:nvCxnSpPr>
+        <p:spPr>
+          <a:xfrm>
+            <a:off x="6951825" y="4123812"/>
+            <a:ext cx="13434" cy="1460040"/>
+          </a:xfrm>
+          <a:prstGeom prst="straightConnector1">
+            <a:avLst/>
+          </a:prstGeom>
+          <a:ln w="38100">
+            <a:headEnd type="triangle"/>
+            <a:tailEnd type="triangle"/>
+          </a:ln>
+        </p:spPr>
+        <p:style>
+          <a:lnRef idx="1">
+            <a:schemeClr val="accent1"/>
+          </a:lnRef>
+          <a:fillRef idx="0">
+            <a:schemeClr val="accent1"/>
+          </a:fillRef>
+          <a:effectRef idx="0">
+            <a:schemeClr val="accent1"/>
+          </a:effectRef>
+          <a:fontRef idx="minor">
+            <a:schemeClr val="tx1"/>
+          </a:fontRef>
+        </p:style>
+      </p:cxnSp>
+      <p:sp>
+        <p:nvSpPr>
+          <p:cNvPr id="120" name="TextBox 119">
+            <a:extLst>
+              <a:ext uri="{FF2B5EF4-FFF2-40B4-BE49-F238E27FC236}">
+                <a16:creationId xmlns:a16="http://schemas.microsoft.com/office/drawing/2014/main" id="{233D1E8A-FB69-D045-93EE-76CB4C84459E}"/>
+              </a:ext>
+            </a:extLst>
+          </p:cNvPr>
+          <p:cNvSpPr txBox="1"/>
+          <p:nvPr/>
+        </p:nvSpPr>
+        <p:spPr>
+          <a:xfrm>
+            <a:off x="6378697" y="5583852"/>
+            <a:ext cx="1173124" cy="369332"/>
+          </a:xfrm>
+          <a:prstGeom prst="rect">
+            <a:avLst/>
+          </a:prstGeom>
+          <a:solidFill>
+            <a:srgbClr val="00B050"/>
+          </a:solidFill>
+          <a:ln>
+            <a:noFill/>
+          </a:ln>
+        </p:spPr>
+        <p:txBody>
+          <a:bodyPr wrap="square" rtlCol="0">
+            <a:spAutoFit/>
+          </a:bodyPr>
+          <a:lstStyle/>
+          <a:p>
+            <a:pPr algn="ctr"/>
+            <a:r>
+              <a:rPr lang="en-US" dirty="0">
+                <a:solidFill>
+                  <a:schemeClr val="bg1"/>
+                </a:solidFill>
+              </a:rPr>
+              <a:t>Simulator</a:t>
+            </a:r>
+          </a:p>
+        </p:txBody>
+      </p:sp>
+      <p:sp>
+        <p:nvSpPr>
+          <p:cNvPr id="16" name="Rounded Rectangle 15">
+            <a:extLst>
+              <a:ext uri="{FF2B5EF4-FFF2-40B4-BE49-F238E27FC236}">
+                <a16:creationId xmlns:a16="http://schemas.microsoft.com/office/drawing/2014/main" id="{FD27F1AE-C16A-5247-A8FD-DE062822E13F}"/>
+              </a:ext>
+            </a:extLst>
+          </p:cNvPr>
+          <p:cNvSpPr/>
+          <p:nvPr/>
+        </p:nvSpPr>
+        <p:spPr>
+          <a:xfrm>
+            <a:off x="1243475" y="3429000"/>
+            <a:ext cx="1096732" cy="694812"/>
+          </a:xfrm>
+          <a:prstGeom prst="roundRect">
+            <a:avLst/>
+          </a:prstGeom>
+          <a:ln>
+            <a:noFill/>
+          </a:ln>
+        </p:spPr>
+        <p:style>
+          <a:lnRef idx="2">
+            <a:schemeClr val="accent1">
+              <a:shade val="50000"/>
+            </a:schemeClr>
+          </a:lnRef>
+          <a:fillRef idx="1">
+            <a:schemeClr val="accent1"/>
+          </a:fillRef>
+          <a:effectRef idx="0">
+            <a:schemeClr val="accent1"/>
+          </a:effectRef>
+          <a:fontRef idx="minor">
+            <a:schemeClr val="lt1"/>
+          </a:fontRef>
+        </p:style>
+        <p:txBody>
+          <a:bodyPr rtlCol="0" anchor="ctr"/>
+          <a:lstStyle/>
+          <a:p>
+            <a:pPr algn="ctr"/>
+            <a:r>
+              <a:rPr lang="en-US" dirty="0"/>
+              <a:t>KAR</a:t>
+            </a:r>
+          </a:p>
+          <a:p>
+            <a:pPr algn="ctr"/>
+            <a:r>
+              <a:rPr lang="en-US" dirty="0"/>
+              <a:t>Runtime</a:t>
+            </a:r>
+          </a:p>
+        </p:txBody>
+      </p:sp>
+      <p:sp>
+        <p:nvSpPr>
+          <p:cNvPr id="27" name="Rounded Rectangle 26">
+            <a:extLst>
+              <a:ext uri="{FF2B5EF4-FFF2-40B4-BE49-F238E27FC236}">
+                <a16:creationId xmlns:a16="http://schemas.microsoft.com/office/drawing/2014/main" id="{4D6B51E2-400D-204F-9278-D1F1ADD39A41}"/>
+              </a:ext>
+            </a:extLst>
+          </p:cNvPr>
+          <p:cNvSpPr/>
+          <p:nvPr/>
+        </p:nvSpPr>
+        <p:spPr>
+          <a:xfrm>
+            <a:off x="3111325" y="3429000"/>
+            <a:ext cx="1096732" cy="694812"/>
+          </a:xfrm>
+          <a:prstGeom prst="roundRect">
+            <a:avLst/>
+          </a:prstGeom>
+          <a:ln>
+            <a:noFill/>
+          </a:ln>
+        </p:spPr>
+        <p:style>
+          <a:lnRef idx="2">
+            <a:schemeClr val="accent1">
+              <a:shade val="50000"/>
+            </a:schemeClr>
+          </a:lnRef>
+          <a:fillRef idx="1">
+            <a:schemeClr val="accent1"/>
+          </a:fillRef>
+          <a:effectRef idx="0">
+            <a:schemeClr val="accent1"/>
+          </a:effectRef>
+          <a:fontRef idx="minor">
+            <a:schemeClr val="lt1"/>
+          </a:fontRef>
+        </p:style>
+        <p:txBody>
+          <a:bodyPr rtlCol="0" anchor="ctr"/>
+          <a:lstStyle/>
+          <a:p>
+            <a:pPr algn="ctr"/>
+            <a:r>
+              <a:rPr lang="en-US" dirty="0"/>
+              <a:t>KAR</a:t>
+            </a:r>
+          </a:p>
+          <a:p>
+            <a:pPr algn="ctr"/>
+            <a:r>
+              <a:rPr lang="en-US" dirty="0"/>
+              <a:t>Runtime</a:t>
+            </a:r>
+          </a:p>
+        </p:txBody>
+      </p:sp>
+      <p:sp>
+        <p:nvSpPr>
+          <p:cNvPr id="28" name="Rounded Rectangle 27">
+            <a:extLst>
+              <a:ext uri="{FF2B5EF4-FFF2-40B4-BE49-F238E27FC236}">
+                <a16:creationId xmlns:a16="http://schemas.microsoft.com/office/drawing/2014/main" id="{0AF5C6ED-FED2-294E-8D76-45E9E5A58372}"/>
+              </a:ext>
+            </a:extLst>
+          </p:cNvPr>
+          <p:cNvSpPr/>
+          <p:nvPr/>
+        </p:nvSpPr>
+        <p:spPr>
+          <a:xfrm>
+            <a:off x="4984118" y="3429000"/>
+            <a:ext cx="1096732" cy="694812"/>
+          </a:xfrm>
+          <a:prstGeom prst="roundRect">
+            <a:avLst/>
+          </a:prstGeom>
+          <a:ln>
+            <a:noFill/>
+          </a:ln>
+        </p:spPr>
+        <p:style>
+          <a:lnRef idx="2">
+            <a:schemeClr val="accent1">
+              <a:shade val="50000"/>
+            </a:schemeClr>
+          </a:lnRef>
+          <a:fillRef idx="1">
+            <a:schemeClr val="accent1"/>
+          </a:fillRef>
+          <a:effectRef idx="0">
+            <a:schemeClr val="accent1"/>
+          </a:effectRef>
+          <a:fontRef idx="minor">
+            <a:schemeClr val="lt1"/>
+          </a:fontRef>
+        </p:style>
+        <p:txBody>
+          <a:bodyPr rtlCol="0" anchor="ctr"/>
+          <a:lstStyle/>
+          <a:p>
+            <a:pPr algn="ctr"/>
+            <a:r>
+              <a:rPr lang="en-US" dirty="0"/>
+              <a:t>KAR</a:t>
+            </a:r>
+          </a:p>
+          <a:p>
+            <a:pPr algn="ctr"/>
+            <a:r>
+              <a:rPr lang="en-US" dirty="0"/>
+              <a:t>Runtime</a:t>
+            </a:r>
+          </a:p>
+        </p:txBody>
+      </p:sp>
+      <p:sp>
+        <p:nvSpPr>
+          <p:cNvPr id="37" name="Rounded Rectangle 36">
+            <a:extLst>
+              <a:ext uri="{FF2B5EF4-FFF2-40B4-BE49-F238E27FC236}">
+                <a16:creationId xmlns:a16="http://schemas.microsoft.com/office/drawing/2014/main" id="{8B0ECCBE-7087-D745-A54B-97DBB35EF090}"/>
+              </a:ext>
+            </a:extLst>
+          </p:cNvPr>
+          <p:cNvSpPr/>
+          <p:nvPr/>
+        </p:nvSpPr>
+        <p:spPr>
+          <a:xfrm>
+            <a:off x="6403459" y="3429000"/>
+            <a:ext cx="1096732" cy="694812"/>
+          </a:xfrm>
+          <a:prstGeom prst="roundRect">
+            <a:avLst/>
+          </a:prstGeom>
+          <a:ln>
+            <a:noFill/>
+          </a:ln>
+        </p:spPr>
+        <p:style>
+          <a:lnRef idx="2">
+            <a:schemeClr val="accent1">
+              <a:shade val="50000"/>
+            </a:schemeClr>
+          </a:lnRef>
+          <a:fillRef idx="1">
+            <a:schemeClr val="accent1"/>
+          </a:fillRef>
+          <a:effectRef idx="0">
+            <a:schemeClr val="accent1"/>
+          </a:effectRef>
+          <a:fontRef idx="minor">
+            <a:schemeClr val="lt1"/>
+          </a:fontRef>
+        </p:style>
+        <p:txBody>
+          <a:bodyPr rtlCol="0" anchor="ctr"/>
+          <a:lstStyle/>
+          <a:p>
+            <a:pPr algn="ctr"/>
+            <a:r>
+              <a:rPr lang="en-US" dirty="0"/>
+              <a:t>KAR</a:t>
+            </a:r>
+          </a:p>
+          <a:p>
+            <a:pPr algn="ctr"/>
+            <a:r>
+              <a:rPr lang="en-US" dirty="0"/>
+              <a:t>Runtime</a:t>
+            </a:r>
+          </a:p>
+        </p:txBody>
+      </p:sp>
+      <p:sp>
+        <p:nvSpPr>
+          <p:cNvPr id="38" name="Rounded Rectangle 37">
+            <a:extLst>
+              <a:ext uri="{FF2B5EF4-FFF2-40B4-BE49-F238E27FC236}">
+                <a16:creationId xmlns:a16="http://schemas.microsoft.com/office/drawing/2014/main" id="{D9FD99F9-C5AB-AD42-969D-B11E8AA163B2}"/>
+              </a:ext>
+            </a:extLst>
+          </p:cNvPr>
+          <p:cNvSpPr/>
+          <p:nvPr/>
+        </p:nvSpPr>
+        <p:spPr>
+          <a:xfrm>
+            <a:off x="7844457" y="3429000"/>
+            <a:ext cx="1096732" cy="694812"/>
+          </a:xfrm>
+          <a:prstGeom prst="roundRect">
+            <a:avLst/>
+          </a:prstGeom>
+          <a:ln>
+            <a:noFill/>
+          </a:ln>
+        </p:spPr>
+        <p:style>
+          <a:lnRef idx="2">
+            <a:schemeClr val="accent1">
+              <a:shade val="50000"/>
+            </a:schemeClr>
+          </a:lnRef>
+          <a:fillRef idx="1">
+            <a:schemeClr val="accent1"/>
+          </a:fillRef>
+          <a:effectRef idx="0">
+            <a:schemeClr val="accent1"/>
+          </a:effectRef>
+          <a:fontRef idx="minor">
+            <a:schemeClr val="lt1"/>
+          </a:fontRef>
+        </p:style>
+        <p:txBody>
+          <a:bodyPr rtlCol="0" anchor="ctr"/>
+          <a:lstStyle/>
+          <a:p>
+            <a:pPr algn="ctr"/>
+            <a:r>
+              <a:rPr lang="en-US" dirty="0"/>
+              <a:t>KAR</a:t>
+            </a:r>
+          </a:p>
+          <a:p>
+            <a:pPr algn="ctr"/>
+            <a:r>
+              <a:rPr lang="en-US" dirty="0"/>
+              <a:t>Runtime</a:t>
+            </a:r>
+          </a:p>
+        </p:txBody>
+      </p:sp>
+      <p:sp>
+        <p:nvSpPr>
+          <p:cNvPr id="137" name="Rectangle 136">
+            <a:extLst>
+              <a:ext uri="{FF2B5EF4-FFF2-40B4-BE49-F238E27FC236}">
+                <a16:creationId xmlns:a16="http://schemas.microsoft.com/office/drawing/2014/main" id="{038D73CE-0E68-4046-AC5B-0E5A43A1D689}"/>
+              </a:ext>
+            </a:extLst>
+          </p:cNvPr>
+          <p:cNvSpPr/>
+          <p:nvPr/>
+        </p:nvSpPr>
+        <p:spPr>
+          <a:xfrm>
+            <a:off x="1113887" y="3226105"/>
+            <a:ext cx="1346977" cy="2882749"/>
+          </a:xfrm>
+          <a:prstGeom prst="rect">
+            <a:avLst/>
+          </a:prstGeom>
+          <a:noFill/>
+          <a:ln>
+            <a:solidFill>
+              <a:srgbClr val="FFC000"/>
+            </a:solidFill>
+          </a:ln>
+        </p:spPr>
+        <p:style>
+          <a:lnRef idx="2">
+            <a:schemeClr val="accent1">
+              <a:shade val="50000"/>
+            </a:schemeClr>
+          </a:lnRef>
+          <a:fillRef idx="1">
+            <a:schemeClr val="accent1"/>
+          </a:fillRef>
+          <a:effectRef idx="0">
+            <a:schemeClr val="accent1"/>
+          </a:effectRef>
+          <a:fontRef idx="minor">
+            <a:schemeClr val="lt1"/>
+          </a:fontRef>
+        </p:style>
+        <p:txBody>
+          <a:bodyPr rtlCol="0" anchor="ctr"/>
+          <a:lstStyle/>
+          <a:p>
+            <a:pPr algn="ctr"/>
+            <a:endParaRPr lang="en-US"/>
+          </a:p>
+        </p:txBody>
+      </p:sp>
+      <p:sp>
+        <p:nvSpPr>
+          <p:cNvPr id="138" name="Rectangle 137">
+            <a:extLst>
+              <a:ext uri="{FF2B5EF4-FFF2-40B4-BE49-F238E27FC236}">
+                <a16:creationId xmlns:a16="http://schemas.microsoft.com/office/drawing/2014/main" id="{0D638A8E-86FC-274C-A337-B0A019548F03}"/>
+              </a:ext>
+            </a:extLst>
+          </p:cNvPr>
+          <p:cNvSpPr/>
+          <p:nvPr/>
+        </p:nvSpPr>
+        <p:spPr>
+          <a:xfrm>
+            <a:off x="2983857" y="3220684"/>
+            <a:ext cx="1346977" cy="2882749"/>
+          </a:xfrm>
+          <a:prstGeom prst="rect">
+            <a:avLst/>
+          </a:prstGeom>
+          <a:noFill/>
+          <a:ln>
+            <a:solidFill>
+              <a:srgbClr val="FFC000"/>
+            </a:solidFill>
+          </a:ln>
+        </p:spPr>
+        <p:style>
+          <a:lnRef idx="2">
+            <a:schemeClr val="accent1">
+              <a:shade val="50000"/>
+            </a:schemeClr>
+          </a:lnRef>
+          <a:fillRef idx="1">
+            <a:schemeClr val="accent1"/>
+          </a:fillRef>
+          <a:effectRef idx="0">
+            <a:schemeClr val="accent1"/>
+          </a:effectRef>
+          <a:fontRef idx="minor">
+            <a:schemeClr val="lt1"/>
+          </a:fontRef>
+        </p:style>
+        <p:txBody>
+          <a:bodyPr rtlCol="0" anchor="ctr"/>
+          <a:lstStyle/>
+          <a:p>
+            <a:pPr algn="ctr"/>
+            <a:endParaRPr lang="en-US"/>
+          </a:p>
+        </p:txBody>
+      </p:sp>
+      <p:sp>
+        <p:nvSpPr>
+          <p:cNvPr id="139" name="Rectangle 138">
+            <a:extLst>
+              <a:ext uri="{FF2B5EF4-FFF2-40B4-BE49-F238E27FC236}">
+                <a16:creationId xmlns:a16="http://schemas.microsoft.com/office/drawing/2014/main" id="{C2EB5CC8-DEC1-4740-B0A9-95DC1F59670F}"/>
+              </a:ext>
+            </a:extLst>
+          </p:cNvPr>
+          <p:cNvSpPr/>
+          <p:nvPr/>
+        </p:nvSpPr>
+        <p:spPr>
+          <a:xfrm>
+            <a:off x="4856920" y="3220684"/>
+            <a:ext cx="1346977" cy="2882749"/>
+          </a:xfrm>
+          <a:prstGeom prst="rect">
+            <a:avLst/>
+          </a:prstGeom>
+          <a:noFill/>
+          <a:ln>
+            <a:solidFill>
+              <a:srgbClr val="FFC000"/>
+            </a:solidFill>
+          </a:ln>
+        </p:spPr>
+        <p:style>
+          <a:lnRef idx="2">
+            <a:schemeClr val="accent1">
+              <a:shade val="50000"/>
+            </a:schemeClr>
+          </a:lnRef>
+          <a:fillRef idx="1">
+            <a:schemeClr val="accent1"/>
+          </a:fillRef>
+          <a:effectRef idx="0">
+            <a:schemeClr val="accent1"/>
+          </a:effectRef>
+          <a:fontRef idx="minor">
+            <a:schemeClr val="lt1"/>
+          </a:fontRef>
+        </p:style>
+        <p:txBody>
+          <a:bodyPr rtlCol="0" anchor="ctr"/>
+          <a:lstStyle/>
+          <a:p>
+            <a:pPr algn="ctr"/>
+            <a:endParaRPr lang="en-US"/>
+          </a:p>
+        </p:txBody>
+      </p:sp>
+      <p:sp>
+        <p:nvSpPr>
+          <p:cNvPr id="140" name="Rectangle 139">
+            <a:extLst>
+              <a:ext uri="{FF2B5EF4-FFF2-40B4-BE49-F238E27FC236}">
+                <a16:creationId xmlns:a16="http://schemas.microsoft.com/office/drawing/2014/main" id="{0A9AD1D3-804D-244B-AE6A-C8459A700525}"/>
+              </a:ext>
+            </a:extLst>
+          </p:cNvPr>
+          <p:cNvSpPr/>
+          <p:nvPr/>
+        </p:nvSpPr>
+        <p:spPr>
+          <a:xfrm>
+            <a:off x="6293831" y="3220684"/>
+            <a:ext cx="1346977" cy="2882749"/>
+          </a:xfrm>
+          <a:prstGeom prst="rect">
+            <a:avLst/>
+          </a:prstGeom>
+          <a:noFill/>
+          <a:ln>
+            <a:solidFill>
+              <a:srgbClr val="FFC000"/>
+            </a:solidFill>
+          </a:ln>
+        </p:spPr>
+        <p:style>
+          <a:lnRef idx="2">
+            <a:schemeClr val="accent1">
+              <a:shade val="50000"/>
+            </a:schemeClr>
+          </a:lnRef>
+          <a:fillRef idx="1">
+            <a:schemeClr val="accent1"/>
+          </a:fillRef>
+          <a:effectRef idx="0">
+            <a:schemeClr val="accent1"/>
+          </a:effectRef>
+          <a:fontRef idx="minor">
+            <a:schemeClr val="lt1"/>
+          </a:fontRef>
+        </p:style>
+        <p:txBody>
+          <a:bodyPr rtlCol="0" anchor="ctr"/>
+          <a:lstStyle/>
+          <a:p>
+            <a:pPr algn="ctr"/>
+            <a:endParaRPr lang="en-US"/>
+          </a:p>
+        </p:txBody>
+      </p:sp>
+      <p:sp>
+        <p:nvSpPr>
+          <p:cNvPr id="141" name="Rectangle 140">
+            <a:extLst>
+              <a:ext uri="{FF2B5EF4-FFF2-40B4-BE49-F238E27FC236}">
+                <a16:creationId xmlns:a16="http://schemas.microsoft.com/office/drawing/2014/main" id="{8B728EDB-0675-A545-A4AE-7EF9393793C0}"/>
+              </a:ext>
+            </a:extLst>
+          </p:cNvPr>
+          <p:cNvSpPr/>
+          <p:nvPr/>
+        </p:nvSpPr>
+        <p:spPr>
+          <a:xfrm>
+            <a:off x="7736247" y="3220684"/>
+            <a:ext cx="1346977" cy="2882749"/>
+          </a:xfrm>
+          <a:prstGeom prst="rect">
+            <a:avLst/>
+          </a:prstGeom>
+          <a:noFill/>
+          <a:ln>
+            <a:solidFill>
+              <a:srgbClr val="FFC000"/>
+            </a:solidFill>
+          </a:ln>
+        </p:spPr>
+        <p:style>
+          <a:lnRef idx="2">
+            <a:schemeClr val="accent1">
+              <a:shade val="50000"/>
+            </a:schemeClr>
+          </a:lnRef>
+          <a:fillRef idx="1">
+            <a:schemeClr val="accent1"/>
+          </a:fillRef>
+          <a:effectRef idx="0">
+            <a:schemeClr val="accent1"/>
+          </a:effectRef>
+          <a:fontRef idx="minor">
+            <a:schemeClr val="lt1"/>
+          </a:fontRef>
+        </p:style>
+        <p:txBody>
+          <a:bodyPr rtlCol="0" anchor="ctr"/>
+          <a:lstStyle/>
+          <a:p>
+            <a:pPr algn="ctr"/>
+            <a:endParaRPr lang="en-US"/>
+          </a:p>
+        </p:txBody>
+      </p:sp>
+      <p:sp>
+        <p:nvSpPr>
+          <p:cNvPr id="149" name="Rectangle 148">
+            <a:extLst>
+              <a:ext uri="{FF2B5EF4-FFF2-40B4-BE49-F238E27FC236}">
+                <a16:creationId xmlns:a16="http://schemas.microsoft.com/office/drawing/2014/main" id="{3938B13D-D7C2-E64B-B61D-352108A49058}"/>
+              </a:ext>
+            </a:extLst>
+          </p:cNvPr>
+          <p:cNvSpPr/>
+          <p:nvPr/>
+        </p:nvSpPr>
+        <p:spPr>
+          <a:xfrm>
+            <a:off x="9576985" y="3227942"/>
+            <a:ext cx="1346977" cy="2882749"/>
+          </a:xfrm>
+          <a:prstGeom prst="rect">
+            <a:avLst/>
+          </a:prstGeom>
+          <a:noFill/>
+          <a:ln>
+            <a:solidFill>
+              <a:srgbClr val="FFC000"/>
+            </a:solidFill>
+          </a:ln>
+        </p:spPr>
+        <p:style>
+          <a:lnRef idx="2">
+            <a:schemeClr val="accent1">
+              <a:shade val="50000"/>
+            </a:schemeClr>
+          </a:lnRef>
+          <a:fillRef idx="1">
+            <a:schemeClr val="accent1"/>
+          </a:fillRef>
+          <a:effectRef idx="0">
+            <a:schemeClr val="accent1"/>
+          </a:effectRef>
+          <a:fontRef idx="minor">
+            <a:schemeClr val="lt1"/>
+          </a:fontRef>
+        </p:style>
+        <p:txBody>
+          <a:bodyPr rtlCol="0" anchor="ctr"/>
+          <a:lstStyle/>
+          <a:p>
+            <a:pPr algn="ctr"/>
+            <a:endParaRPr lang="en-US"/>
+          </a:p>
+        </p:txBody>
+      </p:sp>
+      <p:sp>
+        <p:nvSpPr>
+          <p:cNvPr id="150" name="Rounded Rectangle 149">
+            <a:extLst>
+              <a:ext uri="{FF2B5EF4-FFF2-40B4-BE49-F238E27FC236}">
+                <a16:creationId xmlns:a16="http://schemas.microsoft.com/office/drawing/2014/main" id="{B07957B7-342F-6546-BC23-6390B7DF3D5D}"/>
+              </a:ext>
+            </a:extLst>
+          </p:cNvPr>
+          <p:cNvSpPr/>
+          <p:nvPr/>
+        </p:nvSpPr>
+        <p:spPr>
+          <a:xfrm>
+            <a:off x="9704121" y="3429000"/>
+            <a:ext cx="1096732" cy="694812"/>
+          </a:xfrm>
+          <a:prstGeom prst="roundRect">
+            <a:avLst/>
+          </a:prstGeom>
+          <a:solidFill>
+            <a:schemeClr val="accent2"/>
+          </a:solidFill>
+          <a:ln>
+            <a:noFill/>
+          </a:ln>
+        </p:spPr>
+        <p:style>
+          <a:lnRef idx="2">
+            <a:schemeClr val="accent1">
+              <a:shade val="50000"/>
+            </a:schemeClr>
+          </a:lnRef>
+          <a:fillRef idx="1">
+            <a:schemeClr val="accent1"/>
+          </a:fillRef>
+          <a:effectRef idx="0">
+            <a:schemeClr val="accent1"/>
+          </a:effectRef>
+          <a:fontRef idx="minor">
+            <a:schemeClr val="lt1"/>
+          </a:fontRef>
+        </p:style>
+        <p:txBody>
+          <a:bodyPr rtlCol="0" anchor="ctr"/>
+          <a:lstStyle/>
+          <a:p>
+            <a:pPr algn="ctr"/>
+            <a:r>
+              <a:rPr lang="en-US" dirty="0"/>
+              <a:t>Camel Runtime</a:t>
+            </a:r>
+          </a:p>
+        </p:txBody>
+      </p:sp>
+      <p:cxnSp>
+        <p:nvCxnSpPr>
+          <p:cNvPr id="152" name="Straight Arrow Connector 151">
+            <a:extLst>
+              <a:ext uri="{FF2B5EF4-FFF2-40B4-BE49-F238E27FC236}">
+                <a16:creationId xmlns:a16="http://schemas.microsoft.com/office/drawing/2014/main" id="{16BFEC87-0778-AE47-B411-89CD2E4D001C}"/>
+              </a:ext>
+            </a:extLst>
+          </p:cNvPr>
+          <p:cNvCxnSpPr>
+            <a:cxnSpLocks/>
+            <a:stCxn id="150" idx="2"/>
+            <a:endCxn id="6" idx="0"/>
+          </p:cNvCxnSpPr>
+          <p:nvPr/>
+        </p:nvCxnSpPr>
+        <p:spPr>
+          <a:xfrm>
+            <a:off x="10252487" y="4123812"/>
+            <a:ext cx="0" cy="1460040"/>
+          </a:xfrm>
+          <a:prstGeom prst="straightConnector1">
+            <a:avLst/>
+          </a:prstGeom>
+          <a:ln w="38100">
+            <a:headEnd type="triangle"/>
+            <a:tailEnd type="triangle"/>
+          </a:ln>
+        </p:spPr>
+        <p:style>
+          <a:lnRef idx="1">
+            <a:schemeClr val="accent1"/>
+          </a:lnRef>
+          <a:fillRef idx="0">
+            <a:schemeClr val="accent1"/>
+          </a:fillRef>
+          <a:effectRef idx="0">
+            <a:schemeClr val="accent1"/>
+          </a:effectRef>
+          <a:fontRef idx="minor">
+            <a:schemeClr val="tx1"/>
+          </a:fontRef>
+        </p:style>
+      </p:cxnSp>
+      <p:sp>
+        <p:nvSpPr>
+          <p:cNvPr id="236" name="Rectangle 235">
+            <a:extLst>
+              <a:ext uri="{FF2B5EF4-FFF2-40B4-BE49-F238E27FC236}">
+                <a16:creationId xmlns:a16="http://schemas.microsoft.com/office/drawing/2014/main" id="{43C80A72-5E43-164A-8ACC-04E5AB7A8EA5}"/>
+              </a:ext>
+            </a:extLst>
+          </p:cNvPr>
+          <p:cNvSpPr/>
+          <p:nvPr/>
+        </p:nvSpPr>
+        <p:spPr>
+          <a:xfrm>
+            <a:off x="4753808" y="3105149"/>
+            <a:ext cx="4439759" cy="3105151"/>
+          </a:xfrm>
+          <a:prstGeom prst="rect">
+            <a:avLst/>
+          </a:prstGeom>
+          <a:noFill/>
+          <a:ln>
+            <a:solidFill>
+              <a:srgbClr val="FFC000"/>
+            </a:solidFill>
+          </a:ln>
+        </p:spPr>
+        <p:style>
+          <a:lnRef idx="2">
+            <a:schemeClr val="accent1">
+              <a:shade val="50000"/>
+            </a:schemeClr>
+          </a:lnRef>
+          <a:fillRef idx="1">
+            <a:schemeClr val="accent1"/>
+          </a:fillRef>
+          <a:effectRef idx="0">
+            <a:schemeClr val="accent1"/>
+          </a:effectRef>
+          <a:fontRef idx="minor">
+            <a:schemeClr val="lt1"/>
+          </a:fontRef>
+        </p:style>
+        <p:txBody>
+          <a:bodyPr rtlCol="0" anchor="ctr"/>
+          <a:lstStyle/>
+          <a:p>
+            <a:pPr algn="ctr"/>
+            <a:endParaRPr lang="en-US"/>
+          </a:p>
+        </p:txBody>
+      </p:sp>
+      <p:sp>
+        <p:nvSpPr>
+          <p:cNvPr id="237" name="Rectangle 236">
+            <a:extLst>
+              <a:ext uri="{FF2B5EF4-FFF2-40B4-BE49-F238E27FC236}">
+                <a16:creationId xmlns:a16="http://schemas.microsoft.com/office/drawing/2014/main" id="{7B73560C-A3BB-1F46-9B06-F56116120569}"/>
+              </a:ext>
+            </a:extLst>
+          </p:cNvPr>
+          <p:cNvSpPr/>
+          <p:nvPr/>
+        </p:nvSpPr>
+        <p:spPr>
+          <a:xfrm>
+            <a:off x="1015086" y="3114903"/>
+            <a:ext cx="1544087" cy="3105151"/>
+          </a:xfrm>
+          <a:prstGeom prst="rect">
+            <a:avLst/>
+          </a:prstGeom>
+          <a:noFill/>
+          <a:ln>
+            <a:solidFill>
+              <a:srgbClr val="FFC000"/>
+            </a:solidFill>
+          </a:ln>
+        </p:spPr>
+        <p:style>
+          <a:lnRef idx="2">
+            <a:schemeClr val="accent1">
+              <a:shade val="50000"/>
+            </a:schemeClr>
+          </a:lnRef>
+          <a:fillRef idx="1">
+            <a:schemeClr val="accent1"/>
+          </a:fillRef>
+          <a:effectRef idx="0">
+            <a:schemeClr val="accent1"/>
+          </a:effectRef>
+          <a:fontRef idx="minor">
+            <a:schemeClr val="lt1"/>
+          </a:fontRef>
+        </p:style>
+        <p:txBody>
+          <a:bodyPr rtlCol="0" anchor="ctr"/>
+          <a:lstStyle/>
+          <a:p>
+            <a:pPr algn="ctr"/>
+            <a:endParaRPr lang="en-US"/>
+          </a:p>
+        </p:txBody>
+      </p:sp>
+      <p:sp>
+        <p:nvSpPr>
+          <p:cNvPr id="238" name="Rectangle 237">
+            <a:extLst>
+              <a:ext uri="{FF2B5EF4-FFF2-40B4-BE49-F238E27FC236}">
+                <a16:creationId xmlns:a16="http://schemas.microsoft.com/office/drawing/2014/main" id="{E256ED74-2814-724A-BC8D-0CB5F1E4ABE6}"/>
+              </a:ext>
+            </a:extLst>
+          </p:cNvPr>
+          <p:cNvSpPr/>
+          <p:nvPr/>
+        </p:nvSpPr>
+        <p:spPr>
+          <a:xfrm>
+            <a:off x="2873582" y="3114903"/>
+            <a:ext cx="1544087" cy="3105151"/>
+          </a:xfrm>
+          <a:prstGeom prst="rect">
+            <a:avLst/>
+          </a:prstGeom>
+          <a:noFill/>
+          <a:ln>
+            <a:solidFill>
+              <a:srgbClr val="FFC000"/>
+            </a:solidFill>
+          </a:ln>
+        </p:spPr>
+        <p:style>
+          <a:lnRef idx="2">
+            <a:schemeClr val="accent1">
+              <a:shade val="50000"/>
+            </a:schemeClr>
+          </a:lnRef>
+          <a:fillRef idx="1">
+            <a:schemeClr val="accent1"/>
+          </a:fillRef>
+          <a:effectRef idx="0">
+            <a:schemeClr val="accent1"/>
+          </a:effectRef>
+          <a:fontRef idx="minor">
+            <a:schemeClr val="lt1"/>
+          </a:fontRef>
+        </p:style>
+        <p:txBody>
+          <a:bodyPr rtlCol="0" anchor="ctr"/>
+          <a:lstStyle/>
+          <a:p>
+            <a:pPr algn="ctr"/>
+            <a:endParaRPr lang="en-US"/>
+          </a:p>
+        </p:txBody>
+      </p:sp>
+      <p:sp>
+        <p:nvSpPr>
+          <p:cNvPr id="239" name="Rectangle 238">
+            <a:extLst>
+              <a:ext uri="{FF2B5EF4-FFF2-40B4-BE49-F238E27FC236}">
+                <a16:creationId xmlns:a16="http://schemas.microsoft.com/office/drawing/2014/main" id="{5F72621C-FD00-234C-8A33-7C529BC8CA14}"/>
+              </a:ext>
+            </a:extLst>
+          </p:cNvPr>
+          <p:cNvSpPr/>
+          <p:nvPr/>
+        </p:nvSpPr>
+        <p:spPr>
+          <a:xfrm>
+            <a:off x="9490938" y="3105148"/>
+            <a:ext cx="1544087" cy="3105151"/>
+          </a:xfrm>
+          <a:prstGeom prst="rect">
+            <a:avLst/>
+          </a:prstGeom>
+          <a:noFill/>
+          <a:ln>
+            <a:solidFill>
+              <a:srgbClr val="FFC000"/>
+            </a:solidFill>
+          </a:ln>
+        </p:spPr>
+        <p:style>
+          <a:lnRef idx="2">
+            <a:schemeClr val="accent1">
+              <a:shade val="50000"/>
+            </a:schemeClr>
+          </a:lnRef>
+          <a:fillRef idx="1">
+            <a:schemeClr val="accent1"/>
+          </a:fillRef>
+          <a:effectRef idx="0">
+            <a:schemeClr val="accent1"/>
+          </a:effectRef>
+          <a:fontRef idx="minor">
+            <a:schemeClr val="lt1"/>
+          </a:fontRef>
+        </p:style>
+        <p:txBody>
+          <a:bodyPr rtlCol="0" anchor="ctr"/>
+          <a:lstStyle/>
+          <a:p>
+            <a:pPr algn="ctr"/>
+            <a:endParaRPr lang="en-US"/>
+          </a:p>
+        </p:txBody>
+      </p:sp>
+    </p:spTree>
+    <p:extLst>
+      <p:ext uri="{BB962C8B-B14F-4D97-AF65-F5344CB8AC3E}">
+        <p14:creationId xmlns:p14="http://schemas.microsoft.com/office/powerpoint/2010/main" val="1780065090"/>
+      </p:ext>
+    </p:extLst>
+  </p:cSld>
+  <p:clrMapOvr>
+    <a:masterClrMapping/>
+  </p:clrMapOvr>
 </p:sld>
 </file>
 
